--- a/DDD, CQRS and Event Sourcing.pptx
+++ b/DDD, CQRS and Event Sourcing.pptx
@@ -18,42 +18,42 @@
     <p:sldId id="267" r:id="rId9"/>
     <p:sldId id="270" r:id="rId10"/>
     <p:sldId id="271" r:id="rId11"/>
-    <p:sldId id="342" r:id="rId12"/>
-    <p:sldId id="349" r:id="rId13"/>
-    <p:sldId id="350" r:id="rId14"/>
-    <p:sldId id="351" r:id="rId15"/>
-    <p:sldId id="343" r:id="rId16"/>
-    <p:sldId id="347" r:id="rId17"/>
-    <p:sldId id="348" r:id="rId18"/>
-    <p:sldId id="352" r:id="rId19"/>
-    <p:sldId id="341" r:id="rId20"/>
-    <p:sldId id="340" r:id="rId21"/>
-    <p:sldId id="276" r:id="rId22"/>
-    <p:sldId id="339" r:id="rId23"/>
-    <p:sldId id="334" r:id="rId24"/>
-    <p:sldId id="323" r:id="rId25"/>
-    <p:sldId id="279" r:id="rId26"/>
-    <p:sldId id="302" r:id="rId27"/>
-    <p:sldId id="293" r:id="rId28"/>
-    <p:sldId id="331" r:id="rId29"/>
-    <p:sldId id="294" r:id="rId30"/>
-    <p:sldId id="295" r:id="rId31"/>
-    <p:sldId id="330" r:id="rId32"/>
-    <p:sldId id="327" r:id="rId33"/>
-    <p:sldId id="285" r:id="rId34"/>
-    <p:sldId id="286" r:id="rId35"/>
-    <p:sldId id="306" r:id="rId36"/>
-    <p:sldId id="287" r:id="rId37"/>
-    <p:sldId id="328" r:id="rId38"/>
-    <p:sldId id="298" r:id="rId39"/>
-    <p:sldId id="300" r:id="rId40"/>
-    <p:sldId id="308" r:id="rId41"/>
-    <p:sldId id="309" r:id="rId42"/>
-    <p:sldId id="310" r:id="rId43"/>
-    <p:sldId id="329" r:id="rId44"/>
-    <p:sldId id="311" r:id="rId45"/>
-    <p:sldId id="314" r:id="rId46"/>
-    <p:sldId id="312" r:id="rId47"/>
+    <p:sldId id="355" r:id="rId12"/>
+    <p:sldId id="356" r:id="rId13"/>
+    <p:sldId id="342" r:id="rId14"/>
+    <p:sldId id="349" r:id="rId15"/>
+    <p:sldId id="350" r:id="rId16"/>
+    <p:sldId id="343" r:id="rId17"/>
+    <p:sldId id="339" r:id="rId18"/>
+    <p:sldId id="334" r:id="rId19"/>
+    <p:sldId id="357" r:id="rId20"/>
+    <p:sldId id="358" r:id="rId21"/>
+    <p:sldId id="323" r:id="rId22"/>
+    <p:sldId id="279" r:id="rId23"/>
+    <p:sldId id="302" r:id="rId24"/>
+    <p:sldId id="293" r:id="rId25"/>
+    <p:sldId id="331" r:id="rId26"/>
+    <p:sldId id="294" r:id="rId27"/>
+    <p:sldId id="295" r:id="rId28"/>
+    <p:sldId id="359" r:id="rId29"/>
+    <p:sldId id="330" r:id="rId30"/>
+    <p:sldId id="327" r:id="rId31"/>
+    <p:sldId id="285" r:id="rId32"/>
+    <p:sldId id="286" r:id="rId33"/>
+    <p:sldId id="306" r:id="rId34"/>
+    <p:sldId id="287" r:id="rId35"/>
+    <p:sldId id="328" r:id="rId36"/>
+    <p:sldId id="298" r:id="rId37"/>
+    <p:sldId id="300" r:id="rId38"/>
+    <p:sldId id="308" r:id="rId39"/>
+    <p:sldId id="360" r:id="rId40"/>
+    <p:sldId id="309" r:id="rId41"/>
+    <p:sldId id="310" r:id="rId42"/>
+    <p:sldId id="329" r:id="rId43"/>
+    <p:sldId id="311" r:id="rId44"/>
+    <p:sldId id="361" r:id="rId45"/>
+    <p:sldId id="362" r:id="rId46"/>
+    <p:sldId id="363" r:id="rId47"/>
     <p:sldId id="315" r:id="rId48"/>
     <p:sldId id="353" r:id="rId49"/>
   </p:sldIdLst>
@@ -1156,7 +1156,7 @@
             <a:fld id="{D7EC197D-ED23-4448-9918-12378FFB3766}" type="slidenum">
               <a:rPr lang="en-GB" smtClean="0"/>
               <a:pPr eaLnBrk="1" hangingPunct="1"/>
-              <a:t>24</a:t>
+              <a:t>21</a:t>
             </a:fld>
             <a:endParaRPr lang="en-GB" smtClean="0"/>
           </a:p>
@@ -4507,6 +4507,37 @@
           </a:p>
         </p:txBody>
       </p:sp>
+      <p:cxnSp>
+        <p:nvCxnSpPr>
+          <p:cNvPr id="7" name="Straight Connector 6"/>
+          <p:cNvCxnSpPr/>
+          <p:nvPr userDrawn="1"/>
+        </p:nvCxnSpPr>
+        <p:spPr>
+          <a:xfrm>
+            <a:off x="0" y="26126"/>
+            <a:ext cx="9144000" cy="0"/>
+          </a:xfrm>
+          <a:prstGeom prst="line">
+            <a:avLst/>
+          </a:prstGeom>
+          <a:ln w="50800"/>
+        </p:spPr>
+        <p:style>
+          <a:lnRef idx="1">
+            <a:schemeClr val="accent1"/>
+          </a:lnRef>
+          <a:fillRef idx="0">
+            <a:schemeClr val="accent1"/>
+          </a:fillRef>
+          <a:effectRef idx="0">
+            <a:schemeClr val="accent1"/>
+          </a:effectRef>
+          <a:fontRef idx="minor">
+            <a:schemeClr val="tx1"/>
+          </a:fontRef>
+        </p:style>
+      </p:cxnSp>
     </p:spTree>
   </p:cSld>
   <p:clrMap bg1="lt1" tx1="dk1" bg2="lt2" tx2="dk2" accent1="accent1" accent2="accent2" accent3="accent3" accent4="accent4" accent5="accent5" accent6="accent6" hlink="hlink" folHlink="folHlink"/>
@@ -5004,11 +5035,57 @@
           <a:p>
             <a:r>
               <a:rPr lang="en-GB" dirty="0" smtClean="0"/>
-              <a:t>Open 3 examples in VS.</a:t>
-            </a:r>
-          </a:p>
-        </p:txBody>
-      </p:sp>
+              <a:t>Open 3 examples in VS</a:t>
+            </a:r>
+            <a:r>
+              <a:rPr lang="en-GB" dirty="0" smtClean="0"/>
+              <a:t>.</a:t>
+            </a:r>
+          </a:p>
+          <a:p>
+            <a:r>
+              <a:rPr lang="en-GB" dirty="0" smtClean="0"/>
+              <a:t>Open </a:t>
+            </a:r>
+            <a:r>
+              <a:rPr lang="en-GB" dirty="0" err="1" smtClean="0"/>
+              <a:t>ReadStore.sql</a:t>
+            </a:r>
+            <a:endParaRPr lang="en-GB" dirty="0" smtClean="0"/>
+          </a:p>
+        </p:txBody>
+      </p:sp>
+      <p:cxnSp>
+        <p:nvCxnSpPr>
+          <p:cNvPr id="8" name="Straight Connector 7"/>
+          <p:cNvCxnSpPr/>
+          <p:nvPr/>
+        </p:nvCxnSpPr>
+        <p:spPr>
+          <a:xfrm>
+            <a:off x="0" y="36000"/>
+            <a:ext cx="1620000" cy="0"/>
+          </a:xfrm>
+          <a:prstGeom prst="line">
+            <a:avLst/>
+          </a:prstGeom>
+          <a:ln w="101600"/>
+        </p:spPr>
+        <p:style>
+          <a:lnRef idx="1">
+            <a:schemeClr val="accent1"/>
+          </a:lnRef>
+          <a:fillRef idx="0">
+            <a:schemeClr val="accent1"/>
+          </a:fillRef>
+          <a:effectRef idx="0">
+            <a:schemeClr val="accent1"/>
+          </a:effectRef>
+          <a:fontRef idx="minor">
+            <a:schemeClr val="tx1"/>
+          </a:fontRef>
+        </p:style>
+      </p:cxnSp>
     </p:spTree>
   </p:cSld>
   <p:clrMapOvr>
@@ -5118,6 +5195,37 @@
           </a:p>
         </p:txBody>
       </p:sp>
+      <p:cxnSp>
+        <p:nvCxnSpPr>
+          <p:cNvPr id="6" name="Straight Connector 5"/>
+          <p:cNvCxnSpPr/>
+          <p:nvPr/>
+        </p:nvCxnSpPr>
+        <p:spPr>
+          <a:xfrm>
+            <a:off x="0" y="36000"/>
+            <a:ext cx="1620000" cy="0"/>
+          </a:xfrm>
+          <a:prstGeom prst="line">
+            <a:avLst/>
+          </a:prstGeom>
+          <a:ln w="101600"/>
+        </p:spPr>
+        <p:style>
+          <a:lnRef idx="1">
+            <a:schemeClr val="accent1"/>
+          </a:lnRef>
+          <a:fillRef idx="0">
+            <a:schemeClr val="accent1"/>
+          </a:fillRef>
+          <a:effectRef idx="0">
+            <a:schemeClr val="accent1"/>
+          </a:effectRef>
+          <a:fontRef idx="minor">
+            <a:schemeClr val="tx1"/>
+          </a:fontRef>
+        </p:style>
+      </p:cxnSp>
     </p:spTree>
   </p:cSld>
   <p:clrMapOvr>
@@ -5137,2113 +5245,6 @@
 </file>
 
 <file path=ppt/slides/slide11.xml><?xml version="1.0" encoding="utf-8"?>
-<p:sld xmlns:a="http://schemas.openxmlformats.org/drawingml/2006/main" xmlns:r="http://schemas.openxmlformats.org/officeDocument/2006/relationships" xmlns:p="http://schemas.openxmlformats.org/presentationml/2006/main">
-  <p:cSld>
-    <p:spTree>
-      <p:nvGrpSpPr>
-        <p:cNvPr id="1" name=""/>
-        <p:cNvGrpSpPr/>
-        <p:nvPr/>
-      </p:nvGrpSpPr>
-      <p:grpSpPr>
-        <a:xfrm>
-          <a:off x="0" y="0"/>
-          <a:ext cx="0" cy="0"/>
-          <a:chOff x="0" y="0"/>
-          <a:chExt cx="0" cy="0"/>
-        </a:xfrm>
-      </p:grpSpPr>
-      <p:sp>
-        <p:nvSpPr>
-          <p:cNvPr id="4" name="Title 3"/>
-          <p:cNvSpPr>
-            <a:spLocks noGrp="1"/>
-          </p:cNvSpPr>
-          <p:nvPr>
-            <p:ph type="ctrTitle"/>
-          </p:nvPr>
-        </p:nvSpPr>
-        <p:spPr/>
-        <p:txBody>
-          <a:bodyPr/>
-          <a:lstStyle/>
-          <a:p>
-            <a:r>
-              <a:rPr lang="en-GB" dirty="0" smtClean="0"/>
-              <a:t>Ubiquitous Language</a:t>
-            </a:r>
-            <a:endParaRPr lang="en-GB" dirty="0"/>
-          </a:p>
-        </p:txBody>
-      </p:sp>
-      <p:sp>
-        <p:nvSpPr>
-          <p:cNvPr id="5" name="Subtitle 4"/>
-          <p:cNvSpPr>
-            <a:spLocks noGrp="1"/>
-          </p:cNvSpPr>
-          <p:nvPr>
-            <p:ph type="subTitle" idx="1"/>
-          </p:nvPr>
-        </p:nvSpPr>
-        <p:spPr/>
-        <p:txBody>
-          <a:bodyPr/>
-          <a:lstStyle/>
-          <a:p>
-            <a:endParaRPr lang="en-GB"/>
-          </a:p>
-        </p:txBody>
-      </p:sp>
-    </p:spTree>
-    <p:extLst>
-      <p:ext uri="{BB962C8B-B14F-4D97-AF65-F5344CB8AC3E}">
-        <p14:creationId xmlns:p14="http://schemas.microsoft.com/office/powerpoint/2010/main" val="4100539972"/>
-      </p:ext>
-    </p:extLst>
-  </p:cSld>
-  <p:clrMapOvr>
-    <a:masterClrMapping/>
-  </p:clrMapOvr>
-  <p:transition advTm="19714">
-    <p:fade/>
-  </p:transition>
-  <p:timing>
-    <p:tnLst>
-      <p:par>
-        <p:cTn id="1" dur="indefinite" restart="never" nodeType="tmRoot"/>
-      </p:par>
-    </p:tnLst>
-  </p:timing>
-</p:sld>
-</file>
-
-<file path=ppt/slides/slide12.xml><?xml version="1.0" encoding="utf-8"?>
-<p:sld xmlns:a="http://schemas.openxmlformats.org/drawingml/2006/main" xmlns:r="http://schemas.openxmlformats.org/officeDocument/2006/relationships" xmlns:p="http://schemas.openxmlformats.org/presentationml/2006/main">
-  <p:cSld>
-    <p:spTree>
-      <p:nvGrpSpPr>
-        <p:cNvPr id="1" name=""/>
-        <p:cNvGrpSpPr/>
-        <p:nvPr/>
-      </p:nvGrpSpPr>
-      <p:grpSpPr>
-        <a:xfrm>
-          <a:off x="0" y="0"/>
-          <a:ext cx="0" cy="0"/>
-          <a:chOff x="0" y="0"/>
-          <a:chExt cx="0" cy="0"/>
-        </a:xfrm>
-      </p:grpSpPr>
-      <p:sp>
-        <p:nvSpPr>
-          <p:cNvPr id="4" name="Title 3"/>
-          <p:cNvSpPr>
-            <a:spLocks noGrp="1"/>
-          </p:cNvSpPr>
-          <p:nvPr>
-            <p:ph type="ctrTitle"/>
-          </p:nvPr>
-        </p:nvSpPr>
-        <p:spPr/>
-        <p:txBody>
-          <a:bodyPr/>
-          <a:lstStyle/>
-          <a:p>
-            <a:r>
-              <a:rPr lang="en-GB" dirty="0" smtClean="0"/>
-              <a:t>A word of warning...</a:t>
-            </a:r>
-            <a:endParaRPr lang="en-GB" dirty="0"/>
-          </a:p>
-        </p:txBody>
-      </p:sp>
-      <p:sp>
-        <p:nvSpPr>
-          <p:cNvPr id="5" name="Subtitle 4"/>
-          <p:cNvSpPr>
-            <a:spLocks noGrp="1"/>
-          </p:cNvSpPr>
-          <p:nvPr>
-            <p:ph type="subTitle" idx="1"/>
-          </p:nvPr>
-        </p:nvSpPr>
-        <p:spPr/>
-        <p:txBody>
-          <a:bodyPr/>
-          <a:lstStyle/>
-          <a:p>
-            <a:endParaRPr lang="en-GB"/>
-          </a:p>
-        </p:txBody>
-      </p:sp>
-    </p:spTree>
-    <p:extLst>
-      <p:ext uri="{BB962C8B-B14F-4D97-AF65-F5344CB8AC3E}">
-        <p14:creationId xmlns:p14="http://schemas.microsoft.com/office/powerpoint/2010/main" val="2941070103"/>
-      </p:ext>
-    </p:extLst>
-  </p:cSld>
-  <p:clrMapOvr>
-    <a:masterClrMapping/>
-  </p:clrMapOvr>
-  <p:transition advTm="19714">
-    <p:fade/>
-  </p:transition>
-  <p:timing>
-    <p:tnLst>
-      <p:par>
-        <p:cTn id="1" dur="indefinite" restart="never" nodeType="tmRoot"/>
-      </p:par>
-    </p:tnLst>
-  </p:timing>
-</p:sld>
-</file>
-
-<file path=ppt/slides/slide13.xml><?xml version="1.0" encoding="utf-8"?>
-<p:sld xmlns:a="http://schemas.openxmlformats.org/drawingml/2006/main" xmlns:r="http://schemas.openxmlformats.org/officeDocument/2006/relationships" xmlns:p="http://schemas.openxmlformats.org/presentationml/2006/main">
-  <p:cSld>
-    <p:spTree>
-      <p:nvGrpSpPr>
-        <p:cNvPr id="1" name=""/>
-        <p:cNvGrpSpPr/>
-        <p:nvPr/>
-      </p:nvGrpSpPr>
-      <p:grpSpPr>
-        <a:xfrm>
-          <a:off x="0" y="0"/>
-          <a:ext cx="0" cy="0"/>
-          <a:chOff x="0" y="0"/>
-          <a:chExt cx="0" cy="0"/>
-        </a:xfrm>
-      </p:grpSpPr>
-      <p:sp>
-        <p:nvSpPr>
-          <p:cNvPr id="6146" name="Rectangle 8"/>
-          <p:cNvSpPr>
-            <a:spLocks noGrp="1" noChangeArrowheads="1"/>
-          </p:cNvSpPr>
-          <p:nvPr>
-            <p:ph type="ctrTitle"/>
-          </p:nvPr>
-        </p:nvSpPr>
-        <p:spPr/>
-        <p:txBody>
-          <a:bodyPr/>
-          <a:lstStyle/>
-          <a:p>
-            <a:pPr eaLnBrk="1" hangingPunct="1"/>
-            <a:r>
-              <a:rPr lang="en-GB" sz="4000" smtClean="0"/>
-              <a:t>If the only verbs in your Ubiquitous Language are </a:t>
-            </a:r>
-            <a:r>
-              <a:rPr lang="en-GB" sz="4000" b="1" smtClean="0"/>
-              <a:t>Create</a:t>
-            </a:r>
-            <a:r>
-              <a:rPr lang="en-GB" sz="4000" smtClean="0"/>
-              <a:t>, </a:t>
-            </a:r>
-            <a:r>
-              <a:rPr lang="en-GB" sz="4000" b="1" smtClean="0"/>
-              <a:t>Delete</a:t>
-            </a:r>
-            <a:r>
-              <a:rPr lang="en-GB" sz="4000" smtClean="0"/>
-              <a:t> and </a:t>
-            </a:r>
-            <a:r>
-              <a:rPr lang="en-GB" sz="4000" b="1" smtClean="0"/>
-              <a:t>Change</a:t>
-            </a:r>
-            <a:r>
-              <a:rPr lang="en-GB" sz="4000" smtClean="0"/>
-              <a:t>, you probably should not be using DDD.</a:t>
-            </a:r>
-          </a:p>
-        </p:txBody>
-      </p:sp>
-      <p:sp>
-        <p:nvSpPr>
-          <p:cNvPr id="6147" name="Rectangle 9"/>
-          <p:cNvSpPr>
-            <a:spLocks noGrp="1" noChangeArrowheads="1"/>
-          </p:cNvSpPr>
-          <p:nvPr>
-            <p:ph type="subTitle" idx="1"/>
-          </p:nvPr>
-        </p:nvSpPr>
-        <p:spPr/>
-        <p:txBody>
-          <a:bodyPr/>
-          <a:lstStyle/>
-          <a:p>
-            <a:pPr eaLnBrk="1" hangingPunct="1"/>
-            <a:endParaRPr lang="en-US" smtClean="0"/>
-          </a:p>
-        </p:txBody>
-      </p:sp>
-    </p:spTree>
-    <p:extLst>
-      <p:ext uri="{BB962C8B-B14F-4D97-AF65-F5344CB8AC3E}">
-        <p14:creationId xmlns:p14="http://schemas.microsoft.com/office/powerpoint/2010/main" val="1263342767"/>
-      </p:ext>
-    </p:extLst>
-  </p:cSld>
-  <p:clrMapOvr>
-    <a:masterClrMapping/>
-  </p:clrMapOvr>
-  <p:transition>
-    <p:fade/>
-  </p:transition>
-  <p:timing>
-    <p:tnLst>
-      <p:par>
-        <p:cTn id="1" dur="indefinite" restart="never" nodeType="tmRoot"/>
-      </p:par>
-    </p:tnLst>
-  </p:timing>
-</p:sld>
-</file>
-
-<file path=ppt/slides/slide14.xml><?xml version="1.0" encoding="utf-8"?>
-<p:sld xmlns:a="http://schemas.openxmlformats.org/drawingml/2006/main" xmlns:r="http://schemas.openxmlformats.org/officeDocument/2006/relationships" xmlns:p="http://schemas.openxmlformats.org/presentationml/2006/main">
-  <p:cSld>
-    <p:spTree>
-      <p:nvGrpSpPr>
-        <p:cNvPr id="1" name=""/>
-        <p:cNvGrpSpPr/>
-        <p:nvPr/>
-      </p:nvGrpSpPr>
-      <p:grpSpPr>
-        <a:xfrm>
-          <a:off x="0" y="0"/>
-          <a:ext cx="0" cy="0"/>
-          <a:chOff x="0" y="0"/>
-          <a:chExt cx="0" cy="0"/>
-        </a:xfrm>
-      </p:grpSpPr>
-      <p:sp>
-        <p:nvSpPr>
-          <p:cNvPr id="5122" name="Rectangle 2"/>
-          <p:cNvSpPr>
-            <a:spLocks noGrp="1" noChangeArrowheads="1"/>
-          </p:cNvSpPr>
-          <p:nvPr>
-            <p:ph type="ctrTitle"/>
-          </p:nvPr>
-        </p:nvSpPr>
-        <p:spPr/>
-        <p:txBody>
-          <a:bodyPr/>
-          <a:lstStyle/>
-          <a:p>
-            <a:pPr eaLnBrk="1" hangingPunct="1"/>
-            <a:r>
-              <a:rPr lang="en-GB" smtClean="0"/>
-              <a:t>“Choose the simplest thing that could possibly work”</a:t>
-            </a:r>
-          </a:p>
-        </p:txBody>
-      </p:sp>
-      <p:sp>
-        <p:nvSpPr>
-          <p:cNvPr id="5123" name="Rectangle 3"/>
-          <p:cNvSpPr>
-            <a:spLocks noGrp="1" noChangeArrowheads="1"/>
-          </p:cNvSpPr>
-          <p:nvPr>
-            <p:ph type="subTitle" idx="1"/>
-          </p:nvPr>
-        </p:nvSpPr>
-        <p:spPr/>
-        <p:txBody>
-          <a:bodyPr/>
-          <a:lstStyle/>
-          <a:p>
-            <a:pPr eaLnBrk="1" hangingPunct="1"/>
-            <a:endParaRPr lang="en-US" i="1" smtClean="0"/>
-          </a:p>
-        </p:txBody>
-      </p:sp>
-      <p:pic>
-        <p:nvPicPr>
-          <p:cNvPr id="5124" name="Picture 4"/>
-          <p:cNvPicPr>
-            <a:picLocks noChangeAspect="1" noChangeArrowheads="1"/>
-          </p:cNvPicPr>
-          <p:nvPr/>
-        </p:nvPicPr>
-        <p:blipFill>
-          <a:blip r:embed="rId2">
-            <a:extLst>
-              <a:ext uri="{28A0092B-C50C-407E-A947-70E740481C1C}">
-                <a14:useLocalDpi xmlns:a14="http://schemas.microsoft.com/office/drawing/2010/main" val="0"/>
-              </a:ext>
-            </a:extLst>
-          </a:blip>
-          <a:srcRect/>
-          <a:stretch>
-            <a:fillRect/>
-          </a:stretch>
-        </p:blipFill>
-        <p:spPr bwMode="auto">
-          <a:xfrm>
-            <a:off x="250825" y="4419600"/>
-            <a:ext cx="1638300" cy="2438400"/>
-          </a:xfrm>
-          <a:prstGeom prst="rect">
-            <a:avLst/>
-          </a:prstGeom>
-          <a:noFill/>
-          <a:ln>
-            <a:noFill/>
-          </a:ln>
-          <a:effectLst/>
-          <a:extLst>
-            <a:ext uri="{909E8E84-426E-40DD-AFC4-6F175D3DCCD1}">
-              <a14:hiddenFill xmlns:a14="http://schemas.microsoft.com/office/drawing/2010/main">
-                <a:solidFill>
-                  <a:schemeClr val="accent1"/>
-                </a:solidFill>
-              </a14:hiddenFill>
-            </a:ext>
-            <a:ext uri="{91240B29-F687-4F45-9708-019B960494DF}">
-              <a14:hiddenLine xmlns:a14="http://schemas.microsoft.com/office/drawing/2010/main" w="9525">
-                <a:solidFill>
-                  <a:schemeClr val="tx1"/>
-                </a:solidFill>
-                <a:miter lim="800000"/>
-                <a:headEnd/>
-                <a:tailEnd/>
-              </a14:hiddenLine>
-            </a:ext>
-            <a:ext uri="{AF507438-7753-43E0-B8FC-AC1667EBCBE1}">
-              <a14:hiddenEffects xmlns:a14="http://schemas.microsoft.com/office/drawing/2010/main">
-                <a:effectLst>
-                  <a:outerShdw dist="35921" dir="2700000" algn="ctr" rotWithShape="0">
-                    <a:schemeClr val="bg2"/>
-                  </a:outerShdw>
-                </a:effectLst>
-              </a14:hiddenEffects>
-            </a:ext>
-          </a:extLst>
-        </p:spPr>
-      </p:pic>
-    </p:spTree>
-    <p:extLst>
-      <p:ext uri="{BB962C8B-B14F-4D97-AF65-F5344CB8AC3E}">
-        <p14:creationId xmlns:p14="http://schemas.microsoft.com/office/powerpoint/2010/main" val="3607968881"/>
-      </p:ext>
-    </p:extLst>
-  </p:cSld>
-  <p:clrMapOvr>
-    <a:masterClrMapping/>
-  </p:clrMapOvr>
-  <p:transition>
-    <p:fade/>
-  </p:transition>
-  <p:timing>
-    <p:tnLst>
-      <p:par>
-        <p:cTn id="1" dur="indefinite" restart="never" nodeType="tmRoot"/>
-      </p:par>
-    </p:tnLst>
-  </p:timing>
-</p:sld>
-</file>
-
-<file path=ppt/slides/slide15.xml><?xml version="1.0" encoding="utf-8"?>
-<p:sld xmlns:a="http://schemas.openxmlformats.org/drawingml/2006/main" xmlns:r="http://schemas.openxmlformats.org/officeDocument/2006/relationships" xmlns:p="http://schemas.openxmlformats.org/presentationml/2006/main">
-  <p:cSld>
-    <p:spTree>
-      <p:nvGrpSpPr>
-        <p:cNvPr id="1" name=""/>
-        <p:cNvGrpSpPr/>
-        <p:nvPr/>
-      </p:nvGrpSpPr>
-      <p:grpSpPr>
-        <a:xfrm>
-          <a:off x="0" y="0"/>
-          <a:ext cx="0" cy="0"/>
-          <a:chOff x="0" y="0"/>
-          <a:chExt cx="0" cy="0"/>
-        </a:xfrm>
-      </p:grpSpPr>
-      <p:sp>
-        <p:nvSpPr>
-          <p:cNvPr id="4" name="Title 3"/>
-          <p:cNvSpPr>
-            <a:spLocks noGrp="1"/>
-          </p:cNvSpPr>
-          <p:nvPr>
-            <p:ph type="ctrTitle"/>
-          </p:nvPr>
-        </p:nvSpPr>
-        <p:spPr/>
-        <p:txBody>
-          <a:bodyPr/>
-          <a:lstStyle/>
-          <a:p>
-            <a:r>
-              <a:rPr lang="en-GB" dirty="0" smtClean="0"/>
-              <a:t>Refactoring toward </a:t>
-            </a:r>
-            <a:br>
-              <a:rPr lang="en-GB" dirty="0" smtClean="0"/>
-            </a:br>
-            <a:r>
-              <a:rPr lang="en-GB" dirty="0" smtClean="0"/>
-              <a:t>deeper insight</a:t>
-            </a:r>
-            <a:endParaRPr lang="en-GB" dirty="0"/>
-          </a:p>
-        </p:txBody>
-      </p:sp>
-      <p:sp>
-        <p:nvSpPr>
-          <p:cNvPr id="5" name="Subtitle 4"/>
-          <p:cNvSpPr>
-            <a:spLocks noGrp="1"/>
-          </p:cNvSpPr>
-          <p:nvPr>
-            <p:ph type="subTitle" idx="1"/>
-          </p:nvPr>
-        </p:nvSpPr>
-        <p:spPr/>
-        <p:txBody>
-          <a:bodyPr/>
-          <a:lstStyle/>
-          <a:p>
-            <a:endParaRPr lang="en-GB"/>
-          </a:p>
-        </p:txBody>
-      </p:sp>
-    </p:spTree>
-    <p:extLst>
-      <p:ext uri="{BB962C8B-B14F-4D97-AF65-F5344CB8AC3E}">
-        <p14:creationId xmlns:p14="http://schemas.microsoft.com/office/powerpoint/2010/main" val="2918539562"/>
-      </p:ext>
-    </p:extLst>
-  </p:cSld>
-  <p:clrMapOvr>
-    <a:masterClrMapping/>
-  </p:clrMapOvr>
-  <p:transition advTm="19714">
-    <p:fade/>
-  </p:transition>
-  <p:timing>
-    <p:tnLst>
-      <p:par>
-        <p:cTn id="1" dur="indefinite" restart="never" nodeType="tmRoot"/>
-      </p:par>
-    </p:tnLst>
-  </p:timing>
-</p:sld>
-</file>
-
-<file path=ppt/slides/slide16.xml><?xml version="1.0" encoding="utf-8"?>
-<p:sld xmlns:a="http://schemas.openxmlformats.org/drawingml/2006/main" xmlns:r="http://schemas.openxmlformats.org/officeDocument/2006/relationships" xmlns:p="http://schemas.openxmlformats.org/presentationml/2006/main">
-  <p:cSld>
-    <p:spTree>
-      <p:nvGrpSpPr>
-        <p:cNvPr id="1" name=""/>
-        <p:cNvGrpSpPr/>
-        <p:nvPr/>
-      </p:nvGrpSpPr>
-      <p:grpSpPr>
-        <a:xfrm>
-          <a:off x="0" y="0"/>
-          <a:ext cx="0" cy="0"/>
-          <a:chOff x="0" y="0"/>
-          <a:chExt cx="0" cy="0"/>
-        </a:xfrm>
-      </p:grpSpPr>
-      <p:sp>
-        <p:nvSpPr>
-          <p:cNvPr id="2" name="Title 1"/>
-          <p:cNvSpPr>
-            <a:spLocks noGrp="1"/>
-          </p:cNvSpPr>
-          <p:nvPr>
-            <p:ph type="title"/>
-          </p:nvPr>
-        </p:nvSpPr>
-        <p:spPr/>
-        <p:txBody>
-          <a:bodyPr/>
-          <a:lstStyle/>
-          <a:p>
-            <a:endParaRPr lang="en-GB" dirty="0"/>
-          </a:p>
-        </p:txBody>
-      </p:sp>
-      <p:sp>
-        <p:nvSpPr>
-          <p:cNvPr id="3" name="Content Placeholder 2"/>
-          <p:cNvSpPr>
-            <a:spLocks noGrp="1"/>
-          </p:cNvSpPr>
-          <p:nvPr>
-            <p:ph idx="1"/>
-          </p:nvPr>
-        </p:nvSpPr>
-        <p:spPr/>
-        <p:txBody>
-          <a:bodyPr/>
-          <a:lstStyle/>
-          <a:p>
-            <a:endParaRPr lang="en-GB" dirty="0"/>
-          </a:p>
-        </p:txBody>
-      </p:sp>
-      <p:sp>
-        <p:nvSpPr>
-          <p:cNvPr id="7" name="TextBox 6"/>
-          <p:cNvSpPr txBox="1"/>
-          <p:nvPr/>
-        </p:nvSpPr>
-        <p:spPr>
-          <a:xfrm>
-            <a:off x="388670" y="4437112"/>
-            <a:ext cx="2592288" cy="646331"/>
-          </a:xfrm>
-          <a:prstGeom prst="rect">
-            <a:avLst/>
-          </a:prstGeom>
-          <a:noFill/>
-        </p:spPr>
-        <p:txBody>
-          <a:bodyPr wrap="square" rtlCol="0">
-            <a:spAutoFit/>
-          </a:bodyPr>
-          <a:lstStyle/>
-          <a:p>
-            <a:pPr algn="ctr"/>
-            <a:r>
-              <a:rPr lang="en-GB" sz="3600" dirty="0" smtClean="0">
-                <a:latin typeface="+mj-lt"/>
-              </a:rPr>
-              <a:t>Student</a:t>
-            </a:r>
-            <a:endParaRPr lang="en-GB" sz="3600" dirty="0">
-              <a:latin typeface="+mj-lt"/>
-            </a:endParaRPr>
-          </a:p>
-        </p:txBody>
-      </p:sp>
-      <p:sp>
-        <p:nvSpPr>
-          <p:cNvPr id="9" name="TextBox 8"/>
-          <p:cNvSpPr txBox="1"/>
-          <p:nvPr/>
-        </p:nvSpPr>
-        <p:spPr>
-          <a:xfrm>
-            <a:off x="6163042" y="4437112"/>
-            <a:ext cx="2592288" cy="646331"/>
-          </a:xfrm>
-          <a:prstGeom prst="rect">
-            <a:avLst/>
-          </a:prstGeom>
-          <a:noFill/>
-        </p:spPr>
-        <p:txBody>
-          <a:bodyPr wrap="square" rtlCol="0">
-            <a:spAutoFit/>
-          </a:bodyPr>
-          <a:lstStyle/>
-          <a:p>
-            <a:pPr algn="ctr"/>
-            <a:r>
-              <a:rPr lang="en-GB" sz="3600" dirty="0" smtClean="0">
-                <a:latin typeface="+mj-lt"/>
-              </a:rPr>
-              <a:t>Course</a:t>
-            </a:r>
-            <a:endParaRPr lang="en-GB" sz="3600" dirty="0">
-              <a:latin typeface="+mj-lt"/>
-            </a:endParaRPr>
-          </a:p>
-        </p:txBody>
-      </p:sp>
-      <p:cxnSp>
-        <p:nvCxnSpPr>
-          <p:cNvPr id="11" name="Straight Arrow Connector 10"/>
-          <p:cNvCxnSpPr/>
-          <p:nvPr/>
-        </p:nvCxnSpPr>
-        <p:spPr>
-          <a:xfrm flipV="1">
-            <a:off x="2627784" y="3429000"/>
-            <a:ext cx="864096" cy="100"/>
-          </a:xfrm>
-          <a:prstGeom prst="straightConnector1">
-            <a:avLst/>
-          </a:prstGeom>
-          <a:ln>
-            <a:tailEnd type="arrow"/>
-          </a:ln>
-        </p:spPr>
-        <p:style>
-          <a:lnRef idx="3">
-            <a:schemeClr val="dk1"/>
-          </a:lnRef>
-          <a:fillRef idx="0">
-            <a:schemeClr val="dk1"/>
-          </a:fillRef>
-          <a:effectRef idx="2">
-            <a:schemeClr val="dk1"/>
-          </a:effectRef>
-          <a:fontRef idx="minor">
-            <a:schemeClr val="tx1"/>
-          </a:fontRef>
-        </p:style>
-      </p:cxnSp>
-      <p:sp>
-        <p:nvSpPr>
-          <p:cNvPr id="4" name="Smiley Face 3"/>
-          <p:cNvSpPr/>
-          <p:nvPr/>
-        </p:nvSpPr>
-        <p:spPr>
-          <a:xfrm>
-            <a:off x="784814" y="2528800"/>
-            <a:ext cx="1800000" cy="1800200"/>
-          </a:xfrm>
-          <a:prstGeom prst="smileyFace">
-            <a:avLst/>
-          </a:prstGeom>
-          <a:effectLst>
-            <a:outerShdw blurRad="50800" dist="38100" dir="2700000" algn="tl" rotWithShape="0">
-              <a:prstClr val="black">
-                <a:alpha val="40000"/>
-              </a:prstClr>
-            </a:outerShdw>
-          </a:effectLst>
-        </p:spPr>
-        <p:style>
-          <a:lnRef idx="2">
-            <a:schemeClr val="accent1">
-              <a:shade val="50000"/>
-            </a:schemeClr>
-          </a:lnRef>
-          <a:fillRef idx="1">
-            <a:schemeClr val="accent1"/>
-          </a:fillRef>
-          <a:effectRef idx="0">
-            <a:schemeClr val="accent1"/>
-          </a:effectRef>
-          <a:fontRef idx="minor">
-            <a:schemeClr val="lt1"/>
-          </a:fontRef>
-        </p:style>
-        <p:txBody>
-          <a:bodyPr rtlCol="0" anchor="ctr"/>
-          <a:lstStyle/>
-          <a:p>
-            <a:pPr algn="ctr"/>
-            <a:endParaRPr lang="en-GB"/>
-          </a:p>
-        </p:txBody>
-      </p:sp>
-      <p:sp>
-        <p:nvSpPr>
-          <p:cNvPr id="5" name="Oval 4"/>
-          <p:cNvSpPr/>
-          <p:nvPr/>
-        </p:nvSpPr>
-        <p:spPr>
-          <a:xfrm>
-            <a:off x="6559186" y="2529000"/>
-            <a:ext cx="1800000" cy="1800000"/>
-          </a:xfrm>
-          <a:prstGeom prst="ellipse">
-            <a:avLst/>
-          </a:prstGeom>
-          <a:effectLst>
-            <a:outerShdw blurRad="50800" dist="38100" dir="2700000" algn="tl" rotWithShape="0">
-              <a:prstClr val="black">
-                <a:alpha val="40000"/>
-              </a:prstClr>
-            </a:outerShdw>
-          </a:effectLst>
-        </p:spPr>
-        <p:style>
-          <a:lnRef idx="2">
-            <a:schemeClr val="accent1">
-              <a:shade val="50000"/>
-            </a:schemeClr>
-          </a:lnRef>
-          <a:fillRef idx="1">
-            <a:schemeClr val="accent1"/>
-          </a:fillRef>
-          <a:effectRef idx="0">
-            <a:schemeClr val="accent1"/>
-          </a:effectRef>
-          <a:fontRef idx="minor">
-            <a:schemeClr val="lt1"/>
-          </a:fontRef>
-        </p:style>
-        <p:txBody>
-          <a:bodyPr rtlCol="0" anchor="ctr"/>
-          <a:lstStyle/>
-          <a:p>
-            <a:pPr algn="ctr"/>
-            <a:endParaRPr lang="en-GB" b="1" dirty="0">
-              <a:ln w="1905"/>
-              <a:gradFill>
-                <a:gsLst>
-                  <a:gs pos="0">
-                    <a:schemeClr val="accent6">
-                      <a:shade val="20000"/>
-                      <a:satMod val="200000"/>
-                    </a:schemeClr>
-                  </a:gs>
-                  <a:gs pos="78000">
-                    <a:schemeClr val="accent6">
-                      <a:tint val="90000"/>
-                      <a:shade val="89000"/>
-                      <a:satMod val="220000"/>
-                    </a:schemeClr>
-                  </a:gs>
-                  <a:gs pos="100000">
-                    <a:schemeClr val="accent6">
-                      <a:tint val="12000"/>
-                      <a:satMod val="255000"/>
-                    </a:schemeClr>
-                  </a:gs>
-                </a:gsLst>
-                <a:lin ang="5400000"/>
-              </a:gradFill>
-              <a:effectLst>
-                <a:innerShdw blurRad="69850" dist="43180" dir="5400000">
-                  <a:srgbClr val="000000">
-                    <a:alpha val="65000"/>
-                  </a:srgbClr>
-                </a:innerShdw>
-              </a:effectLst>
-            </a:endParaRPr>
-          </a:p>
-        </p:txBody>
-      </p:sp>
-      <p:sp>
-        <p:nvSpPr>
-          <p:cNvPr id="16" name="Oval 15"/>
-          <p:cNvSpPr/>
-          <p:nvPr/>
-        </p:nvSpPr>
-        <p:spPr>
-          <a:xfrm>
-            <a:off x="3672000" y="2529000"/>
-            <a:ext cx="1800000" cy="1800000"/>
-          </a:xfrm>
-          <a:prstGeom prst="ellipse">
-            <a:avLst/>
-          </a:prstGeom>
-          <a:effectLst>
-            <a:outerShdw blurRad="50800" dist="38100" dir="2700000" algn="tl" rotWithShape="0">
-              <a:prstClr val="black">
-                <a:alpha val="40000"/>
-              </a:prstClr>
-            </a:outerShdw>
-          </a:effectLst>
-        </p:spPr>
-        <p:style>
-          <a:lnRef idx="1">
-            <a:schemeClr val="accent2"/>
-          </a:lnRef>
-          <a:fillRef idx="2">
-            <a:schemeClr val="accent2"/>
-          </a:fillRef>
-          <a:effectRef idx="1">
-            <a:schemeClr val="accent2"/>
-          </a:effectRef>
-          <a:fontRef idx="minor">
-            <a:schemeClr val="dk1"/>
-          </a:fontRef>
-        </p:style>
-        <p:txBody>
-          <a:bodyPr rtlCol="0" anchor="ctr"/>
-          <a:lstStyle/>
-          <a:p>
-            <a:pPr algn="ctr"/>
-            <a:r>
-              <a:rPr lang="en-GB" sz="9600" b="1" dirty="0" smtClean="0">
-                <a:ln w="1905"/>
-                <a:gradFill>
-                  <a:gsLst>
-                    <a:gs pos="0">
-                      <a:schemeClr val="accent6">
-                        <a:shade val="20000"/>
-                        <a:satMod val="200000"/>
-                      </a:schemeClr>
-                    </a:gs>
-                    <a:gs pos="78000">
-                      <a:schemeClr val="accent6">
-                        <a:tint val="90000"/>
-                        <a:shade val="89000"/>
-                        <a:satMod val="220000"/>
-                      </a:schemeClr>
-                    </a:gs>
-                    <a:gs pos="100000">
-                      <a:schemeClr val="accent6">
-                        <a:tint val="12000"/>
-                        <a:satMod val="255000"/>
-                      </a:schemeClr>
-                    </a:gs>
-                  </a:gsLst>
-                  <a:lin ang="5400000"/>
-                </a:gradFill>
-                <a:effectLst>
-                  <a:innerShdw blurRad="69850" dist="43180" dir="5400000">
-                    <a:srgbClr val="000000">
-                      <a:alpha val="65000"/>
-                    </a:srgbClr>
-                  </a:innerShdw>
-                </a:effectLst>
-                <a:latin typeface="+mj-lt"/>
-              </a:rPr>
-              <a:t>?</a:t>
-            </a:r>
-            <a:endParaRPr lang="en-GB" sz="9600" b="1" dirty="0">
-              <a:ln w="1905"/>
-              <a:gradFill>
-                <a:gsLst>
-                  <a:gs pos="0">
-                    <a:schemeClr val="accent6">
-                      <a:shade val="20000"/>
-                      <a:satMod val="200000"/>
-                    </a:schemeClr>
-                  </a:gs>
-                  <a:gs pos="78000">
-                    <a:schemeClr val="accent6">
-                      <a:tint val="90000"/>
-                      <a:shade val="89000"/>
-                      <a:satMod val="220000"/>
-                    </a:schemeClr>
-                  </a:gs>
-                  <a:gs pos="100000">
-                    <a:schemeClr val="accent6">
-                      <a:tint val="12000"/>
-                      <a:satMod val="255000"/>
-                    </a:schemeClr>
-                  </a:gs>
-                </a:gsLst>
-                <a:lin ang="5400000"/>
-              </a:gradFill>
-              <a:effectLst>
-                <a:innerShdw blurRad="69850" dist="43180" dir="5400000">
-                  <a:srgbClr val="000000">
-                    <a:alpha val="65000"/>
-                  </a:srgbClr>
-                </a:innerShdw>
-              </a:effectLst>
-              <a:latin typeface="+mj-lt"/>
-            </a:endParaRPr>
-          </a:p>
-        </p:txBody>
-      </p:sp>
-      <p:cxnSp>
-        <p:nvCxnSpPr>
-          <p:cNvPr id="18" name="Straight Arrow Connector 17"/>
-          <p:cNvCxnSpPr/>
-          <p:nvPr/>
-        </p:nvCxnSpPr>
-        <p:spPr>
-          <a:xfrm flipH="1" flipV="1">
-            <a:off x="5652058" y="3428800"/>
-            <a:ext cx="864096" cy="100"/>
-          </a:xfrm>
-          <a:prstGeom prst="straightConnector1">
-            <a:avLst/>
-          </a:prstGeom>
-          <a:ln>
-            <a:tailEnd type="arrow"/>
-          </a:ln>
-        </p:spPr>
-        <p:style>
-          <a:lnRef idx="3">
-            <a:schemeClr val="dk1"/>
-          </a:lnRef>
-          <a:fillRef idx="0">
-            <a:schemeClr val="dk1"/>
-          </a:fillRef>
-          <a:effectRef idx="2">
-            <a:schemeClr val="dk1"/>
-          </a:effectRef>
-          <a:fontRef idx="minor">
-            <a:schemeClr val="tx1"/>
-          </a:fontRef>
-        </p:style>
-      </p:cxnSp>
-    </p:spTree>
-    <p:extLst>
-      <p:ext uri="{BB962C8B-B14F-4D97-AF65-F5344CB8AC3E}">
-        <p14:creationId xmlns:p14="http://schemas.microsoft.com/office/powerpoint/2010/main" val="1705934663"/>
-      </p:ext>
-    </p:extLst>
-  </p:cSld>
-  <p:clrMapOvr>
-    <a:masterClrMapping/>
-  </p:clrMapOvr>
-  <p:transition advTm="19714">
-    <p:fade/>
-  </p:transition>
-  <p:timing>
-    <p:tnLst>
-      <p:par>
-        <p:cTn id="1" dur="indefinite" restart="never" nodeType="tmRoot"/>
-      </p:par>
-    </p:tnLst>
-  </p:timing>
-</p:sld>
-</file>
-
-<file path=ppt/slides/slide17.xml><?xml version="1.0" encoding="utf-8"?>
-<p:sld xmlns:a="http://schemas.openxmlformats.org/drawingml/2006/main" xmlns:r="http://schemas.openxmlformats.org/officeDocument/2006/relationships" xmlns:p="http://schemas.openxmlformats.org/presentationml/2006/main">
-  <p:cSld>
-    <p:spTree>
-      <p:nvGrpSpPr>
-        <p:cNvPr id="1" name=""/>
-        <p:cNvGrpSpPr/>
-        <p:nvPr/>
-      </p:nvGrpSpPr>
-      <p:grpSpPr>
-        <a:xfrm>
-          <a:off x="0" y="0"/>
-          <a:ext cx="0" cy="0"/>
-          <a:chOff x="0" y="0"/>
-          <a:chExt cx="0" cy="0"/>
-        </a:xfrm>
-      </p:grpSpPr>
-      <p:sp>
-        <p:nvSpPr>
-          <p:cNvPr id="2" name="Title 1"/>
-          <p:cNvSpPr>
-            <a:spLocks noGrp="1"/>
-          </p:cNvSpPr>
-          <p:nvPr>
-            <p:ph type="title"/>
-          </p:nvPr>
-        </p:nvSpPr>
-        <p:spPr/>
-        <p:txBody>
-          <a:bodyPr/>
-          <a:lstStyle/>
-          <a:p>
-            <a:r>
-              <a:rPr lang="en-GB" dirty="0" smtClean="0"/>
-              <a:t>“Data Model” Approach</a:t>
-            </a:r>
-            <a:endParaRPr lang="en-GB" dirty="0"/>
-          </a:p>
-        </p:txBody>
-      </p:sp>
-      <p:sp>
-        <p:nvSpPr>
-          <p:cNvPr id="3" name="Content Placeholder 2"/>
-          <p:cNvSpPr>
-            <a:spLocks noGrp="1"/>
-          </p:cNvSpPr>
-          <p:nvPr>
-            <p:ph idx="1"/>
-          </p:nvPr>
-        </p:nvSpPr>
-        <p:spPr/>
-        <p:txBody>
-          <a:bodyPr/>
-          <a:lstStyle/>
-          <a:p>
-            <a:endParaRPr lang="en-GB" dirty="0"/>
-          </a:p>
-        </p:txBody>
-      </p:sp>
-      <p:sp>
-        <p:nvSpPr>
-          <p:cNvPr id="7" name="TextBox 6"/>
-          <p:cNvSpPr txBox="1"/>
-          <p:nvPr/>
-        </p:nvSpPr>
-        <p:spPr>
-          <a:xfrm>
-            <a:off x="3275856" y="4437112"/>
-            <a:ext cx="2592288" cy="1200329"/>
-          </a:xfrm>
-          <a:prstGeom prst="rect">
-            <a:avLst/>
-          </a:prstGeom>
-          <a:noFill/>
-        </p:spPr>
-        <p:txBody>
-          <a:bodyPr wrap="square" rtlCol="0">
-            <a:spAutoFit/>
-          </a:bodyPr>
-          <a:lstStyle/>
-          <a:p>
-            <a:pPr algn="ctr"/>
-            <a:r>
-              <a:rPr lang="en-GB" sz="3600" dirty="0" smtClean="0">
-                <a:latin typeface="+mj-lt"/>
-              </a:rPr>
-              <a:t>Student-Course?</a:t>
-            </a:r>
-            <a:endParaRPr lang="en-GB" sz="3600" dirty="0">
-              <a:latin typeface="+mj-lt"/>
-            </a:endParaRPr>
-          </a:p>
-        </p:txBody>
-      </p:sp>
-      <p:sp>
-        <p:nvSpPr>
-          <p:cNvPr id="9" name="TextBox 8"/>
-          <p:cNvSpPr txBox="1"/>
-          <p:nvPr/>
-        </p:nvSpPr>
-        <p:spPr>
-          <a:xfrm>
-            <a:off x="6163042" y="4437112"/>
-            <a:ext cx="2592288" cy="646331"/>
-          </a:xfrm>
-          <a:prstGeom prst="rect">
-            <a:avLst/>
-          </a:prstGeom>
-          <a:noFill/>
-        </p:spPr>
-        <p:txBody>
-          <a:bodyPr wrap="square" rtlCol="0">
-            <a:spAutoFit/>
-          </a:bodyPr>
-          <a:lstStyle/>
-          <a:p>
-            <a:pPr algn="ctr"/>
-            <a:r>
-              <a:rPr lang="en-GB" sz="3600" dirty="0" smtClean="0">
-                <a:latin typeface="+mj-lt"/>
-              </a:rPr>
-              <a:t>Course</a:t>
-            </a:r>
-            <a:endParaRPr lang="en-GB" sz="3600" dirty="0">
-              <a:latin typeface="+mj-lt"/>
-            </a:endParaRPr>
-          </a:p>
-        </p:txBody>
-      </p:sp>
-      <p:cxnSp>
-        <p:nvCxnSpPr>
-          <p:cNvPr id="11" name="Straight Arrow Connector 10"/>
-          <p:cNvCxnSpPr/>
-          <p:nvPr/>
-        </p:nvCxnSpPr>
-        <p:spPr>
-          <a:xfrm flipV="1">
-            <a:off x="2627784" y="3429000"/>
-            <a:ext cx="864096" cy="100"/>
-          </a:xfrm>
-          <a:prstGeom prst="straightConnector1">
-            <a:avLst/>
-          </a:prstGeom>
-          <a:ln>
-            <a:tailEnd type="arrow"/>
-          </a:ln>
-        </p:spPr>
-        <p:style>
-          <a:lnRef idx="3">
-            <a:schemeClr val="dk1"/>
-          </a:lnRef>
-          <a:fillRef idx="0">
-            <a:schemeClr val="dk1"/>
-          </a:fillRef>
-          <a:effectRef idx="2">
-            <a:schemeClr val="dk1"/>
-          </a:effectRef>
-          <a:fontRef idx="minor">
-            <a:schemeClr val="tx1"/>
-          </a:fontRef>
-        </p:style>
-      </p:cxnSp>
-      <p:sp>
-        <p:nvSpPr>
-          <p:cNvPr id="4" name="Smiley Face 3"/>
-          <p:cNvSpPr/>
-          <p:nvPr/>
-        </p:nvSpPr>
-        <p:spPr>
-          <a:xfrm>
-            <a:off x="784814" y="2528800"/>
-            <a:ext cx="1800000" cy="1800200"/>
-          </a:xfrm>
-          <a:prstGeom prst="smileyFace">
-            <a:avLst/>
-          </a:prstGeom>
-          <a:effectLst>
-            <a:outerShdw blurRad="50800" dist="38100" dir="2700000" algn="tl" rotWithShape="0">
-              <a:prstClr val="black">
-                <a:alpha val="40000"/>
-              </a:prstClr>
-            </a:outerShdw>
-          </a:effectLst>
-        </p:spPr>
-        <p:style>
-          <a:lnRef idx="2">
-            <a:schemeClr val="accent1">
-              <a:shade val="50000"/>
-            </a:schemeClr>
-          </a:lnRef>
-          <a:fillRef idx="1">
-            <a:schemeClr val="accent1"/>
-          </a:fillRef>
-          <a:effectRef idx="0">
-            <a:schemeClr val="accent1"/>
-          </a:effectRef>
-          <a:fontRef idx="minor">
-            <a:schemeClr val="lt1"/>
-          </a:fontRef>
-        </p:style>
-        <p:txBody>
-          <a:bodyPr rtlCol="0" anchor="ctr"/>
-          <a:lstStyle/>
-          <a:p>
-            <a:pPr algn="ctr"/>
-            <a:endParaRPr lang="en-GB"/>
-          </a:p>
-        </p:txBody>
-      </p:sp>
-      <p:sp>
-        <p:nvSpPr>
-          <p:cNvPr id="5" name="Oval 4"/>
-          <p:cNvSpPr/>
-          <p:nvPr/>
-        </p:nvSpPr>
-        <p:spPr>
-          <a:xfrm>
-            <a:off x="6559186" y="2529000"/>
-            <a:ext cx="1800000" cy="1800000"/>
-          </a:xfrm>
-          <a:prstGeom prst="ellipse">
-            <a:avLst/>
-          </a:prstGeom>
-          <a:effectLst>
-            <a:outerShdw blurRad="50800" dist="38100" dir="2700000" algn="tl" rotWithShape="0">
-              <a:prstClr val="black">
-                <a:alpha val="40000"/>
-              </a:prstClr>
-            </a:outerShdw>
-          </a:effectLst>
-        </p:spPr>
-        <p:style>
-          <a:lnRef idx="2">
-            <a:schemeClr val="accent1">
-              <a:shade val="50000"/>
-            </a:schemeClr>
-          </a:lnRef>
-          <a:fillRef idx="1">
-            <a:schemeClr val="accent1"/>
-          </a:fillRef>
-          <a:effectRef idx="0">
-            <a:schemeClr val="accent1"/>
-          </a:effectRef>
-          <a:fontRef idx="minor">
-            <a:schemeClr val="lt1"/>
-          </a:fontRef>
-        </p:style>
-        <p:txBody>
-          <a:bodyPr rtlCol="0" anchor="ctr"/>
-          <a:lstStyle/>
-          <a:p>
-            <a:pPr algn="ctr"/>
-            <a:endParaRPr lang="en-GB" b="1" dirty="0">
-              <a:ln w="1905"/>
-              <a:gradFill>
-                <a:gsLst>
-                  <a:gs pos="0">
-                    <a:schemeClr val="accent6">
-                      <a:shade val="20000"/>
-                      <a:satMod val="200000"/>
-                    </a:schemeClr>
-                  </a:gs>
-                  <a:gs pos="78000">
-                    <a:schemeClr val="accent6">
-                      <a:tint val="90000"/>
-                      <a:shade val="89000"/>
-                      <a:satMod val="220000"/>
-                    </a:schemeClr>
-                  </a:gs>
-                  <a:gs pos="100000">
-                    <a:schemeClr val="accent6">
-                      <a:tint val="12000"/>
-                      <a:satMod val="255000"/>
-                    </a:schemeClr>
-                  </a:gs>
-                </a:gsLst>
-                <a:lin ang="5400000"/>
-              </a:gradFill>
-              <a:effectLst>
-                <a:innerShdw blurRad="69850" dist="43180" dir="5400000">
-                  <a:srgbClr val="000000">
-                    <a:alpha val="65000"/>
-                  </a:srgbClr>
-                </a:innerShdw>
-              </a:effectLst>
-            </a:endParaRPr>
-          </a:p>
-        </p:txBody>
-      </p:sp>
-      <p:sp>
-        <p:nvSpPr>
-          <p:cNvPr id="16" name="Oval 15"/>
-          <p:cNvSpPr/>
-          <p:nvPr/>
-        </p:nvSpPr>
-        <p:spPr>
-          <a:xfrm>
-            <a:off x="3672000" y="2529000"/>
-            <a:ext cx="1800000" cy="1800000"/>
-          </a:xfrm>
-          <a:prstGeom prst="ellipse">
-            <a:avLst/>
-          </a:prstGeom>
-          <a:effectLst>
-            <a:outerShdw blurRad="50800" dist="38100" dir="2700000" algn="tl" rotWithShape="0">
-              <a:prstClr val="black">
-                <a:alpha val="40000"/>
-              </a:prstClr>
-            </a:outerShdw>
-          </a:effectLst>
-        </p:spPr>
-        <p:style>
-          <a:lnRef idx="1">
-            <a:schemeClr val="accent2"/>
-          </a:lnRef>
-          <a:fillRef idx="2">
-            <a:schemeClr val="accent2"/>
-          </a:fillRef>
-          <a:effectRef idx="1">
-            <a:schemeClr val="accent2"/>
-          </a:effectRef>
-          <a:fontRef idx="minor">
-            <a:schemeClr val="dk1"/>
-          </a:fontRef>
-        </p:style>
-        <p:txBody>
-          <a:bodyPr rtlCol="0" anchor="ctr"/>
-          <a:lstStyle/>
-          <a:p>
-            <a:pPr algn="ctr"/>
-            <a:r>
-              <a:rPr lang="en-GB" sz="9600" b="1" dirty="0" smtClean="0">
-                <a:ln w="1905"/>
-                <a:gradFill>
-                  <a:gsLst>
-                    <a:gs pos="0">
-                      <a:schemeClr val="accent6">
-                        <a:shade val="20000"/>
-                        <a:satMod val="200000"/>
-                      </a:schemeClr>
-                    </a:gs>
-                    <a:gs pos="78000">
-                      <a:schemeClr val="accent6">
-                        <a:tint val="90000"/>
-                        <a:shade val="89000"/>
-                        <a:satMod val="220000"/>
-                      </a:schemeClr>
-                    </a:gs>
-                    <a:gs pos="100000">
-                      <a:schemeClr val="accent6">
-                        <a:tint val="12000"/>
-                        <a:satMod val="255000"/>
-                      </a:schemeClr>
-                    </a:gs>
-                  </a:gsLst>
-                  <a:lin ang="5400000"/>
-                </a:gradFill>
-                <a:effectLst>
-                  <a:innerShdw blurRad="69850" dist="43180" dir="5400000">
-                    <a:srgbClr val="000000">
-                      <a:alpha val="65000"/>
-                    </a:srgbClr>
-                  </a:innerShdw>
-                </a:effectLst>
-                <a:latin typeface="+mj-lt"/>
-              </a:rPr>
-              <a:t>?</a:t>
-            </a:r>
-            <a:endParaRPr lang="en-GB" sz="9600" b="1" dirty="0">
-              <a:ln w="1905"/>
-              <a:gradFill>
-                <a:gsLst>
-                  <a:gs pos="0">
-                    <a:schemeClr val="accent6">
-                      <a:shade val="20000"/>
-                      <a:satMod val="200000"/>
-                    </a:schemeClr>
-                  </a:gs>
-                  <a:gs pos="78000">
-                    <a:schemeClr val="accent6">
-                      <a:tint val="90000"/>
-                      <a:shade val="89000"/>
-                      <a:satMod val="220000"/>
-                    </a:schemeClr>
-                  </a:gs>
-                  <a:gs pos="100000">
-                    <a:schemeClr val="accent6">
-                      <a:tint val="12000"/>
-                      <a:satMod val="255000"/>
-                    </a:schemeClr>
-                  </a:gs>
-                </a:gsLst>
-                <a:lin ang="5400000"/>
-              </a:gradFill>
-              <a:effectLst>
-                <a:innerShdw blurRad="69850" dist="43180" dir="5400000">
-                  <a:srgbClr val="000000">
-                    <a:alpha val="65000"/>
-                  </a:srgbClr>
-                </a:innerShdw>
-              </a:effectLst>
-              <a:latin typeface="+mj-lt"/>
-            </a:endParaRPr>
-          </a:p>
-        </p:txBody>
-      </p:sp>
-      <p:cxnSp>
-        <p:nvCxnSpPr>
-          <p:cNvPr id="18" name="Straight Arrow Connector 17"/>
-          <p:cNvCxnSpPr/>
-          <p:nvPr/>
-        </p:nvCxnSpPr>
-        <p:spPr>
-          <a:xfrm flipH="1" flipV="1">
-            <a:off x="5652058" y="3428800"/>
-            <a:ext cx="864096" cy="100"/>
-          </a:xfrm>
-          <a:prstGeom prst="straightConnector1">
-            <a:avLst/>
-          </a:prstGeom>
-          <a:ln>
-            <a:tailEnd type="arrow"/>
-          </a:ln>
-        </p:spPr>
-        <p:style>
-          <a:lnRef idx="3">
-            <a:schemeClr val="dk1"/>
-          </a:lnRef>
-          <a:fillRef idx="0">
-            <a:schemeClr val="dk1"/>
-          </a:fillRef>
-          <a:effectRef idx="2">
-            <a:schemeClr val="dk1"/>
-          </a:effectRef>
-          <a:fontRef idx="minor">
-            <a:schemeClr val="tx1"/>
-          </a:fontRef>
-        </p:style>
-      </p:cxnSp>
-      <p:sp>
-        <p:nvSpPr>
-          <p:cNvPr id="12" name="TextBox 11"/>
-          <p:cNvSpPr txBox="1"/>
-          <p:nvPr/>
-        </p:nvSpPr>
-        <p:spPr>
-          <a:xfrm>
-            <a:off x="388670" y="4437111"/>
-            <a:ext cx="2592288" cy="646331"/>
-          </a:xfrm>
-          <a:prstGeom prst="rect">
-            <a:avLst/>
-          </a:prstGeom>
-          <a:noFill/>
-        </p:spPr>
-        <p:txBody>
-          <a:bodyPr wrap="square" rtlCol="0">
-            <a:spAutoFit/>
-          </a:bodyPr>
-          <a:lstStyle/>
-          <a:p>
-            <a:pPr algn="ctr"/>
-            <a:r>
-              <a:rPr lang="en-GB" sz="3600" dirty="0" smtClean="0">
-                <a:latin typeface="+mj-lt"/>
-              </a:rPr>
-              <a:t>Student</a:t>
-            </a:r>
-            <a:endParaRPr lang="en-GB" sz="3600" dirty="0">
-              <a:latin typeface="+mj-lt"/>
-            </a:endParaRPr>
-          </a:p>
-        </p:txBody>
-      </p:sp>
-    </p:spTree>
-    <p:extLst>
-      <p:ext uri="{BB962C8B-B14F-4D97-AF65-F5344CB8AC3E}">
-        <p14:creationId xmlns:p14="http://schemas.microsoft.com/office/powerpoint/2010/main" val="1050931879"/>
-      </p:ext>
-    </p:extLst>
-  </p:cSld>
-  <p:clrMapOvr>
-    <a:masterClrMapping/>
-  </p:clrMapOvr>
-  <p:transition advTm="19714">
-    <p:fade/>
-  </p:transition>
-  <p:timing>
-    <p:tnLst>
-      <p:par>
-        <p:cTn id="1" dur="indefinite" restart="never" nodeType="tmRoot"/>
-      </p:par>
-    </p:tnLst>
-  </p:timing>
-</p:sld>
-</file>
-
-<file path=ppt/slides/slide18.xml><?xml version="1.0" encoding="utf-8"?>
-<p:sld xmlns:a="http://schemas.openxmlformats.org/drawingml/2006/main" xmlns:r="http://schemas.openxmlformats.org/officeDocument/2006/relationships" xmlns:p="http://schemas.openxmlformats.org/presentationml/2006/main">
-  <p:cSld>
-    <p:spTree>
-      <p:nvGrpSpPr>
-        <p:cNvPr id="1" name=""/>
-        <p:cNvGrpSpPr/>
-        <p:nvPr/>
-      </p:nvGrpSpPr>
-      <p:grpSpPr>
-        <a:xfrm>
-          <a:off x="0" y="0"/>
-          <a:ext cx="0" cy="0"/>
-          <a:chOff x="0" y="0"/>
-          <a:chExt cx="0" cy="0"/>
-        </a:xfrm>
-      </p:grpSpPr>
-      <p:sp>
-        <p:nvSpPr>
-          <p:cNvPr id="2" name="Title 1"/>
-          <p:cNvSpPr>
-            <a:spLocks noGrp="1"/>
-          </p:cNvSpPr>
-          <p:nvPr>
-            <p:ph type="title"/>
-          </p:nvPr>
-        </p:nvSpPr>
-        <p:spPr/>
-        <p:txBody>
-          <a:bodyPr/>
-          <a:lstStyle/>
-          <a:p>
-            <a:r>
-              <a:rPr lang="en-GB" dirty="0" smtClean="0"/>
-              <a:t>“Domain Model” Approach</a:t>
-            </a:r>
-            <a:endParaRPr lang="en-GB" dirty="0"/>
-          </a:p>
-        </p:txBody>
-      </p:sp>
-      <p:sp>
-        <p:nvSpPr>
-          <p:cNvPr id="3" name="Content Placeholder 2"/>
-          <p:cNvSpPr>
-            <a:spLocks noGrp="1"/>
-          </p:cNvSpPr>
-          <p:nvPr>
-            <p:ph idx="1"/>
-          </p:nvPr>
-        </p:nvSpPr>
-        <p:spPr/>
-        <p:txBody>
-          <a:bodyPr/>
-          <a:lstStyle/>
-          <a:p>
-            <a:endParaRPr lang="en-GB" dirty="0"/>
-          </a:p>
-        </p:txBody>
-      </p:sp>
-      <p:sp>
-        <p:nvSpPr>
-          <p:cNvPr id="7" name="TextBox 6"/>
-          <p:cNvSpPr txBox="1"/>
-          <p:nvPr/>
-        </p:nvSpPr>
-        <p:spPr>
-          <a:xfrm>
-            <a:off x="3275856" y="4437112"/>
-            <a:ext cx="2592288" cy="646331"/>
-          </a:xfrm>
-          <a:prstGeom prst="rect">
-            <a:avLst/>
-          </a:prstGeom>
-          <a:noFill/>
-        </p:spPr>
-        <p:txBody>
-          <a:bodyPr wrap="square" rtlCol="0">
-            <a:spAutoFit/>
-          </a:bodyPr>
-          <a:lstStyle/>
-          <a:p>
-            <a:pPr algn="ctr"/>
-            <a:r>
-              <a:rPr lang="en-GB" sz="3600" dirty="0" smtClean="0">
-                <a:latin typeface="+mj-lt"/>
-              </a:rPr>
-              <a:t>Enrolment</a:t>
-            </a:r>
-            <a:endParaRPr lang="en-GB" sz="3600" dirty="0">
-              <a:latin typeface="+mj-lt"/>
-            </a:endParaRPr>
-          </a:p>
-        </p:txBody>
-      </p:sp>
-      <p:sp>
-        <p:nvSpPr>
-          <p:cNvPr id="9" name="TextBox 8"/>
-          <p:cNvSpPr txBox="1"/>
-          <p:nvPr/>
-        </p:nvSpPr>
-        <p:spPr>
-          <a:xfrm>
-            <a:off x="6163042" y="4437112"/>
-            <a:ext cx="2592288" cy="646331"/>
-          </a:xfrm>
-          <a:prstGeom prst="rect">
-            <a:avLst/>
-          </a:prstGeom>
-          <a:noFill/>
-        </p:spPr>
-        <p:txBody>
-          <a:bodyPr wrap="square" rtlCol="0">
-            <a:spAutoFit/>
-          </a:bodyPr>
-          <a:lstStyle/>
-          <a:p>
-            <a:pPr algn="ctr"/>
-            <a:r>
-              <a:rPr lang="en-GB" sz="3600" dirty="0" smtClean="0">
-                <a:latin typeface="+mj-lt"/>
-              </a:rPr>
-              <a:t>Course</a:t>
-            </a:r>
-            <a:endParaRPr lang="en-GB" sz="3600" dirty="0">
-              <a:latin typeface="+mj-lt"/>
-            </a:endParaRPr>
-          </a:p>
-        </p:txBody>
-      </p:sp>
-      <p:cxnSp>
-        <p:nvCxnSpPr>
-          <p:cNvPr id="11" name="Straight Arrow Connector 10"/>
-          <p:cNvCxnSpPr/>
-          <p:nvPr/>
-        </p:nvCxnSpPr>
-        <p:spPr>
-          <a:xfrm flipV="1">
-            <a:off x="2627784" y="3429000"/>
-            <a:ext cx="864096" cy="100"/>
-          </a:xfrm>
-          <a:prstGeom prst="straightConnector1">
-            <a:avLst/>
-          </a:prstGeom>
-          <a:ln>
-            <a:tailEnd type="arrow"/>
-          </a:ln>
-        </p:spPr>
-        <p:style>
-          <a:lnRef idx="3">
-            <a:schemeClr val="dk1"/>
-          </a:lnRef>
-          <a:fillRef idx="0">
-            <a:schemeClr val="dk1"/>
-          </a:fillRef>
-          <a:effectRef idx="2">
-            <a:schemeClr val="dk1"/>
-          </a:effectRef>
-          <a:fontRef idx="minor">
-            <a:schemeClr val="tx1"/>
-          </a:fontRef>
-        </p:style>
-      </p:cxnSp>
-      <p:sp>
-        <p:nvSpPr>
-          <p:cNvPr id="4" name="Smiley Face 3"/>
-          <p:cNvSpPr/>
-          <p:nvPr/>
-        </p:nvSpPr>
-        <p:spPr>
-          <a:xfrm>
-            <a:off x="784814" y="2528800"/>
-            <a:ext cx="1800000" cy="1800200"/>
-          </a:xfrm>
-          <a:prstGeom prst="smileyFace">
-            <a:avLst/>
-          </a:prstGeom>
-          <a:effectLst>
-            <a:outerShdw blurRad="50800" dist="38100" dir="2700000" algn="tl" rotWithShape="0">
-              <a:prstClr val="black">
-                <a:alpha val="40000"/>
-              </a:prstClr>
-            </a:outerShdw>
-          </a:effectLst>
-        </p:spPr>
-        <p:style>
-          <a:lnRef idx="2">
-            <a:schemeClr val="accent1">
-              <a:shade val="50000"/>
-            </a:schemeClr>
-          </a:lnRef>
-          <a:fillRef idx="1">
-            <a:schemeClr val="accent1"/>
-          </a:fillRef>
-          <a:effectRef idx="0">
-            <a:schemeClr val="accent1"/>
-          </a:effectRef>
-          <a:fontRef idx="minor">
-            <a:schemeClr val="lt1"/>
-          </a:fontRef>
-        </p:style>
-        <p:txBody>
-          <a:bodyPr rtlCol="0" anchor="ctr"/>
-          <a:lstStyle/>
-          <a:p>
-            <a:pPr algn="ctr"/>
-            <a:endParaRPr lang="en-GB"/>
-          </a:p>
-        </p:txBody>
-      </p:sp>
-      <p:sp>
-        <p:nvSpPr>
-          <p:cNvPr id="5" name="Oval 4"/>
-          <p:cNvSpPr/>
-          <p:nvPr/>
-        </p:nvSpPr>
-        <p:spPr>
-          <a:xfrm>
-            <a:off x="6559186" y="2529000"/>
-            <a:ext cx="1800000" cy="1800000"/>
-          </a:xfrm>
-          <a:prstGeom prst="ellipse">
-            <a:avLst/>
-          </a:prstGeom>
-          <a:effectLst>
-            <a:outerShdw blurRad="50800" dist="38100" dir="2700000" algn="tl" rotWithShape="0">
-              <a:prstClr val="black">
-                <a:alpha val="40000"/>
-              </a:prstClr>
-            </a:outerShdw>
-          </a:effectLst>
-        </p:spPr>
-        <p:style>
-          <a:lnRef idx="2">
-            <a:schemeClr val="accent1">
-              <a:shade val="50000"/>
-            </a:schemeClr>
-          </a:lnRef>
-          <a:fillRef idx="1">
-            <a:schemeClr val="accent1"/>
-          </a:fillRef>
-          <a:effectRef idx="0">
-            <a:schemeClr val="accent1"/>
-          </a:effectRef>
-          <a:fontRef idx="minor">
-            <a:schemeClr val="lt1"/>
-          </a:fontRef>
-        </p:style>
-        <p:txBody>
-          <a:bodyPr rtlCol="0" anchor="ctr"/>
-          <a:lstStyle/>
-          <a:p>
-            <a:pPr algn="ctr"/>
-            <a:endParaRPr lang="en-GB" b="1" dirty="0">
-              <a:ln w="1905"/>
-              <a:gradFill>
-                <a:gsLst>
-                  <a:gs pos="0">
-                    <a:schemeClr val="accent6">
-                      <a:shade val="20000"/>
-                      <a:satMod val="200000"/>
-                    </a:schemeClr>
-                  </a:gs>
-                  <a:gs pos="78000">
-                    <a:schemeClr val="accent6">
-                      <a:tint val="90000"/>
-                      <a:shade val="89000"/>
-                      <a:satMod val="220000"/>
-                    </a:schemeClr>
-                  </a:gs>
-                  <a:gs pos="100000">
-                    <a:schemeClr val="accent6">
-                      <a:tint val="12000"/>
-                      <a:satMod val="255000"/>
-                    </a:schemeClr>
-                  </a:gs>
-                </a:gsLst>
-                <a:lin ang="5400000"/>
-              </a:gradFill>
-              <a:effectLst>
-                <a:innerShdw blurRad="69850" dist="43180" dir="5400000">
-                  <a:srgbClr val="000000">
-                    <a:alpha val="65000"/>
-                  </a:srgbClr>
-                </a:innerShdw>
-              </a:effectLst>
-            </a:endParaRPr>
-          </a:p>
-        </p:txBody>
-      </p:sp>
-      <p:sp>
-        <p:nvSpPr>
-          <p:cNvPr id="16" name="Oval 15"/>
-          <p:cNvSpPr/>
-          <p:nvPr/>
-        </p:nvSpPr>
-        <p:spPr>
-          <a:xfrm>
-            <a:off x="3672000" y="2529000"/>
-            <a:ext cx="1800000" cy="1800000"/>
-          </a:xfrm>
-          <a:prstGeom prst="ellipse">
-            <a:avLst/>
-          </a:prstGeom>
-          <a:effectLst>
-            <a:outerShdw blurRad="50800" dist="38100" dir="2700000" algn="tl" rotWithShape="0">
-              <a:prstClr val="black">
-                <a:alpha val="40000"/>
-              </a:prstClr>
-            </a:outerShdw>
-          </a:effectLst>
-        </p:spPr>
-        <p:style>
-          <a:lnRef idx="1">
-            <a:schemeClr val="accent2"/>
-          </a:lnRef>
-          <a:fillRef idx="2">
-            <a:schemeClr val="accent2"/>
-          </a:fillRef>
-          <a:effectRef idx="1">
-            <a:schemeClr val="accent2"/>
-          </a:effectRef>
-          <a:fontRef idx="minor">
-            <a:schemeClr val="dk1"/>
-          </a:fontRef>
-        </p:style>
-        <p:txBody>
-          <a:bodyPr rtlCol="0" anchor="ctr"/>
-          <a:lstStyle/>
-          <a:p>
-            <a:pPr algn="ctr"/>
-            <a:r>
-              <a:rPr lang="en-GB" sz="9600" b="1" dirty="0">
-                <a:ln w="1905"/>
-                <a:gradFill>
-                  <a:gsLst>
-                    <a:gs pos="0">
-                      <a:schemeClr val="accent6">
-                        <a:shade val="20000"/>
-                        <a:satMod val="200000"/>
-                      </a:schemeClr>
-                    </a:gs>
-                    <a:gs pos="78000">
-                      <a:schemeClr val="accent6">
-                        <a:tint val="90000"/>
-                        <a:shade val="89000"/>
-                        <a:satMod val="220000"/>
-                      </a:schemeClr>
-                    </a:gs>
-                    <a:gs pos="100000">
-                      <a:schemeClr val="accent6">
-                        <a:tint val="12000"/>
-                        <a:satMod val="255000"/>
-                      </a:schemeClr>
-                    </a:gs>
-                  </a:gsLst>
-                  <a:lin ang="5400000"/>
-                </a:gradFill>
-                <a:effectLst>
-                  <a:innerShdw blurRad="69850" dist="43180" dir="5400000">
-                    <a:srgbClr val="000000">
-                      <a:alpha val="65000"/>
-                    </a:srgbClr>
-                  </a:innerShdw>
-                </a:effectLst>
-                <a:latin typeface="+mj-lt"/>
-                <a:sym typeface="Wingdings"/>
-              </a:rPr>
-              <a:t></a:t>
-            </a:r>
-            <a:endParaRPr lang="en-GB" sz="9600" b="1" dirty="0">
-              <a:ln w="1905"/>
-              <a:gradFill>
-                <a:gsLst>
-                  <a:gs pos="0">
-                    <a:schemeClr val="accent6">
-                      <a:shade val="20000"/>
-                      <a:satMod val="200000"/>
-                    </a:schemeClr>
-                  </a:gs>
-                  <a:gs pos="78000">
-                    <a:schemeClr val="accent6">
-                      <a:tint val="90000"/>
-                      <a:shade val="89000"/>
-                      <a:satMod val="220000"/>
-                    </a:schemeClr>
-                  </a:gs>
-                  <a:gs pos="100000">
-                    <a:schemeClr val="accent6">
-                      <a:tint val="12000"/>
-                      <a:satMod val="255000"/>
-                    </a:schemeClr>
-                  </a:gs>
-                </a:gsLst>
-                <a:lin ang="5400000"/>
-              </a:gradFill>
-              <a:effectLst>
-                <a:innerShdw blurRad="69850" dist="43180" dir="5400000">
-                  <a:srgbClr val="000000">
-                    <a:alpha val="65000"/>
-                  </a:srgbClr>
-                </a:innerShdw>
-              </a:effectLst>
-              <a:latin typeface="+mj-lt"/>
-            </a:endParaRPr>
-          </a:p>
-        </p:txBody>
-      </p:sp>
-      <p:cxnSp>
-        <p:nvCxnSpPr>
-          <p:cNvPr id="18" name="Straight Arrow Connector 17"/>
-          <p:cNvCxnSpPr/>
-          <p:nvPr/>
-        </p:nvCxnSpPr>
-        <p:spPr>
-          <a:xfrm flipH="1" flipV="1">
-            <a:off x="5652058" y="3428800"/>
-            <a:ext cx="864096" cy="100"/>
-          </a:xfrm>
-          <a:prstGeom prst="straightConnector1">
-            <a:avLst/>
-          </a:prstGeom>
-          <a:ln>
-            <a:tailEnd type="arrow"/>
-          </a:ln>
-        </p:spPr>
-        <p:style>
-          <a:lnRef idx="3">
-            <a:schemeClr val="dk1"/>
-          </a:lnRef>
-          <a:fillRef idx="0">
-            <a:schemeClr val="dk1"/>
-          </a:fillRef>
-          <a:effectRef idx="2">
-            <a:schemeClr val="dk1"/>
-          </a:effectRef>
-          <a:fontRef idx="minor">
-            <a:schemeClr val="tx1"/>
-          </a:fontRef>
-        </p:style>
-      </p:cxnSp>
-      <p:sp>
-        <p:nvSpPr>
-          <p:cNvPr id="12" name="TextBox 11"/>
-          <p:cNvSpPr txBox="1"/>
-          <p:nvPr/>
-        </p:nvSpPr>
-        <p:spPr>
-          <a:xfrm>
-            <a:off x="388670" y="4437111"/>
-            <a:ext cx="2592288" cy="646331"/>
-          </a:xfrm>
-          <a:prstGeom prst="rect">
-            <a:avLst/>
-          </a:prstGeom>
-          <a:noFill/>
-        </p:spPr>
-        <p:txBody>
-          <a:bodyPr wrap="square" rtlCol="0">
-            <a:spAutoFit/>
-          </a:bodyPr>
-          <a:lstStyle/>
-          <a:p>
-            <a:pPr algn="ctr"/>
-            <a:r>
-              <a:rPr lang="en-GB" sz="3600" dirty="0" smtClean="0">
-                <a:latin typeface="+mj-lt"/>
-              </a:rPr>
-              <a:t>Student</a:t>
-            </a:r>
-            <a:endParaRPr lang="en-GB" sz="3600" dirty="0">
-              <a:latin typeface="+mj-lt"/>
-            </a:endParaRPr>
-          </a:p>
-        </p:txBody>
-      </p:sp>
-    </p:spTree>
-    <p:extLst>
-      <p:ext uri="{BB962C8B-B14F-4D97-AF65-F5344CB8AC3E}">
-        <p14:creationId xmlns:p14="http://schemas.microsoft.com/office/powerpoint/2010/main" val="3642239165"/>
-      </p:ext>
-    </p:extLst>
-  </p:cSld>
-  <p:clrMapOvr>
-    <a:masterClrMapping/>
-  </p:clrMapOvr>
-  <p:transition advTm="19714">
-    <p:fade/>
-  </p:transition>
-  <p:timing>
-    <p:tnLst>
-      <p:par>
-        <p:cTn id="1" dur="indefinite" restart="never" nodeType="tmRoot"/>
-      </p:par>
-    </p:tnLst>
-  </p:timing>
-</p:sld>
-</file>
-
-<file path=ppt/slides/slide19.xml><?xml version="1.0" encoding="utf-8"?>
-<p:sld xmlns:a="http://schemas.openxmlformats.org/drawingml/2006/main" xmlns:r="http://schemas.openxmlformats.org/officeDocument/2006/relationships" xmlns:p="http://schemas.openxmlformats.org/presentationml/2006/main">
-  <p:cSld>
-    <p:spTree>
-      <p:nvGrpSpPr>
-        <p:cNvPr id="1" name=""/>
-        <p:cNvGrpSpPr/>
-        <p:nvPr/>
-      </p:nvGrpSpPr>
-      <p:grpSpPr>
-        <a:xfrm>
-          <a:off x="0" y="0"/>
-          <a:ext cx="0" cy="0"/>
-          <a:chOff x="0" y="0"/>
-          <a:chExt cx="0" cy="0"/>
-        </a:xfrm>
-      </p:grpSpPr>
-      <p:sp>
-        <p:nvSpPr>
-          <p:cNvPr id="6" name="Title 5"/>
-          <p:cNvSpPr>
-            <a:spLocks noGrp="1"/>
-          </p:cNvSpPr>
-          <p:nvPr>
-            <p:ph type="ctrTitle"/>
-          </p:nvPr>
-        </p:nvSpPr>
-        <p:spPr/>
-        <p:txBody>
-          <a:bodyPr/>
-          <a:lstStyle/>
-          <a:p>
-            <a:r>
-              <a:rPr lang="en-GB" dirty="0" smtClean="0"/>
-              <a:t>“A picture”, you say?</a:t>
-            </a:r>
-            <a:endParaRPr lang="en-GB" dirty="0"/>
-          </a:p>
-        </p:txBody>
-      </p:sp>
-      <p:sp>
-        <p:nvSpPr>
-          <p:cNvPr id="7" name="Subtitle 6"/>
-          <p:cNvSpPr>
-            <a:spLocks noGrp="1"/>
-          </p:cNvSpPr>
-          <p:nvPr>
-            <p:ph type="subTitle" idx="1"/>
-          </p:nvPr>
-        </p:nvSpPr>
-        <p:spPr/>
-        <p:txBody>
-          <a:bodyPr/>
-          <a:lstStyle/>
-          <a:p>
-            <a:endParaRPr lang="en-GB"/>
-          </a:p>
-        </p:txBody>
-      </p:sp>
-    </p:spTree>
-    <p:extLst>
-      <p:ext uri="{BB962C8B-B14F-4D97-AF65-F5344CB8AC3E}">
-        <p14:creationId xmlns:p14="http://schemas.microsoft.com/office/powerpoint/2010/main" val="3481033725"/>
-      </p:ext>
-    </p:extLst>
-  </p:cSld>
-  <p:clrMapOvr>
-    <a:masterClrMapping/>
-  </p:clrMapOvr>
-  <p:transition advTm="19714">
-    <p:fade/>
-  </p:transition>
-  <p:timing>
-    <p:tnLst>
-      <p:par>
-        <p:cTn id="1" dur="indefinite" restart="never" nodeType="tmRoot"/>
-      </p:par>
-    </p:tnLst>
-  </p:timing>
-</p:sld>
-</file>
-
-<file path=ppt/slides/slide2.xml><?xml version="1.0" encoding="utf-8"?>
-<p:sld xmlns:a="http://schemas.openxmlformats.org/drawingml/2006/main" xmlns:r="http://schemas.openxmlformats.org/officeDocument/2006/relationships" xmlns:p="http://schemas.openxmlformats.org/presentationml/2006/main">
-  <p:cSld>
-    <p:spTree>
-      <p:nvGrpSpPr>
-        <p:cNvPr id="1" name=""/>
-        <p:cNvGrpSpPr/>
-        <p:nvPr/>
-      </p:nvGrpSpPr>
-      <p:grpSpPr>
-        <a:xfrm>
-          <a:off x="0" y="0"/>
-          <a:ext cx="0" cy="0"/>
-          <a:chOff x="0" y="0"/>
-          <a:chExt cx="0" cy="0"/>
-        </a:xfrm>
-      </p:grpSpPr>
-      <p:sp>
-        <p:nvSpPr>
-          <p:cNvPr id="3074" name="Rectangle 2"/>
-          <p:cNvSpPr>
-            <a:spLocks noGrp="1" noChangeArrowheads="1"/>
-          </p:cNvSpPr>
-          <p:nvPr>
-            <p:ph type="ctrTitle"/>
-          </p:nvPr>
-        </p:nvSpPr>
-        <p:spPr/>
-        <p:txBody>
-          <a:bodyPr/>
-          <a:lstStyle/>
-          <a:p>
-            <a:pPr eaLnBrk="1" hangingPunct="1"/>
-            <a:r>
-              <a:rPr lang="en-GB" dirty="0" smtClean="0"/>
-              <a:t>DDD, CQRS and</a:t>
-            </a:r>
-            <a:br>
-              <a:rPr lang="en-GB" dirty="0" smtClean="0"/>
-            </a:br>
-            <a:r>
-              <a:rPr lang="en-GB" dirty="0" smtClean="0"/>
-              <a:t>Event Sourcing</a:t>
-            </a:r>
-          </a:p>
-        </p:txBody>
-      </p:sp>
-    </p:spTree>
-  </p:cSld>
-  <p:clrMapOvr>
-    <a:masterClrMapping/>
-  </p:clrMapOvr>
-  <p:transition>
-    <p:fade/>
-  </p:transition>
-  <p:timing>
-    <p:tnLst>
-      <p:par>
-        <p:cTn id="1" dur="indefinite" restart="never" nodeType="tmRoot"/>
-      </p:par>
-    </p:tnLst>
-  </p:timing>
-</p:sld>
-</file>
-
-<file path=ppt/slides/slide20.xml><?xml version="1.0" encoding="utf-8"?>
 <p:sld xmlns:a="http://schemas.openxmlformats.org/drawingml/2006/main" xmlns:r="http://schemas.openxmlformats.org/officeDocument/2006/relationships" xmlns:p="http://schemas.openxmlformats.org/presentationml/2006/main">
   <p:cSld>
     <p:spTree>
@@ -7470,10 +5471,41 @@
           </a:p>
         </p:txBody>
       </p:sp>
+      <p:cxnSp>
+        <p:nvCxnSpPr>
+          <p:cNvPr id="9" name="Straight Connector 8"/>
+          <p:cNvCxnSpPr/>
+          <p:nvPr/>
+        </p:nvCxnSpPr>
+        <p:spPr>
+          <a:xfrm>
+            <a:off x="0" y="36000"/>
+            <a:ext cx="1620000" cy="0"/>
+          </a:xfrm>
+          <a:prstGeom prst="line">
+            <a:avLst/>
+          </a:prstGeom>
+          <a:ln w="101600"/>
+        </p:spPr>
+        <p:style>
+          <a:lnRef idx="1">
+            <a:schemeClr val="accent1"/>
+          </a:lnRef>
+          <a:fillRef idx="0">
+            <a:schemeClr val="accent1"/>
+          </a:fillRef>
+          <a:effectRef idx="0">
+            <a:schemeClr val="accent1"/>
+          </a:effectRef>
+          <a:fontRef idx="minor">
+            <a:schemeClr val="tx1"/>
+          </a:fontRef>
+        </p:style>
+      </p:cxnSp>
     </p:spTree>
     <p:extLst>
       <p:ext uri="{BB962C8B-B14F-4D97-AF65-F5344CB8AC3E}">
-        <p14:creationId xmlns:p14="http://schemas.microsoft.com/office/powerpoint/2010/main" val="1556680521"/>
+        <p14:creationId xmlns:p14="http://schemas.microsoft.com/office/powerpoint/2010/main" val="305434286"/>
       </p:ext>
     </p:extLst>
   </p:cSld>
@@ -7493,7 +5525,7 @@
 </p:sld>
 </file>
 
-<file path=ppt/slides/slide21.xml><?xml version="1.0" encoding="utf-8"?>
+<file path=ppt/slides/slide12.xml><?xml version="1.0" encoding="utf-8"?>
 <p:sld xmlns:a="http://schemas.openxmlformats.org/drawingml/2006/main" xmlns:r="http://schemas.openxmlformats.org/officeDocument/2006/relationships" xmlns:p="http://schemas.openxmlformats.org/presentationml/2006/main">
   <p:cSld>
     <p:spTree>
@@ -7558,7 +5590,7 @@
           </p:cNvPicPr>
           <p:nvPr/>
         </p:nvPicPr>
-        <p:blipFill>
+        <p:blipFill rotWithShape="1">
           <a:blip r:embed="rId2">
             <a:extLst>
               <a:ext uri="{28A0092B-C50C-407E-A947-70E740481C1C}">
@@ -7566,15 +5598,13 @@
               </a:ext>
             </a:extLst>
           </a:blip>
-          <a:srcRect/>
-          <a:stretch>
-            <a:fillRect/>
-          </a:stretch>
+          <a:srcRect b="50000"/>
+          <a:stretch/>
         </p:blipFill>
         <p:spPr bwMode="auto">
           <a:xfrm>
             <a:off x="431800" y="2479675"/>
-            <a:ext cx="8280400" cy="1898650"/>
+            <a:ext cx="8280400" cy="949325"/>
           </a:xfrm>
           <a:prstGeom prst="rect">
             <a:avLst/>
@@ -7614,6 +5644,1222 @@
           </a:extLst>
         </p:spPr>
       </p:pic>
+      <p:cxnSp>
+        <p:nvCxnSpPr>
+          <p:cNvPr id="7" name="Straight Connector 6"/>
+          <p:cNvCxnSpPr/>
+          <p:nvPr/>
+        </p:nvCxnSpPr>
+        <p:spPr>
+          <a:xfrm>
+            <a:off x="0" y="36000"/>
+            <a:ext cx="1620000" cy="0"/>
+          </a:xfrm>
+          <a:prstGeom prst="line">
+            <a:avLst/>
+          </a:prstGeom>
+          <a:ln w="101600"/>
+        </p:spPr>
+        <p:style>
+          <a:lnRef idx="1">
+            <a:schemeClr val="accent1"/>
+          </a:lnRef>
+          <a:fillRef idx="0">
+            <a:schemeClr val="accent1"/>
+          </a:fillRef>
+          <a:effectRef idx="0">
+            <a:schemeClr val="accent1"/>
+          </a:effectRef>
+          <a:fontRef idx="minor">
+            <a:schemeClr val="tx1"/>
+          </a:fontRef>
+        </p:style>
+      </p:cxnSp>
+    </p:spTree>
+    <p:extLst>
+      <p:ext uri="{BB962C8B-B14F-4D97-AF65-F5344CB8AC3E}">
+        <p14:creationId xmlns:p14="http://schemas.microsoft.com/office/powerpoint/2010/main" val="3491864036"/>
+      </p:ext>
+    </p:extLst>
+  </p:cSld>
+  <p:clrMapOvr>
+    <a:masterClrMapping/>
+  </p:clrMapOvr>
+  <p:transition>
+    <p:fade/>
+  </p:transition>
+  <p:timing>
+    <p:tnLst>
+      <p:par>
+        <p:cTn id="1" dur="indefinite" restart="never" nodeType="tmRoot"/>
+      </p:par>
+    </p:tnLst>
+  </p:timing>
+</p:sld>
+</file>
+
+<file path=ppt/slides/slide13.xml><?xml version="1.0" encoding="utf-8"?>
+<p:sld xmlns:a="http://schemas.openxmlformats.org/drawingml/2006/main" xmlns:r="http://schemas.openxmlformats.org/officeDocument/2006/relationships" xmlns:p="http://schemas.openxmlformats.org/presentationml/2006/main">
+  <p:cSld>
+    <p:spTree>
+      <p:nvGrpSpPr>
+        <p:cNvPr id="1" name=""/>
+        <p:cNvGrpSpPr/>
+        <p:nvPr/>
+      </p:nvGrpSpPr>
+      <p:grpSpPr>
+        <a:xfrm>
+          <a:off x="0" y="0"/>
+          <a:ext cx="0" cy="0"/>
+          <a:chOff x="0" y="0"/>
+          <a:chExt cx="0" cy="0"/>
+        </a:xfrm>
+      </p:grpSpPr>
+      <p:sp>
+        <p:nvSpPr>
+          <p:cNvPr id="4" name="Title 3"/>
+          <p:cNvSpPr>
+            <a:spLocks noGrp="1"/>
+          </p:cNvSpPr>
+          <p:nvPr>
+            <p:ph type="ctrTitle"/>
+          </p:nvPr>
+        </p:nvSpPr>
+        <p:spPr/>
+        <p:txBody>
+          <a:bodyPr/>
+          <a:lstStyle/>
+          <a:p>
+            <a:r>
+              <a:rPr lang="en-GB" dirty="0" smtClean="0"/>
+              <a:t>Ubiquitous Language</a:t>
+            </a:r>
+            <a:endParaRPr lang="en-GB" dirty="0"/>
+          </a:p>
+        </p:txBody>
+      </p:sp>
+      <p:sp>
+        <p:nvSpPr>
+          <p:cNvPr id="5" name="Subtitle 4"/>
+          <p:cNvSpPr>
+            <a:spLocks noGrp="1"/>
+          </p:cNvSpPr>
+          <p:nvPr>
+            <p:ph type="subTitle" idx="1"/>
+          </p:nvPr>
+        </p:nvSpPr>
+        <p:spPr/>
+        <p:txBody>
+          <a:bodyPr/>
+          <a:lstStyle/>
+          <a:p>
+            <a:endParaRPr lang="en-GB"/>
+          </a:p>
+        </p:txBody>
+      </p:sp>
+      <p:cxnSp>
+        <p:nvCxnSpPr>
+          <p:cNvPr id="8" name="Straight Connector 7"/>
+          <p:cNvCxnSpPr/>
+          <p:nvPr/>
+        </p:nvCxnSpPr>
+        <p:spPr>
+          <a:xfrm>
+            <a:off x="0" y="36000"/>
+            <a:ext cx="1620000" cy="0"/>
+          </a:xfrm>
+          <a:prstGeom prst="line">
+            <a:avLst/>
+          </a:prstGeom>
+          <a:ln w="101600"/>
+        </p:spPr>
+        <p:style>
+          <a:lnRef idx="1">
+            <a:schemeClr val="accent1"/>
+          </a:lnRef>
+          <a:fillRef idx="0">
+            <a:schemeClr val="accent1"/>
+          </a:fillRef>
+          <a:effectRef idx="0">
+            <a:schemeClr val="accent1"/>
+          </a:effectRef>
+          <a:fontRef idx="minor">
+            <a:schemeClr val="tx1"/>
+          </a:fontRef>
+        </p:style>
+      </p:cxnSp>
+    </p:spTree>
+    <p:extLst>
+      <p:ext uri="{BB962C8B-B14F-4D97-AF65-F5344CB8AC3E}">
+        <p14:creationId xmlns:p14="http://schemas.microsoft.com/office/powerpoint/2010/main" val="4100539972"/>
+      </p:ext>
+    </p:extLst>
+  </p:cSld>
+  <p:clrMapOvr>
+    <a:masterClrMapping/>
+  </p:clrMapOvr>
+  <p:transition advTm="19714">
+    <p:fade/>
+  </p:transition>
+  <p:timing>
+    <p:tnLst>
+      <p:par>
+        <p:cTn id="1" dur="indefinite" restart="never" nodeType="tmRoot"/>
+      </p:par>
+    </p:tnLst>
+  </p:timing>
+</p:sld>
+</file>
+
+<file path=ppt/slides/slide14.xml><?xml version="1.0" encoding="utf-8"?>
+<p:sld xmlns:a="http://schemas.openxmlformats.org/drawingml/2006/main" xmlns:r="http://schemas.openxmlformats.org/officeDocument/2006/relationships" xmlns:p="http://schemas.openxmlformats.org/presentationml/2006/main">
+  <p:cSld>
+    <p:spTree>
+      <p:nvGrpSpPr>
+        <p:cNvPr id="1" name=""/>
+        <p:cNvGrpSpPr/>
+        <p:nvPr/>
+      </p:nvGrpSpPr>
+      <p:grpSpPr>
+        <a:xfrm>
+          <a:off x="0" y="0"/>
+          <a:ext cx="0" cy="0"/>
+          <a:chOff x="0" y="0"/>
+          <a:chExt cx="0" cy="0"/>
+        </a:xfrm>
+      </p:grpSpPr>
+      <p:sp>
+        <p:nvSpPr>
+          <p:cNvPr id="4" name="Title 3"/>
+          <p:cNvSpPr>
+            <a:spLocks noGrp="1"/>
+          </p:cNvSpPr>
+          <p:nvPr>
+            <p:ph type="ctrTitle"/>
+          </p:nvPr>
+        </p:nvSpPr>
+        <p:spPr/>
+        <p:txBody>
+          <a:bodyPr/>
+          <a:lstStyle/>
+          <a:p>
+            <a:r>
+              <a:rPr lang="en-GB" dirty="0" smtClean="0"/>
+              <a:t>A word of warning...</a:t>
+            </a:r>
+            <a:endParaRPr lang="en-GB" dirty="0"/>
+          </a:p>
+        </p:txBody>
+      </p:sp>
+      <p:sp>
+        <p:nvSpPr>
+          <p:cNvPr id="5" name="Subtitle 4"/>
+          <p:cNvSpPr>
+            <a:spLocks noGrp="1"/>
+          </p:cNvSpPr>
+          <p:nvPr>
+            <p:ph type="subTitle" idx="1"/>
+          </p:nvPr>
+        </p:nvSpPr>
+        <p:spPr/>
+        <p:txBody>
+          <a:bodyPr/>
+          <a:lstStyle/>
+          <a:p>
+            <a:endParaRPr lang="en-GB"/>
+          </a:p>
+        </p:txBody>
+      </p:sp>
+      <p:cxnSp>
+        <p:nvCxnSpPr>
+          <p:cNvPr id="8" name="Straight Connector 7"/>
+          <p:cNvCxnSpPr/>
+          <p:nvPr/>
+        </p:nvCxnSpPr>
+        <p:spPr>
+          <a:xfrm>
+            <a:off x="0" y="36000"/>
+            <a:ext cx="1620000" cy="0"/>
+          </a:xfrm>
+          <a:prstGeom prst="line">
+            <a:avLst/>
+          </a:prstGeom>
+          <a:ln w="101600"/>
+        </p:spPr>
+        <p:style>
+          <a:lnRef idx="1">
+            <a:schemeClr val="accent1"/>
+          </a:lnRef>
+          <a:fillRef idx="0">
+            <a:schemeClr val="accent1"/>
+          </a:fillRef>
+          <a:effectRef idx="0">
+            <a:schemeClr val="accent1"/>
+          </a:effectRef>
+          <a:fontRef idx="minor">
+            <a:schemeClr val="tx1"/>
+          </a:fontRef>
+        </p:style>
+      </p:cxnSp>
+    </p:spTree>
+    <p:extLst>
+      <p:ext uri="{BB962C8B-B14F-4D97-AF65-F5344CB8AC3E}">
+        <p14:creationId xmlns:p14="http://schemas.microsoft.com/office/powerpoint/2010/main" val="2941070103"/>
+      </p:ext>
+    </p:extLst>
+  </p:cSld>
+  <p:clrMapOvr>
+    <a:masterClrMapping/>
+  </p:clrMapOvr>
+  <p:transition advTm="19714">
+    <p:fade/>
+  </p:transition>
+  <p:timing>
+    <p:tnLst>
+      <p:par>
+        <p:cTn id="1" dur="indefinite" restart="never" nodeType="tmRoot"/>
+      </p:par>
+    </p:tnLst>
+  </p:timing>
+</p:sld>
+</file>
+
+<file path=ppt/slides/slide15.xml><?xml version="1.0" encoding="utf-8"?>
+<p:sld xmlns:a="http://schemas.openxmlformats.org/drawingml/2006/main" xmlns:r="http://schemas.openxmlformats.org/officeDocument/2006/relationships" xmlns:p="http://schemas.openxmlformats.org/presentationml/2006/main">
+  <p:cSld>
+    <p:spTree>
+      <p:nvGrpSpPr>
+        <p:cNvPr id="1" name=""/>
+        <p:cNvGrpSpPr/>
+        <p:nvPr/>
+      </p:nvGrpSpPr>
+      <p:grpSpPr>
+        <a:xfrm>
+          <a:off x="0" y="0"/>
+          <a:ext cx="0" cy="0"/>
+          <a:chOff x="0" y="0"/>
+          <a:chExt cx="0" cy="0"/>
+        </a:xfrm>
+      </p:grpSpPr>
+      <p:sp>
+        <p:nvSpPr>
+          <p:cNvPr id="6146" name="Rectangle 8"/>
+          <p:cNvSpPr>
+            <a:spLocks noGrp="1" noChangeArrowheads="1"/>
+          </p:cNvSpPr>
+          <p:nvPr>
+            <p:ph type="ctrTitle"/>
+          </p:nvPr>
+        </p:nvSpPr>
+        <p:spPr/>
+        <p:txBody>
+          <a:bodyPr/>
+          <a:lstStyle/>
+          <a:p>
+            <a:pPr eaLnBrk="1" hangingPunct="1"/>
+            <a:r>
+              <a:rPr lang="en-GB" sz="4000" smtClean="0"/>
+              <a:t>If the only verbs in your Ubiquitous Language are </a:t>
+            </a:r>
+            <a:r>
+              <a:rPr lang="en-GB" sz="4000" b="1" smtClean="0"/>
+              <a:t>Create</a:t>
+            </a:r>
+            <a:r>
+              <a:rPr lang="en-GB" sz="4000" smtClean="0"/>
+              <a:t>, </a:t>
+            </a:r>
+            <a:r>
+              <a:rPr lang="en-GB" sz="4000" b="1" smtClean="0"/>
+              <a:t>Delete</a:t>
+            </a:r>
+            <a:r>
+              <a:rPr lang="en-GB" sz="4000" smtClean="0"/>
+              <a:t> and </a:t>
+            </a:r>
+            <a:r>
+              <a:rPr lang="en-GB" sz="4000" b="1" smtClean="0"/>
+              <a:t>Change</a:t>
+            </a:r>
+            <a:r>
+              <a:rPr lang="en-GB" sz="4000" smtClean="0"/>
+              <a:t>, you probably should not be using DDD.</a:t>
+            </a:r>
+          </a:p>
+        </p:txBody>
+      </p:sp>
+      <p:sp>
+        <p:nvSpPr>
+          <p:cNvPr id="6147" name="Rectangle 9"/>
+          <p:cNvSpPr>
+            <a:spLocks noGrp="1" noChangeArrowheads="1"/>
+          </p:cNvSpPr>
+          <p:nvPr>
+            <p:ph type="subTitle" idx="1"/>
+          </p:nvPr>
+        </p:nvSpPr>
+        <p:spPr/>
+        <p:txBody>
+          <a:bodyPr/>
+          <a:lstStyle/>
+          <a:p>
+            <a:pPr eaLnBrk="1" hangingPunct="1"/>
+            <a:endParaRPr lang="en-US" smtClean="0"/>
+          </a:p>
+        </p:txBody>
+      </p:sp>
+      <p:cxnSp>
+        <p:nvCxnSpPr>
+          <p:cNvPr id="6" name="Straight Connector 5"/>
+          <p:cNvCxnSpPr/>
+          <p:nvPr/>
+        </p:nvCxnSpPr>
+        <p:spPr>
+          <a:xfrm>
+            <a:off x="0" y="36000"/>
+            <a:ext cx="1620000" cy="0"/>
+          </a:xfrm>
+          <a:prstGeom prst="line">
+            <a:avLst/>
+          </a:prstGeom>
+          <a:ln w="101600"/>
+        </p:spPr>
+        <p:style>
+          <a:lnRef idx="1">
+            <a:schemeClr val="accent1"/>
+          </a:lnRef>
+          <a:fillRef idx="0">
+            <a:schemeClr val="accent1"/>
+          </a:fillRef>
+          <a:effectRef idx="0">
+            <a:schemeClr val="accent1"/>
+          </a:effectRef>
+          <a:fontRef idx="minor">
+            <a:schemeClr val="tx1"/>
+          </a:fontRef>
+        </p:style>
+      </p:cxnSp>
+    </p:spTree>
+    <p:extLst>
+      <p:ext uri="{BB962C8B-B14F-4D97-AF65-F5344CB8AC3E}">
+        <p14:creationId xmlns:p14="http://schemas.microsoft.com/office/powerpoint/2010/main" val="1263342767"/>
+      </p:ext>
+    </p:extLst>
+  </p:cSld>
+  <p:clrMapOvr>
+    <a:masterClrMapping/>
+  </p:clrMapOvr>
+  <p:transition>
+    <p:fade/>
+  </p:transition>
+  <p:timing>
+    <p:tnLst>
+      <p:par>
+        <p:cTn id="1" dur="indefinite" restart="never" nodeType="tmRoot"/>
+      </p:par>
+    </p:tnLst>
+  </p:timing>
+</p:sld>
+</file>
+
+<file path=ppt/slides/slide16.xml><?xml version="1.0" encoding="utf-8"?>
+<p:sld xmlns:a="http://schemas.openxmlformats.org/drawingml/2006/main" xmlns:r="http://schemas.openxmlformats.org/officeDocument/2006/relationships" xmlns:p="http://schemas.openxmlformats.org/presentationml/2006/main">
+  <p:cSld>
+    <p:spTree>
+      <p:nvGrpSpPr>
+        <p:cNvPr id="1" name=""/>
+        <p:cNvGrpSpPr/>
+        <p:nvPr/>
+      </p:nvGrpSpPr>
+      <p:grpSpPr>
+        <a:xfrm>
+          <a:off x="0" y="0"/>
+          <a:ext cx="0" cy="0"/>
+          <a:chOff x="0" y="0"/>
+          <a:chExt cx="0" cy="0"/>
+        </a:xfrm>
+      </p:grpSpPr>
+      <p:sp>
+        <p:nvSpPr>
+          <p:cNvPr id="4" name="Title 3"/>
+          <p:cNvSpPr>
+            <a:spLocks noGrp="1"/>
+          </p:cNvSpPr>
+          <p:nvPr>
+            <p:ph type="ctrTitle"/>
+          </p:nvPr>
+        </p:nvSpPr>
+        <p:spPr/>
+        <p:txBody>
+          <a:bodyPr/>
+          <a:lstStyle/>
+          <a:p>
+            <a:r>
+              <a:rPr lang="en-GB" dirty="0" smtClean="0"/>
+              <a:t>Refactoring toward </a:t>
+            </a:r>
+            <a:br>
+              <a:rPr lang="en-GB" dirty="0" smtClean="0"/>
+            </a:br>
+            <a:r>
+              <a:rPr lang="en-GB" dirty="0" smtClean="0"/>
+              <a:t>deeper insight</a:t>
+            </a:r>
+            <a:endParaRPr lang="en-GB" dirty="0"/>
+          </a:p>
+        </p:txBody>
+      </p:sp>
+      <p:sp>
+        <p:nvSpPr>
+          <p:cNvPr id="5" name="Subtitle 4"/>
+          <p:cNvSpPr>
+            <a:spLocks noGrp="1"/>
+          </p:cNvSpPr>
+          <p:nvPr>
+            <p:ph type="subTitle" idx="1"/>
+          </p:nvPr>
+        </p:nvSpPr>
+        <p:spPr/>
+        <p:txBody>
+          <a:bodyPr/>
+          <a:lstStyle/>
+          <a:p>
+            <a:endParaRPr lang="en-GB"/>
+          </a:p>
+        </p:txBody>
+      </p:sp>
+      <p:cxnSp>
+        <p:nvCxnSpPr>
+          <p:cNvPr id="8" name="Straight Connector 7"/>
+          <p:cNvCxnSpPr/>
+          <p:nvPr/>
+        </p:nvCxnSpPr>
+        <p:spPr>
+          <a:xfrm>
+            <a:off x="0" y="36000"/>
+            <a:ext cx="1620000" cy="0"/>
+          </a:xfrm>
+          <a:prstGeom prst="line">
+            <a:avLst/>
+          </a:prstGeom>
+          <a:ln w="101600"/>
+        </p:spPr>
+        <p:style>
+          <a:lnRef idx="1">
+            <a:schemeClr val="accent1"/>
+          </a:lnRef>
+          <a:fillRef idx="0">
+            <a:schemeClr val="accent1"/>
+          </a:fillRef>
+          <a:effectRef idx="0">
+            <a:schemeClr val="accent1"/>
+          </a:effectRef>
+          <a:fontRef idx="minor">
+            <a:schemeClr val="tx1"/>
+          </a:fontRef>
+        </p:style>
+      </p:cxnSp>
+    </p:spTree>
+    <p:extLst>
+      <p:ext uri="{BB962C8B-B14F-4D97-AF65-F5344CB8AC3E}">
+        <p14:creationId xmlns:p14="http://schemas.microsoft.com/office/powerpoint/2010/main" val="2918539562"/>
+      </p:ext>
+    </p:extLst>
+  </p:cSld>
+  <p:clrMapOvr>
+    <a:masterClrMapping/>
+  </p:clrMapOvr>
+  <p:transition advTm="19714">
+    <p:fade/>
+  </p:transition>
+  <p:timing>
+    <p:tnLst>
+      <p:par>
+        <p:cTn id="1" dur="indefinite" restart="never" nodeType="tmRoot"/>
+      </p:par>
+    </p:tnLst>
+  </p:timing>
+</p:sld>
+</file>
+
+<file path=ppt/slides/slide17.xml><?xml version="1.0" encoding="utf-8"?>
+<p:sld xmlns:a="http://schemas.openxmlformats.org/drawingml/2006/main" xmlns:r="http://schemas.openxmlformats.org/officeDocument/2006/relationships" xmlns:p="http://schemas.openxmlformats.org/presentationml/2006/main">
+  <p:cSld>
+    <p:spTree>
+      <p:nvGrpSpPr>
+        <p:cNvPr id="1" name=""/>
+        <p:cNvGrpSpPr/>
+        <p:nvPr/>
+      </p:nvGrpSpPr>
+      <p:grpSpPr>
+        <a:xfrm>
+          <a:off x="0" y="0"/>
+          <a:ext cx="0" cy="0"/>
+          <a:chOff x="0" y="0"/>
+          <a:chExt cx="0" cy="0"/>
+        </a:xfrm>
+      </p:grpSpPr>
+      <p:sp>
+        <p:nvSpPr>
+          <p:cNvPr id="13314" name="Rectangle 2"/>
+          <p:cNvSpPr>
+            <a:spLocks noGrp="1" noChangeArrowheads="1"/>
+          </p:cNvSpPr>
+          <p:nvPr>
+            <p:ph type="title"/>
+          </p:nvPr>
+        </p:nvSpPr>
+        <p:spPr/>
+        <p:txBody>
+          <a:bodyPr/>
+          <a:lstStyle/>
+          <a:p>
+            <a:pPr eaLnBrk="1" hangingPunct="1"/>
+            <a:r>
+              <a:rPr lang="en-GB" smtClean="0"/>
+              <a:t>Application Services</a:t>
+            </a:r>
+          </a:p>
+        </p:txBody>
+      </p:sp>
+      <p:sp>
+        <p:nvSpPr>
+          <p:cNvPr id="13315" name="Rectangle 3"/>
+          <p:cNvSpPr>
+            <a:spLocks noGrp="1" noChangeArrowheads="1"/>
+          </p:cNvSpPr>
+          <p:nvPr>
+            <p:ph type="body" idx="1"/>
+          </p:nvPr>
+        </p:nvSpPr>
+        <p:spPr/>
+        <p:txBody>
+          <a:bodyPr/>
+          <a:lstStyle/>
+          <a:p>
+            <a:pPr eaLnBrk="1" hangingPunct="1"/>
+            <a:r>
+              <a:rPr lang="en-GB" smtClean="0"/>
+              <a:t>Classes that coordinate behaviour of Domain Objects</a:t>
+            </a:r>
+          </a:p>
+          <a:p>
+            <a:pPr eaLnBrk="1" hangingPunct="1"/>
+            <a:r>
+              <a:rPr lang="en-GB" smtClean="0"/>
+              <a:t>DO NOT contain “business logic”</a:t>
+            </a:r>
+          </a:p>
+          <a:p>
+            <a:pPr eaLnBrk="1" hangingPunct="1"/>
+            <a:r>
+              <a:rPr lang="en-GB" smtClean="0"/>
+              <a:t>MVC controllers are probably not Application Services</a:t>
+            </a:r>
+          </a:p>
+          <a:p>
+            <a:pPr eaLnBrk="1" hangingPunct="1"/>
+            <a:r>
+              <a:rPr lang="en-GB" smtClean="0"/>
+              <a:t>Perform IoC and infrastructure duties</a:t>
+            </a:r>
+          </a:p>
+        </p:txBody>
+      </p:sp>
+      <p:cxnSp>
+        <p:nvCxnSpPr>
+          <p:cNvPr id="6" name="Straight Connector 5"/>
+          <p:cNvCxnSpPr/>
+          <p:nvPr/>
+        </p:nvCxnSpPr>
+        <p:spPr>
+          <a:xfrm>
+            <a:off x="0" y="36000"/>
+            <a:ext cx="1620000" cy="0"/>
+          </a:xfrm>
+          <a:prstGeom prst="line">
+            <a:avLst/>
+          </a:prstGeom>
+          <a:ln w="101600"/>
+        </p:spPr>
+        <p:style>
+          <a:lnRef idx="1">
+            <a:schemeClr val="accent1"/>
+          </a:lnRef>
+          <a:fillRef idx="0">
+            <a:schemeClr val="accent1"/>
+          </a:fillRef>
+          <a:effectRef idx="0">
+            <a:schemeClr val="accent1"/>
+          </a:effectRef>
+          <a:fontRef idx="minor">
+            <a:schemeClr val="tx1"/>
+          </a:fontRef>
+        </p:style>
+      </p:cxnSp>
+    </p:spTree>
+    <p:extLst>
+      <p:ext uri="{BB962C8B-B14F-4D97-AF65-F5344CB8AC3E}">
+        <p14:creationId xmlns:p14="http://schemas.microsoft.com/office/powerpoint/2010/main" val="951934265"/>
+      </p:ext>
+    </p:extLst>
+  </p:cSld>
+  <p:clrMapOvr>
+    <a:masterClrMapping/>
+  </p:clrMapOvr>
+  <p:transition>
+    <p:fade/>
+  </p:transition>
+  <p:timing>
+    <p:tnLst>
+      <p:par>
+        <p:cTn id="1" dur="indefinite" restart="never" nodeType="tmRoot"/>
+      </p:par>
+    </p:tnLst>
+  </p:timing>
+</p:sld>
+</file>
+
+<file path=ppt/slides/slide18.xml><?xml version="1.0" encoding="utf-8"?>
+<p:sld xmlns:a="http://schemas.openxmlformats.org/drawingml/2006/main" xmlns:r="http://schemas.openxmlformats.org/officeDocument/2006/relationships" xmlns:p="http://schemas.openxmlformats.org/presentationml/2006/main">
+  <p:cSld>
+    <p:spTree>
+      <p:nvGrpSpPr>
+        <p:cNvPr id="1" name=""/>
+        <p:cNvGrpSpPr/>
+        <p:nvPr/>
+      </p:nvGrpSpPr>
+      <p:grpSpPr>
+        <a:xfrm>
+          <a:off x="0" y="0"/>
+          <a:ext cx="0" cy="0"/>
+          <a:chOff x="0" y="0"/>
+          <a:chExt cx="0" cy="0"/>
+        </a:xfrm>
+      </p:grpSpPr>
+      <p:sp>
+        <p:nvSpPr>
+          <p:cNvPr id="2" name="Title 1"/>
+          <p:cNvSpPr>
+            <a:spLocks noGrp="1"/>
+          </p:cNvSpPr>
+          <p:nvPr>
+            <p:ph type="title"/>
+          </p:nvPr>
+        </p:nvSpPr>
+        <p:spPr/>
+        <p:txBody>
+          <a:bodyPr/>
+          <a:lstStyle/>
+          <a:p>
+            <a:pPr>
+              <a:defRPr/>
+            </a:pPr>
+            <a:r>
+              <a:rPr lang="en-GB" dirty="0" smtClean="0"/>
+              <a:t>SHOW ME TEH </a:t>
+            </a:r>
+            <a:r>
+              <a:rPr lang="en-GB" dirty="0" err="1" smtClean="0"/>
+              <a:t>Codez</a:t>
+            </a:r>
+            <a:endParaRPr lang="en-GB" dirty="0"/>
+          </a:p>
+        </p:txBody>
+      </p:sp>
+      <p:sp>
+        <p:nvSpPr>
+          <p:cNvPr id="19459" name="Text Placeholder 2"/>
+          <p:cNvSpPr>
+            <a:spLocks noGrp="1"/>
+          </p:cNvSpPr>
+          <p:nvPr>
+            <p:ph type="body" idx="1"/>
+          </p:nvPr>
+        </p:nvSpPr>
+        <p:spPr/>
+        <p:txBody>
+          <a:bodyPr/>
+          <a:lstStyle/>
+          <a:p>
+            <a:endParaRPr lang="en-US" smtClean="0"/>
+          </a:p>
+        </p:txBody>
+      </p:sp>
+      <p:cxnSp>
+        <p:nvCxnSpPr>
+          <p:cNvPr id="6" name="Straight Connector 5"/>
+          <p:cNvCxnSpPr/>
+          <p:nvPr/>
+        </p:nvCxnSpPr>
+        <p:spPr>
+          <a:xfrm>
+            <a:off x="1620000" y="36000"/>
+            <a:ext cx="1620000" cy="0"/>
+          </a:xfrm>
+          <a:prstGeom prst="line">
+            <a:avLst/>
+          </a:prstGeom>
+          <a:ln w="101600"/>
+        </p:spPr>
+        <p:style>
+          <a:lnRef idx="1">
+            <a:schemeClr val="accent1"/>
+          </a:lnRef>
+          <a:fillRef idx="0">
+            <a:schemeClr val="accent1"/>
+          </a:fillRef>
+          <a:effectRef idx="0">
+            <a:schemeClr val="accent1"/>
+          </a:effectRef>
+          <a:fontRef idx="minor">
+            <a:schemeClr val="tx1"/>
+          </a:fontRef>
+        </p:style>
+      </p:cxnSp>
+    </p:spTree>
+  </p:cSld>
+  <p:clrMapOvr>
+    <a:masterClrMapping/>
+  </p:clrMapOvr>
+  <p:transition>
+    <p:fade/>
+  </p:transition>
+  <p:timing>
+    <p:tnLst>
+      <p:par>
+        <p:cTn id="1" dur="indefinite" restart="never" nodeType="tmRoot"/>
+      </p:par>
+    </p:tnLst>
+  </p:timing>
+</p:sld>
+</file>
+
+<file path=ppt/slides/slide19.xml><?xml version="1.0" encoding="utf-8"?>
+<p:sld xmlns:a="http://schemas.openxmlformats.org/drawingml/2006/main" xmlns:r="http://schemas.openxmlformats.org/officeDocument/2006/relationships" xmlns:p="http://schemas.openxmlformats.org/presentationml/2006/main">
+  <p:cSld>
+    <p:spTree>
+      <p:nvGrpSpPr>
+        <p:cNvPr id="1" name=""/>
+        <p:cNvGrpSpPr/>
+        <p:nvPr/>
+      </p:nvGrpSpPr>
+      <p:grpSpPr>
+        <a:xfrm>
+          <a:off x="0" y="0"/>
+          <a:ext cx="0" cy="0"/>
+          <a:chOff x="0" y="0"/>
+          <a:chExt cx="0" cy="0"/>
+        </a:xfrm>
+      </p:grpSpPr>
+      <p:sp>
+        <p:nvSpPr>
+          <p:cNvPr id="4" name="Title 3"/>
+          <p:cNvSpPr>
+            <a:spLocks noGrp="1"/>
+          </p:cNvSpPr>
+          <p:nvPr>
+            <p:ph type="ctrTitle"/>
+          </p:nvPr>
+        </p:nvSpPr>
+        <p:spPr/>
+        <p:txBody>
+          <a:bodyPr/>
+          <a:lstStyle/>
+          <a:p>
+            <a:r>
+              <a:rPr lang="en-GB" dirty="0" smtClean="0"/>
+              <a:t>But why?</a:t>
+            </a:r>
+            <a:endParaRPr lang="en-GB" dirty="0"/>
+          </a:p>
+        </p:txBody>
+      </p:sp>
+      <p:sp>
+        <p:nvSpPr>
+          <p:cNvPr id="5" name="Subtitle 4"/>
+          <p:cNvSpPr>
+            <a:spLocks noGrp="1"/>
+          </p:cNvSpPr>
+          <p:nvPr>
+            <p:ph type="subTitle" idx="1"/>
+          </p:nvPr>
+        </p:nvSpPr>
+        <p:spPr/>
+        <p:txBody>
+          <a:bodyPr/>
+          <a:lstStyle/>
+          <a:p>
+            <a:endParaRPr lang="en-GB"/>
+          </a:p>
+        </p:txBody>
+      </p:sp>
+      <p:cxnSp>
+        <p:nvCxnSpPr>
+          <p:cNvPr id="8" name="Straight Connector 7"/>
+          <p:cNvCxnSpPr/>
+          <p:nvPr/>
+        </p:nvCxnSpPr>
+        <p:spPr>
+          <a:xfrm>
+            <a:off x="1620000" y="36000"/>
+            <a:ext cx="1620000" cy="0"/>
+          </a:xfrm>
+          <a:prstGeom prst="line">
+            <a:avLst/>
+          </a:prstGeom>
+          <a:ln w="101600"/>
+        </p:spPr>
+        <p:style>
+          <a:lnRef idx="1">
+            <a:schemeClr val="accent1"/>
+          </a:lnRef>
+          <a:fillRef idx="0">
+            <a:schemeClr val="accent1"/>
+          </a:fillRef>
+          <a:effectRef idx="0">
+            <a:schemeClr val="accent1"/>
+          </a:effectRef>
+          <a:fontRef idx="minor">
+            <a:schemeClr val="tx1"/>
+          </a:fontRef>
+        </p:style>
+      </p:cxnSp>
+    </p:spTree>
+    <p:extLst>
+      <p:ext uri="{BB962C8B-B14F-4D97-AF65-F5344CB8AC3E}">
+        <p14:creationId xmlns:p14="http://schemas.microsoft.com/office/powerpoint/2010/main" val="775307674"/>
+      </p:ext>
+    </p:extLst>
+  </p:cSld>
+  <p:clrMapOvr>
+    <a:masterClrMapping/>
+  </p:clrMapOvr>
+  <p:transition advTm="19714">
+    <p:fade/>
+  </p:transition>
+  <p:timing>
+    <p:tnLst>
+      <p:par>
+        <p:cTn id="1" dur="indefinite" restart="never" nodeType="tmRoot"/>
+      </p:par>
+    </p:tnLst>
+  </p:timing>
+</p:sld>
+</file>
+
+<file path=ppt/slides/slide2.xml><?xml version="1.0" encoding="utf-8"?>
+<p:sld xmlns:a="http://schemas.openxmlformats.org/drawingml/2006/main" xmlns:r="http://schemas.openxmlformats.org/officeDocument/2006/relationships" xmlns:p="http://schemas.openxmlformats.org/presentationml/2006/main">
+  <p:cSld>
+    <p:spTree>
+      <p:nvGrpSpPr>
+        <p:cNvPr id="1" name=""/>
+        <p:cNvGrpSpPr/>
+        <p:nvPr/>
+      </p:nvGrpSpPr>
+      <p:grpSpPr>
+        <a:xfrm>
+          <a:off x="0" y="0"/>
+          <a:ext cx="0" cy="0"/>
+          <a:chOff x="0" y="0"/>
+          <a:chExt cx="0" cy="0"/>
+        </a:xfrm>
+      </p:grpSpPr>
+      <p:sp>
+        <p:nvSpPr>
+          <p:cNvPr id="3074" name="Rectangle 2"/>
+          <p:cNvSpPr>
+            <a:spLocks noGrp="1" noChangeArrowheads="1"/>
+          </p:cNvSpPr>
+          <p:nvPr>
+            <p:ph type="ctrTitle"/>
+          </p:nvPr>
+        </p:nvSpPr>
+        <p:spPr/>
+        <p:txBody>
+          <a:bodyPr/>
+          <a:lstStyle/>
+          <a:p>
+            <a:pPr eaLnBrk="1" hangingPunct="1"/>
+            <a:r>
+              <a:rPr lang="en-GB" dirty="0" smtClean="0"/>
+              <a:t>DDD, CQRS and</a:t>
+            </a:r>
+            <a:br>
+              <a:rPr lang="en-GB" dirty="0" smtClean="0"/>
+            </a:br>
+            <a:r>
+              <a:rPr lang="en-GB" dirty="0" smtClean="0"/>
+              <a:t>Event Sourcing</a:t>
+            </a:r>
+          </a:p>
+        </p:txBody>
+      </p:sp>
+      <p:cxnSp>
+        <p:nvCxnSpPr>
+          <p:cNvPr id="5" name="Straight Connector 4"/>
+          <p:cNvCxnSpPr/>
+          <p:nvPr/>
+        </p:nvCxnSpPr>
+        <p:spPr>
+          <a:xfrm>
+            <a:off x="0" y="36000"/>
+            <a:ext cx="1620000" cy="0"/>
+          </a:xfrm>
+          <a:prstGeom prst="line">
+            <a:avLst/>
+          </a:prstGeom>
+          <a:ln w="101600"/>
+        </p:spPr>
+        <p:style>
+          <a:lnRef idx="1">
+            <a:schemeClr val="accent1"/>
+          </a:lnRef>
+          <a:fillRef idx="0">
+            <a:schemeClr val="accent1"/>
+          </a:fillRef>
+          <a:effectRef idx="0">
+            <a:schemeClr val="accent1"/>
+          </a:effectRef>
+          <a:fontRef idx="minor">
+            <a:schemeClr val="tx1"/>
+          </a:fontRef>
+        </p:style>
+      </p:cxnSp>
+    </p:spTree>
+  </p:cSld>
+  <p:clrMapOvr>
+    <a:masterClrMapping/>
+  </p:clrMapOvr>
+  <p:transition>
+    <p:fade/>
+  </p:transition>
+  <p:timing>
+    <p:tnLst>
+      <p:par>
+        <p:cTn id="1" dur="indefinite" restart="never" nodeType="tmRoot"/>
+      </p:par>
+    </p:tnLst>
+  </p:timing>
+</p:sld>
+</file>
+
+<file path=ppt/slides/slide20.xml><?xml version="1.0" encoding="utf-8"?>
+<p:sld xmlns:a="http://schemas.openxmlformats.org/drawingml/2006/main" xmlns:r="http://schemas.openxmlformats.org/officeDocument/2006/relationships" xmlns:p="http://schemas.openxmlformats.org/presentationml/2006/main">
+  <p:cSld>
+    <p:spTree>
+      <p:nvGrpSpPr>
+        <p:cNvPr id="1" name=""/>
+        <p:cNvGrpSpPr/>
+        <p:nvPr/>
+      </p:nvGrpSpPr>
+      <p:grpSpPr>
+        <a:xfrm>
+          <a:off x="0" y="0"/>
+          <a:ext cx="0" cy="0"/>
+          <a:chOff x="0" y="0"/>
+          <a:chExt cx="0" cy="0"/>
+        </a:xfrm>
+      </p:grpSpPr>
+      <p:sp>
+        <p:nvSpPr>
+          <p:cNvPr id="2" name="Title 1"/>
+          <p:cNvSpPr>
+            <a:spLocks noGrp="1"/>
+          </p:cNvSpPr>
+          <p:nvPr>
+            <p:ph type="title"/>
+          </p:nvPr>
+        </p:nvSpPr>
+        <p:spPr/>
+        <p:txBody>
+          <a:bodyPr/>
+          <a:lstStyle/>
+          <a:p>
+            <a:r>
+              <a:rPr lang="en-GB" dirty="0" smtClean="0"/>
+              <a:t>Benefits of DDD</a:t>
+            </a:r>
+            <a:endParaRPr lang="en-GB" dirty="0"/>
+          </a:p>
+        </p:txBody>
+      </p:sp>
+      <p:sp>
+        <p:nvSpPr>
+          <p:cNvPr id="3" name="Content Placeholder 2"/>
+          <p:cNvSpPr>
+            <a:spLocks noGrp="1"/>
+          </p:cNvSpPr>
+          <p:nvPr>
+            <p:ph idx="1"/>
+          </p:nvPr>
+        </p:nvSpPr>
+        <p:spPr/>
+        <p:txBody>
+          <a:bodyPr/>
+          <a:lstStyle/>
+          <a:p>
+            <a:r>
+              <a:rPr lang="en-GB" dirty="0" smtClean="0"/>
+              <a:t>Encapsulation of business rules.</a:t>
+            </a:r>
+          </a:p>
+          <a:p>
+            <a:r>
+              <a:rPr lang="en-GB" dirty="0" smtClean="0"/>
+              <a:t>Easy testing of business rules.</a:t>
+            </a:r>
+          </a:p>
+          <a:p>
+            <a:r>
+              <a:rPr lang="en-GB" dirty="0" smtClean="0"/>
+              <a:t>OOP techniques manage complexity.</a:t>
+            </a:r>
+          </a:p>
+        </p:txBody>
+      </p:sp>
+      <p:cxnSp>
+        <p:nvCxnSpPr>
+          <p:cNvPr id="6" name="Straight Connector 5"/>
+          <p:cNvCxnSpPr/>
+          <p:nvPr/>
+        </p:nvCxnSpPr>
+        <p:spPr>
+          <a:xfrm>
+            <a:off x="1620000" y="36000"/>
+            <a:ext cx="1620000" cy="0"/>
+          </a:xfrm>
+          <a:prstGeom prst="line">
+            <a:avLst/>
+          </a:prstGeom>
+          <a:ln w="101600"/>
+        </p:spPr>
+        <p:style>
+          <a:lnRef idx="1">
+            <a:schemeClr val="accent1"/>
+          </a:lnRef>
+          <a:fillRef idx="0">
+            <a:schemeClr val="accent1"/>
+          </a:fillRef>
+          <a:effectRef idx="0">
+            <a:schemeClr val="accent1"/>
+          </a:effectRef>
+          <a:fontRef idx="minor">
+            <a:schemeClr val="tx1"/>
+          </a:fontRef>
+        </p:style>
+      </p:cxnSp>
+    </p:spTree>
+    <p:extLst>
+      <p:ext uri="{BB962C8B-B14F-4D97-AF65-F5344CB8AC3E}">
+        <p14:creationId xmlns:p14="http://schemas.microsoft.com/office/powerpoint/2010/main" val="2670281857"/>
+      </p:ext>
+    </p:extLst>
+  </p:cSld>
+  <p:clrMapOvr>
+    <a:masterClrMapping/>
+  </p:clrMapOvr>
+  <p:transition advTm="19714">
+    <p:fade/>
+  </p:transition>
+  <p:timing>
+    <p:tnLst>
+      <p:par>
+        <p:cTn id="1" dur="indefinite" restart="never" nodeType="tmRoot"/>
+      </p:par>
+    </p:tnLst>
+  </p:timing>
+</p:sld>
+</file>
+
+<file path=ppt/slides/slide21.xml><?xml version="1.0" encoding="utf-8"?>
+<p:sld xmlns:a="http://schemas.openxmlformats.org/drawingml/2006/main" xmlns:r="http://schemas.openxmlformats.org/officeDocument/2006/relationships" xmlns:p="http://schemas.openxmlformats.org/presentationml/2006/main">
+  <p:cSld>
+    <p:spTree>
+      <p:nvGrpSpPr>
+        <p:cNvPr id="1" name=""/>
+        <p:cNvGrpSpPr/>
+        <p:nvPr/>
+      </p:nvGrpSpPr>
+      <p:grpSpPr>
+        <a:xfrm>
+          <a:off x="0" y="0"/>
+          <a:ext cx="0" cy="0"/>
+          <a:chOff x="0" y="0"/>
+          <a:chExt cx="0" cy="0"/>
+        </a:xfrm>
+      </p:grpSpPr>
+      <p:sp>
+        <p:nvSpPr>
+          <p:cNvPr id="20482" name="Title 1"/>
+          <p:cNvSpPr>
+            <a:spLocks noGrp="1"/>
+          </p:cNvSpPr>
+          <p:nvPr>
+            <p:ph type="title"/>
+          </p:nvPr>
+        </p:nvSpPr>
+        <p:spPr/>
+        <p:txBody>
+          <a:bodyPr/>
+          <a:lstStyle/>
+          <a:p>
+            <a:pPr eaLnBrk="1" hangingPunct="1"/>
+            <a:endParaRPr lang="en-US" smtClean="0"/>
+          </a:p>
+        </p:txBody>
+      </p:sp>
+      <p:sp>
+        <p:nvSpPr>
+          <p:cNvPr id="20483" name="Content Placeholder 2"/>
+          <p:cNvSpPr>
+            <a:spLocks noGrp="1"/>
+          </p:cNvSpPr>
+          <p:nvPr>
+            <p:ph idx="1"/>
+          </p:nvPr>
+        </p:nvSpPr>
+        <p:spPr/>
+        <p:txBody>
+          <a:bodyPr/>
+          <a:lstStyle/>
+          <a:p>
+            <a:pPr eaLnBrk="1" hangingPunct="1"/>
+            <a:endParaRPr lang="en-US" smtClean="0"/>
+          </a:p>
+        </p:txBody>
+      </p:sp>
+      <p:cxnSp>
+        <p:nvCxnSpPr>
+          <p:cNvPr id="6" name="Straight Connector 5"/>
+          <p:cNvCxnSpPr/>
+          <p:nvPr/>
+        </p:nvCxnSpPr>
+        <p:spPr>
+          <a:xfrm>
+            <a:off x="3240000" y="36000"/>
+            <a:ext cx="1620000" cy="0"/>
+          </a:xfrm>
+          <a:prstGeom prst="line">
+            <a:avLst/>
+          </a:prstGeom>
+          <a:ln w="101600"/>
+        </p:spPr>
+        <p:style>
+          <a:lnRef idx="1">
+            <a:schemeClr val="accent1"/>
+          </a:lnRef>
+          <a:fillRef idx="0">
+            <a:schemeClr val="accent1"/>
+          </a:fillRef>
+          <a:effectRef idx="0">
+            <a:schemeClr val="accent1"/>
+          </a:effectRef>
+          <a:fontRef idx="minor">
+            <a:schemeClr val="tx1"/>
+          </a:fontRef>
+        </p:style>
+      </p:cxnSp>
     </p:spTree>
   </p:cSld>
   <p:clrMapOvr>
@@ -7651,12 +6897,40 @@
       </p:grpSpPr>
       <p:sp>
         <p:nvSpPr>
-          <p:cNvPr id="13314" name="Rectangle 2"/>
+          <p:cNvPr id="21506" name="Rectangle 4"/>
           <p:cNvSpPr>
             <a:spLocks noGrp="1" noChangeArrowheads="1"/>
           </p:cNvSpPr>
           <p:nvPr>
-            <p:ph type="title"/>
+            <p:ph type="ctrTitle"/>
+          </p:nvPr>
+        </p:nvSpPr>
+        <p:spPr>
+          <a:xfrm>
+            <a:off x="684213" y="2133600"/>
+            <a:ext cx="7772400" cy="1470025"/>
+          </a:xfrm>
+        </p:spPr>
+        <p:txBody>
+          <a:bodyPr/>
+          <a:lstStyle/>
+          <a:p>
+            <a:pPr eaLnBrk="1" hangingPunct="1"/>
+            <a:r>
+              <a:rPr lang="en-GB" smtClean="0"/>
+              <a:t>CQRS</a:t>
+            </a:r>
+          </a:p>
+        </p:txBody>
+      </p:sp>
+      <p:sp>
+        <p:nvSpPr>
+          <p:cNvPr id="21507" name="Rectangle 5"/>
+          <p:cNvSpPr>
+            <a:spLocks noGrp="1" noChangeArrowheads="1"/>
+          </p:cNvSpPr>
+          <p:nvPr>
+            <p:ph type="subTitle" idx="1"/>
           </p:nvPr>
         </p:nvSpPr>
         <p:spPr/>
@@ -7665,63 +6939,42 @@
           <a:lstStyle/>
           <a:p>
             <a:pPr eaLnBrk="1" hangingPunct="1"/>
-            <a:r>
-              <a:rPr lang="en-GB" smtClean="0"/>
-              <a:t>Application Services</a:t>
-            </a:r>
-          </a:p>
-        </p:txBody>
-      </p:sp>
-      <p:sp>
-        <p:nvSpPr>
-          <p:cNvPr id="13315" name="Rectangle 3"/>
-          <p:cNvSpPr>
-            <a:spLocks noGrp="1" noChangeArrowheads="1"/>
-          </p:cNvSpPr>
-          <p:nvPr>
-            <p:ph type="body" idx="1"/>
-          </p:nvPr>
-        </p:nvSpPr>
-        <p:spPr/>
-        <p:txBody>
-          <a:bodyPr/>
-          <a:lstStyle/>
-          <a:p>
-            <a:pPr eaLnBrk="1" hangingPunct="1"/>
-            <a:r>
-              <a:rPr lang="en-GB" smtClean="0"/>
-              <a:t>Classes that coordinate behaviour of Domain Objects</a:t>
-            </a:r>
-          </a:p>
-          <a:p>
-            <a:pPr eaLnBrk="1" hangingPunct="1"/>
-            <a:r>
-              <a:rPr lang="en-GB" smtClean="0"/>
-              <a:t>DO NOT contain “business logic”</a:t>
-            </a:r>
-          </a:p>
-          <a:p>
-            <a:pPr eaLnBrk="1" hangingPunct="1"/>
-            <a:r>
-              <a:rPr lang="en-GB" smtClean="0"/>
-              <a:t>MVC controllers are probably not Application Services</a:t>
-            </a:r>
-          </a:p>
-          <a:p>
-            <a:pPr eaLnBrk="1" hangingPunct="1"/>
-            <a:r>
-              <a:rPr lang="en-GB" smtClean="0"/>
-              <a:t>Perform IoC and infrastructure duties</a:t>
-            </a:r>
-          </a:p>
-        </p:txBody>
-      </p:sp>
+            <a:endParaRPr lang="en-US" smtClean="0"/>
+          </a:p>
+        </p:txBody>
+      </p:sp>
+      <p:cxnSp>
+        <p:nvCxnSpPr>
+          <p:cNvPr id="4" name="Straight Connector 3"/>
+          <p:cNvCxnSpPr/>
+          <p:nvPr/>
+        </p:nvCxnSpPr>
+        <p:spPr>
+          <a:xfrm>
+            <a:off x="3240000" y="36000"/>
+            <a:ext cx="1620000" cy="0"/>
+          </a:xfrm>
+          <a:prstGeom prst="line">
+            <a:avLst/>
+          </a:prstGeom>
+          <a:ln w="101600"/>
+        </p:spPr>
+        <p:style>
+          <a:lnRef idx="1">
+            <a:schemeClr val="accent1"/>
+          </a:lnRef>
+          <a:fillRef idx="0">
+            <a:schemeClr val="accent1"/>
+          </a:fillRef>
+          <a:effectRef idx="0">
+            <a:schemeClr val="accent1"/>
+          </a:effectRef>
+          <a:fontRef idx="minor">
+            <a:schemeClr val="tx1"/>
+          </a:fontRef>
+        </p:style>
+      </p:cxnSp>
     </p:spTree>
-    <p:extLst>
-      <p:ext uri="{BB962C8B-B14F-4D97-AF65-F5344CB8AC3E}">
-        <p14:creationId xmlns:p14="http://schemas.microsoft.com/office/powerpoint/2010/main" val="951934265"/>
-      </p:ext>
-    </p:extLst>
   </p:cSld>
   <p:clrMapOvr>
     <a:masterClrMapping/>
@@ -7758,12 +7011,12 @@
       </p:grpSpPr>
       <p:sp>
         <p:nvSpPr>
-          <p:cNvPr id="2" name="Title 1"/>
-          <p:cNvSpPr>
-            <a:spLocks noGrp="1"/>
-          </p:cNvSpPr>
-          <p:nvPr>
-            <p:ph type="title"/>
+          <p:cNvPr id="22530" name="Rectangle 4"/>
+          <p:cNvSpPr>
+            <a:spLocks noGrp="1" noChangeArrowheads="1"/>
+          </p:cNvSpPr>
+          <p:nvPr>
+            <p:ph type="ctrTitle"/>
           </p:nvPr>
         </p:nvSpPr>
         <p:spPr/>
@@ -7771,29 +7024,22 @@
           <a:bodyPr/>
           <a:lstStyle/>
           <a:p>
-            <a:pPr>
-              <a:defRPr/>
-            </a:pPr>
-            <a:r>
-              <a:rPr lang="en-GB" dirty="0" smtClean="0"/>
-              <a:t>SHOW ME TEH </a:t>
-            </a:r>
-            <a:r>
-              <a:rPr lang="en-GB" dirty="0" err="1" smtClean="0"/>
-              <a:t>Codez</a:t>
-            </a:r>
-            <a:endParaRPr lang="en-GB" dirty="0"/>
-          </a:p>
-        </p:txBody>
-      </p:sp>
-      <p:sp>
-        <p:nvSpPr>
-          <p:cNvPr id="19459" name="Text Placeholder 2"/>
-          <p:cNvSpPr>
-            <a:spLocks noGrp="1"/>
-          </p:cNvSpPr>
-          <p:nvPr>
-            <p:ph type="body" idx="1"/>
+            <a:pPr eaLnBrk="1" hangingPunct="1"/>
+            <a:r>
+              <a:rPr lang="en-GB" smtClean="0"/>
+              <a:t>CQRS is really just CQS</a:t>
+            </a:r>
+          </a:p>
+        </p:txBody>
+      </p:sp>
+      <p:sp>
+        <p:nvSpPr>
+          <p:cNvPr id="22531" name="Rectangle 5"/>
+          <p:cNvSpPr>
+            <a:spLocks noGrp="1" noChangeArrowheads="1"/>
+          </p:cNvSpPr>
+          <p:nvPr>
+            <p:ph type="subTitle" idx="1"/>
           </p:nvPr>
         </p:nvSpPr>
         <p:spPr/>
@@ -7801,10 +7047,45 @@
           <a:bodyPr/>
           <a:lstStyle/>
           <a:p>
-            <a:endParaRPr lang="en-US" smtClean="0"/>
-          </a:p>
-        </p:txBody>
-      </p:sp>
+            <a:pPr eaLnBrk="1" hangingPunct="1"/>
+            <a:r>
+              <a:rPr lang="en-GB" i="1" smtClean="0"/>
+              <a:t>(but at an architectural level)</a:t>
+            </a:r>
+          </a:p>
+        </p:txBody>
+      </p:sp>
+      <p:cxnSp>
+        <p:nvCxnSpPr>
+          <p:cNvPr id="4" name="Straight Connector 3"/>
+          <p:cNvCxnSpPr/>
+          <p:nvPr/>
+        </p:nvCxnSpPr>
+        <p:spPr>
+          <a:xfrm>
+            <a:off x="3240000" y="36000"/>
+            <a:ext cx="1620000" cy="0"/>
+          </a:xfrm>
+          <a:prstGeom prst="line">
+            <a:avLst/>
+          </a:prstGeom>
+          <a:ln w="101600"/>
+        </p:spPr>
+        <p:style>
+          <a:lnRef idx="1">
+            <a:schemeClr val="accent1"/>
+          </a:lnRef>
+          <a:fillRef idx="0">
+            <a:schemeClr val="accent1"/>
+          </a:fillRef>
+          <a:effectRef idx="0">
+            <a:schemeClr val="accent1"/>
+          </a:effectRef>
+          <a:fontRef idx="minor">
+            <a:schemeClr val="tx1"/>
+          </a:fontRef>
+        </p:style>
+      </p:cxnSp>
     </p:spTree>
   </p:cSld>
   <p:clrMapOvr>
@@ -7824,245 +7105,6 @@
 </file>
 
 <file path=ppt/slides/slide24.xml><?xml version="1.0" encoding="utf-8"?>
-<p:sld xmlns:a="http://schemas.openxmlformats.org/drawingml/2006/main" xmlns:r="http://schemas.openxmlformats.org/officeDocument/2006/relationships" xmlns:p="http://schemas.openxmlformats.org/presentationml/2006/main">
-  <p:cSld>
-    <p:spTree>
-      <p:nvGrpSpPr>
-        <p:cNvPr id="1" name=""/>
-        <p:cNvGrpSpPr/>
-        <p:nvPr/>
-      </p:nvGrpSpPr>
-      <p:grpSpPr>
-        <a:xfrm>
-          <a:off x="0" y="0"/>
-          <a:ext cx="0" cy="0"/>
-          <a:chOff x="0" y="0"/>
-          <a:chExt cx="0" cy="0"/>
-        </a:xfrm>
-      </p:grpSpPr>
-      <p:sp>
-        <p:nvSpPr>
-          <p:cNvPr id="20482" name="Title 1"/>
-          <p:cNvSpPr>
-            <a:spLocks noGrp="1"/>
-          </p:cNvSpPr>
-          <p:nvPr>
-            <p:ph type="title"/>
-          </p:nvPr>
-        </p:nvSpPr>
-        <p:spPr/>
-        <p:txBody>
-          <a:bodyPr/>
-          <a:lstStyle/>
-          <a:p>
-            <a:pPr eaLnBrk="1" hangingPunct="1"/>
-            <a:endParaRPr lang="en-US" smtClean="0"/>
-          </a:p>
-        </p:txBody>
-      </p:sp>
-      <p:sp>
-        <p:nvSpPr>
-          <p:cNvPr id="20483" name="Content Placeholder 2"/>
-          <p:cNvSpPr>
-            <a:spLocks noGrp="1"/>
-          </p:cNvSpPr>
-          <p:nvPr>
-            <p:ph idx="1"/>
-          </p:nvPr>
-        </p:nvSpPr>
-        <p:spPr/>
-        <p:txBody>
-          <a:bodyPr/>
-          <a:lstStyle/>
-          <a:p>
-            <a:pPr eaLnBrk="1" hangingPunct="1"/>
-            <a:endParaRPr lang="en-US" smtClean="0"/>
-          </a:p>
-        </p:txBody>
-      </p:sp>
-    </p:spTree>
-  </p:cSld>
-  <p:clrMapOvr>
-    <a:masterClrMapping/>
-  </p:clrMapOvr>
-  <p:transition>
-    <p:fade/>
-  </p:transition>
-  <p:timing>
-    <p:tnLst>
-      <p:par>
-        <p:cTn id="1" dur="indefinite" restart="never" nodeType="tmRoot"/>
-      </p:par>
-    </p:tnLst>
-  </p:timing>
-</p:sld>
-</file>
-
-<file path=ppt/slides/slide25.xml><?xml version="1.0" encoding="utf-8"?>
-<p:sld xmlns:a="http://schemas.openxmlformats.org/drawingml/2006/main" xmlns:r="http://schemas.openxmlformats.org/officeDocument/2006/relationships" xmlns:p="http://schemas.openxmlformats.org/presentationml/2006/main">
-  <p:cSld>
-    <p:spTree>
-      <p:nvGrpSpPr>
-        <p:cNvPr id="1" name=""/>
-        <p:cNvGrpSpPr/>
-        <p:nvPr/>
-      </p:nvGrpSpPr>
-      <p:grpSpPr>
-        <a:xfrm>
-          <a:off x="0" y="0"/>
-          <a:ext cx="0" cy="0"/>
-          <a:chOff x="0" y="0"/>
-          <a:chExt cx="0" cy="0"/>
-        </a:xfrm>
-      </p:grpSpPr>
-      <p:sp>
-        <p:nvSpPr>
-          <p:cNvPr id="21506" name="Rectangle 4"/>
-          <p:cNvSpPr>
-            <a:spLocks noGrp="1" noChangeArrowheads="1"/>
-          </p:cNvSpPr>
-          <p:nvPr>
-            <p:ph type="ctrTitle"/>
-          </p:nvPr>
-        </p:nvSpPr>
-        <p:spPr>
-          <a:xfrm>
-            <a:off x="684213" y="2133600"/>
-            <a:ext cx="7772400" cy="1470025"/>
-          </a:xfrm>
-        </p:spPr>
-        <p:txBody>
-          <a:bodyPr/>
-          <a:lstStyle/>
-          <a:p>
-            <a:pPr eaLnBrk="1" hangingPunct="1"/>
-            <a:r>
-              <a:rPr lang="en-GB" smtClean="0"/>
-              <a:t>CQRS</a:t>
-            </a:r>
-          </a:p>
-        </p:txBody>
-      </p:sp>
-      <p:sp>
-        <p:nvSpPr>
-          <p:cNvPr id="21507" name="Rectangle 5"/>
-          <p:cNvSpPr>
-            <a:spLocks noGrp="1" noChangeArrowheads="1"/>
-          </p:cNvSpPr>
-          <p:nvPr>
-            <p:ph type="subTitle" idx="1"/>
-          </p:nvPr>
-        </p:nvSpPr>
-        <p:spPr/>
-        <p:txBody>
-          <a:bodyPr/>
-          <a:lstStyle/>
-          <a:p>
-            <a:pPr eaLnBrk="1" hangingPunct="1"/>
-            <a:endParaRPr lang="en-US" smtClean="0"/>
-          </a:p>
-        </p:txBody>
-      </p:sp>
-    </p:spTree>
-  </p:cSld>
-  <p:clrMapOvr>
-    <a:masterClrMapping/>
-  </p:clrMapOvr>
-  <p:transition>
-    <p:fade/>
-  </p:transition>
-  <p:timing>
-    <p:tnLst>
-      <p:par>
-        <p:cTn id="1" dur="indefinite" restart="never" nodeType="tmRoot"/>
-      </p:par>
-    </p:tnLst>
-  </p:timing>
-</p:sld>
-</file>
-
-<file path=ppt/slides/slide26.xml><?xml version="1.0" encoding="utf-8"?>
-<p:sld xmlns:a="http://schemas.openxmlformats.org/drawingml/2006/main" xmlns:r="http://schemas.openxmlformats.org/officeDocument/2006/relationships" xmlns:p="http://schemas.openxmlformats.org/presentationml/2006/main">
-  <p:cSld>
-    <p:spTree>
-      <p:nvGrpSpPr>
-        <p:cNvPr id="1" name=""/>
-        <p:cNvGrpSpPr/>
-        <p:nvPr/>
-      </p:nvGrpSpPr>
-      <p:grpSpPr>
-        <a:xfrm>
-          <a:off x="0" y="0"/>
-          <a:ext cx="0" cy="0"/>
-          <a:chOff x="0" y="0"/>
-          <a:chExt cx="0" cy="0"/>
-        </a:xfrm>
-      </p:grpSpPr>
-      <p:sp>
-        <p:nvSpPr>
-          <p:cNvPr id="22530" name="Rectangle 4"/>
-          <p:cNvSpPr>
-            <a:spLocks noGrp="1" noChangeArrowheads="1"/>
-          </p:cNvSpPr>
-          <p:nvPr>
-            <p:ph type="ctrTitle"/>
-          </p:nvPr>
-        </p:nvSpPr>
-        <p:spPr/>
-        <p:txBody>
-          <a:bodyPr/>
-          <a:lstStyle/>
-          <a:p>
-            <a:pPr eaLnBrk="1" hangingPunct="1"/>
-            <a:r>
-              <a:rPr lang="en-GB" smtClean="0"/>
-              <a:t>CQRS is really just CQS</a:t>
-            </a:r>
-          </a:p>
-        </p:txBody>
-      </p:sp>
-      <p:sp>
-        <p:nvSpPr>
-          <p:cNvPr id="22531" name="Rectangle 5"/>
-          <p:cNvSpPr>
-            <a:spLocks noGrp="1" noChangeArrowheads="1"/>
-          </p:cNvSpPr>
-          <p:nvPr>
-            <p:ph type="subTitle" idx="1"/>
-          </p:nvPr>
-        </p:nvSpPr>
-        <p:spPr/>
-        <p:txBody>
-          <a:bodyPr/>
-          <a:lstStyle/>
-          <a:p>
-            <a:pPr eaLnBrk="1" hangingPunct="1"/>
-            <a:r>
-              <a:rPr lang="en-GB" i="1" smtClean="0"/>
-              <a:t>(but at an architectural level)</a:t>
-            </a:r>
-          </a:p>
-        </p:txBody>
-      </p:sp>
-    </p:spTree>
-  </p:cSld>
-  <p:clrMapOvr>
-    <a:masterClrMapping/>
-  </p:clrMapOvr>
-  <p:transition>
-    <p:fade/>
-  </p:transition>
-  <p:timing>
-    <p:tnLst>
-      <p:par>
-        <p:cTn id="1" dur="indefinite" restart="never" nodeType="tmRoot"/>
-      </p:par>
-    </p:tnLst>
-  </p:timing>
-</p:sld>
-</file>
-
-<file path=ppt/slides/slide27.xml><?xml version="1.0" encoding="utf-8"?>
 <p:sld xmlns:a="http://schemas.openxmlformats.org/drawingml/2006/main" xmlns:r="http://schemas.openxmlformats.org/officeDocument/2006/relationships" xmlns:p="http://schemas.openxmlformats.org/presentationml/2006/main">
   <p:cSld>
     <p:spTree>
@@ -8161,6 +7203,37 @@
           </a:extLst>
         </p:spPr>
       </p:pic>
+      <p:cxnSp>
+        <p:nvCxnSpPr>
+          <p:cNvPr id="4" name="Straight Connector 3"/>
+          <p:cNvCxnSpPr/>
+          <p:nvPr/>
+        </p:nvCxnSpPr>
+        <p:spPr>
+          <a:xfrm>
+            <a:off x="3240000" y="36000"/>
+            <a:ext cx="1620000" cy="0"/>
+          </a:xfrm>
+          <a:prstGeom prst="line">
+            <a:avLst/>
+          </a:prstGeom>
+          <a:ln w="101600"/>
+        </p:spPr>
+        <p:style>
+          <a:lnRef idx="1">
+            <a:schemeClr val="accent1"/>
+          </a:lnRef>
+          <a:fillRef idx="0">
+            <a:schemeClr val="accent1"/>
+          </a:fillRef>
+          <a:effectRef idx="0">
+            <a:schemeClr val="accent1"/>
+          </a:effectRef>
+          <a:fontRef idx="minor">
+            <a:schemeClr val="tx1"/>
+          </a:fontRef>
+        </p:style>
+      </p:cxnSp>
     </p:spTree>
   </p:cSld>
   <p:clrMapOvr>
@@ -8179,7 +7252,7 @@
 </p:sld>
 </file>
 
-<file path=ppt/slides/slide28.xml><?xml version="1.0" encoding="utf-8"?>
+<file path=ppt/slides/slide25.xml><?xml version="1.0" encoding="utf-8"?>
 <p:sld xmlns:a="http://schemas.openxmlformats.org/drawingml/2006/main" xmlns:r="http://schemas.openxmlformats.org/officeDocument/2006/relationships" xmlns:p="http://schemas.openxmlformats.org/presentationml/2006/main">
   <p:cSld>
     <p:spTree>
@@ -8278,6 +7351,37 @@
           </a:extLst>
         </p:spPr>
       </p:pic>
+      <p:cxnSp>
+        <p:nvCxnSpPr>
+          <p:cNvPr id="4" name="Straight Connector 3"/>
+          <p:cNvCxnSpPr/>
+          <p:nvPr/>
+        </p:nvCxnSpPr>
+        <p:spPr>
+          <a:xfrm>
+            <a:off x="3240000" y="36000"/>
+            <a:ext cx="1620000" cy="0"/>
+          </a:xfrm>
+          <a:prstGeom prst="line">
+            <a:avLst/>
+          </a:prstGeom>
+          <a:ln w="101600"/>
+        </p:spPr>
+        <p:style>
+          <a:lnRef idx="1">
+            <a:schemeClr val="accent1"/>
+          </a:lnRef>
+          <a:fillRef idx="0">
+            <a:schemeClr val="accent1"/>
+          </a:fillRef>
+          <a:effectRef idx="0">
+            <a:schemeClr val="accent1"/>
+          </a:effectRef>
+          <a:fontRef idx="minor">
+            <a:schemeClr val="tx1"/>
+          </a:fontRef>
+        </p:style>
+      </p:cxnSp>
     </p:spTree>
   </p:cSld>
   <p:clrMapOvr>
@@ -8296,7 +7400,7 @@
 </p:sld>
 </file>
 
-<file path=ppt/slides/slide29.xml><?xml version="1.0" encoding="utf-8"?>
+<file path=ppt/slides/slide26.xml><?xml version="1.0" encoding="utf-8"?>
 <p:sld xmlns:a="http://schemas.openxmlformats.org/drawingml/2006/main" xmlns:r="http://schemas.openxmlformats.org/officeDocument/2006/relationships" xmlns:p="http://schemas.openxmlformats.org/presentationml/2006/main">
   <p:cSld>
     <p:spTree>
@@ -8395,6 +7499,37 @@
           </a:extLst>
         </p:spPr>
       </p:pic>
+      <p:cxnSp>
+        <p:nvCxnSpPr>
+          <p:cNvPr id="4" name="Straight Connector 3"/>
+          <p:cNvCxnSpPr/>
+          <p:nvPr/>
+        </p:nvCxnSpPr>
+        <p:spPr>
+          <a:xfrm>
+            <a:off x="3240000" y="36000"/>
+            <a:ext cx="1620000" cy="0"/>
+          </a:xfrm>
+          <a:prstGeom prst="line">
+            <a:avLst/>
+          </a:prstGeom>
+          <a:ln w="101600"/>
+        </p:spPr>
+        <p:style>
+          <a:lnRef idx="1">
+            <a:schemeClr val="accent1"/>
+          </a:lnRef>
+          <a:fillRef idx="0">
+            <a:schemeClr val="accent1"/>
+          </a:fillRef>
+          <a:effectRef idx="0">
+            <a:schemeClr val="accent1"/>
+          </a:effectRef>
+          <a:fontRef idx="minor">
+            <a:schemeClr val="tx1"/>
+          </a:fontRef>
+        </p:style>
+      </p:cxnSp>
     </p:spTree>
   </p:cSld>
   <p:clrMapOvr>
@@ -8413,85 +7548,7 @@
 </p:sld>
 </file>
 
-<file path=ppt/slides/slide3.xml><?xml version="1.0" encoding="utf-8"?>
-<p:sld xmlns:a="http://schemas.openxmlformats.org/drawingml/2006/main" xmlns:r="http://schemas.openxmlformats.org/officeDocument/2006/relationships" xmlns:p="http://schemas.openxmlformats.org/presentationml/2006/main">
-  <p:cSld>
-    <p:spTree>
-      <p:nvGrpSpPr>
-        <p:cNvPr id="1" name=""/>
-        <p:cNvGrpSpPr/>
-        <p:nvPr/>
-      </p:nvGrpSpPr>
-      <p:grpSpPr>
-        <a:xfrm>
-          <a:off x="0" y="0"/>
-          <a:ext cx="0" cy="0"/>
-          <a:chOff x="0" y="0"/>
-          <a:chExt cx="0" cy="0"/>
-        </a:xfrm>
-      </p:grpSpPr>
-      <p:sp>
-        <p:nvSpPr>
-          <p:cNvPr id="8194" name="Rectangle 4"/>
-          <p:cNvSpPr>
-            <a:spLocks noGrp="1" noChangeArrowheads="1"/>
-          </p:cNvSpPr>
-          <p:nvPr>
-            <p:ph type="ctrTitle"/>
-          </p:nvPr>
-        </p:nvSpPr>
-        <p:spPr/>
-        <p:txBody>
-          <a:bodyPr/>
-          <a:lstStyle/>
-          <a:p>
-            <a:pPr eaLnBrk="1" hangingPunct="1"/>
-            <a:r>
-              <a:rPr lang="en-GB" smtClean="0"/>
-              <a:t>Domain-Driven Design</a:t>
-            </a:r>
-          </a:p>
-        </p:txBody>
-      </p:sp>
-      <p:sp>
-        <p:nvSpPr>
-          <p:cNvPr id="8195" name="Rectangle 5"/>
-          <p:cNvSpPr>
-            <a:spLocks noGrp="1" noChangeArrowheads="1"/>
-          </p:cNvSpPr>
-          <p:nvPr>
-            <p:ph type="subTitle" idx="1"/>
-          </p:nvPr>
-        </p:nvSpPr>
-        <p:spPr/>
-        <p:txBody>
-          <a:bodyPr/>
-          <a:lstStyle/>
-          <a:p>
-            <a:pPr eaLnBrk="1" hangingPunct="1"/>
-            <a:endParaRPr lang="en-US" smtClean="0"/>
-          </a:p>
-        </p:txBody>
-      </p:sp>
-    </p:spTree>
-  </p:cSld>
-  <p:clrMapOvr>
-    <a:masterClrMapping/>
-  </p:clrMapOvr>
-  <p:transition>
-    <p:fade/>
-  </p:transition>
-  <p:timing>
-    <p:tnLst>
-      <p:par>
-        <p:cTn id="1" dur="indefinite" restart="never" nodeType="tmRoot"/>
-      </p:par>
-    </p:tnLst>
-  </p:timing>
-</p:sld>
-</file>
-
-<file path=ppt/slides/slide30.xml><?xml version="1.0" encoding="utf-8"?>
+<file path=ppt/slides/slide27.xml><?xml version="1.0" encoding="utf-8"?>
 <p:sld xmlns:a="http://schemas.openxmlformats.org/drawingml/2006/main" xmlns:r="http://schemas.openxmlformats.org/officeDocument/2006/relationships" xmlns:p="http://schemas.openxmlformats.org/presentationml/2006/main">
   <p:cSld>
     <p:spTree>
@@ -8641,6 +7698,487 @@
           </a:p>
         </p:txBody>
       </p:sp>
+      <p:cxnSp>
+        <p:nvCxnSpPr>
+          <p:cNvPr id="5" name="Straight Connector 4"/>
+          <p:cNvCxnSpPr/>
+          <p:nvPr/>
+        </p:nvCxnSpPr>
+        <p:spPr>
+          <a:xfrm>
+            <a:off x="3240000" y="36000"/>
+            <a:ext cx="1620000" cy="0"/>
+          </a:xfrm>
+          <a:prstGeom prst="line">
+            <a:avLst/>
+          </a:prstGeom>
+          <a:ln w="101600"/>
+        </p:spPr>
+        <p:style>
+          <a:lnRef idx="1">
+            <a:schemeClr val="accent1"/>
+          </a:lnRef>
+          <a:fillRef idx="0">
+            <a:schemeClr val="accent1"/>
+          </a:fillRef>
+          <a:effectRef idx="0">
+            <a:schemeClr val="accent1"/>
+          </a:effectRef>
+          <a:fontRef idx="minor">
+            <a:schemeClr val="tx1"/>
+          </a:fontRef>
+        </p:style>
+      </p:cxnSp>
+    </p:spTree>
+  </p:cSld>
+  <p:clrMapOvr>
+    <a:masterClrMapping/>
+  </p:clrMapOvr>
+  <p:transition>
+    <p:fade/>
+  </p:transition>
+  <p:timing>
+    <p:tnLst>
+      <p:par>
+        <p:cTn id="1" dur="indefinite" restart="never" nodeType="tmRoot"/>
+      </p:par>
+    </p:tnLst>
+  </p:timing>
+</p:sld>
+</file>
+
+<file path=ppt/slides/slide28.xml><?xml version="1.0" encoding="utf-8"?>
+<p:sld xmlns:a="http://schemas.openxmlformats.org/drawingml/2006/main" xmlns:r="http://schemas.openxmlformats.org/officeDocument/2006/relationships" xmlns:p="http://schemas.openxmlformats.org/presentationml/2006/main">
+  <p:cSld>
+    <p:spTree>
+      <p:nvGrpSpPr>
+        <p:cNvPr id="1" name=""/>
+        <p:cNvGrpSpPr/>
+        <p:nvPr/>
+      </p:nvGrpSpPr>
+      <p:grpSpPr>
+        <a:xfrm>
+          <a:off x="0" y="0"/>
+          <a:ext cx="0" cy="0"/>
+          <a:chOff x="0" y="0"/>
+          <a:chExt cx="0" cy="0"/>
+        </a:xfrm>
+      </p:grpSpPr>
+      <p:sp>
+        <p:nvSpPr>
+          <p:cNvPr id="4" name="Title 3"/>
+          <p:cNvSpPr>
+            <a:spLocks noGrp="1"/>
+          </p:cNvSpPr>
+          <p:nvPr>
+            <p:ph type="ctrTitle"/>
+          </p:nvPr>
+        </p:nvSpPr>
+        <p:spPr/>
+        <p:txBody>
+          <a:bodyPr/>
+          <a:lstStyle/>
+          <a:p>
+            <a:r>
+              <a:rPr lang="en-GB" dirty="0" smtClean="0"/>
+              <a:t>CQRS is not </a:t>
+            </a:r>
+            <a:br>
+              <a:rPr lang="en-GB" dirty="0" smtClean="0"/>
+            </a:br>
+            <a:r>
+              <a:rPr lang="en-GB" dirty="0" smtClean="0"/>
+              <a:t>“multiple databases”</a:t>
+            </a:r>
+            <a:endParaRPr lang="en-GB" dirty="0"/>
+          </a:p>
+        </p:txBody>
+      </p:sp>
+      <p:sp>
+        <p:nvSpPr>
+          <p:cNvPr id="5" name="Subtitle 4"/>
+          <p:cNvSpPr>
+            <a:spLocks noGrp="1"/>
+          </p:cNvSpPr>
+          <p:nvPr>
+            <p:ph type="subTitle" idx="1"/>
+          </p:nvPr>
+        </p:nvSpPr>
+        <p:spPr/>
+        <p:txBody>
+          <a:bodyPr/>
+          <a:lstStyle/>
+          <a:p>
+            <a:endParaRPr lang="en-GB"/>
+          </a:p>
+        </p:txBody>
+      </p:sp>
+      <p:cxnSp>
+        <p:nvCxnSpPr>
+          <p:cNvPr id="6" name="Straight Connector 5"/>
+          <p:cNvCxnSpPr/>
+          <p:nvPr/>
+        </p:nvCxnSpPr>
+        <p:spPr>
+          <a:xfrm>
+            <a:off x="3240000" y="36000"/>
+            <a:ext cx="1620000" cy="0"/>
+          </a:xfrm>
+          <a:prstGeom prst="line">
+            <a:avLst/>
+          </a:prstGeom>
+          <a:ln w="101600"/>
+        </p:spPr>
+        <p:style>
+          <a:lnRef idx="1">
+            <a:schemeClr val="accent1"/>
+          </a:lnRef>
+          <a:fillRef idx="0">
+            <a:schemeClr val="accent1"/>
+          </a:fillRef>
+          <a:effectRef idx="0">
+            <a:schemeClr val="accent1"/>
+          </a:effectRef>
+          <a:fontRef idx="minor">
+            <a:schemeClr val="tx1"/>
+          </a:fontRef>
+        </p:style>
+      </p:cxnSp>
+    </p:spTree>
+    <p:extLst>
+      <p:ext uri="{BB962C8B-B14F-4D97-AF65-F5344CB8AC3E}">
+        <p14:creationId xmlns:p14="http://schemas.microsoft.com/office/powerpoint/2010/main" val="266321184"/>
+      </p:ext>
+    </p:extLst>
+  </p:cSld>
+  <p:clrMapOvr>
+    <a:masterClrMapping/>
+  </p:clrMapOvr>
+  <p:transition advTm="19714">
+    <p:fade/>
+  </p:transition>
+  <p:timing>
+    <p:tnLst>
+      <p:par>
+        <p:cTn id="1" dur="indefinite" restart="never" nodeType="tmRoot"/>
+      </p:par>
+    </p:tnLst>
+  </p:timing>
+</p:sld>
+</file>
+
+<file path=ppt/slides/slide29.xml><?xml version="1.0" encoding="utf-8"?>
+<p:sld xmlns:a="http://schemas.openxmlformats.org/drawingml/2006/main" xmlns:r="http://schemas.openxmlformats.org/officeDocument/2006/relationships" xmlns:p="http://schemas.openxmlformats.org/presentationml/2006/main">
+  <p:cSld>
+    <p:spTree>
+      <p:nvGrpSpPr>
+        <p:cNvPr id="1" name=""/>
+        <p:cNvGrpSpPr/>
+        <p:nvPr/>
+      </p:nvGrpSpPr>
+      <p:grpSpPr>
+        <a:xfrm>
+          <a:off x="0" y="0"/>
+          <a:ext cx="0" cy="0"/>
+          <a:chOff x="0" y="0"/>
+          <a:chExt cx="0" cy="0"/>
+        </a:xfrm>
+      </p:grpSpPr>
+      <p:sp>
+        <p:nvSpPr>
+          <p:cNvPr id="2" name="Title 1"/>
+          <p:cNvSpPr>
+            <a:spLocks noGrp="1"/>
+          </p:cNvSpPr>
+          <p:nvPr>
+            <p:ph type="title"/>
+          </p:nvPr>
+        </p:nvSpPr>
+        <p:spPr/>
+        <p:txBody>
+          <a:bodyPr/>
+          <a:lstStyle/>
+          <a:p>
+            <a:pPr>
+              <a:defRPr/>
+            </a:pPr>
+            <a:r>
+              <a:rPr lang="en-GB" dirty="0" smtClean="0"/>
+              <a:t>SHOW ME TEH </a:t>
+            </a:r>
+            <a:r>
+              <a:rPr lang="en-GB" dirty="0" err="1" smtClean="0"/>
+              <a:t>Codez</a:t>
+            </a:r>
+            <a:endParaRPr lang="en-GB" dirty="0"/>
+          </a:p>
+        </p:txBody>
+      </p:sp>
+      <p:sp>
+        <p:nvSpPr>
+          <p:cNvPr id="27651" name="Text Placeholder 2"/>
+          <p:cNvSpPr>
+            <a:spLocks noGrp="1"/>
+          </p:cNvSpPr>
+          <p:nvPr>
+            <p:ph type="body" idx="1"/>
+          </p:nvPr>
+        </p:nvSpPr>
+        <p:spPr/>
+        <p:txBody>
+          <a:bodyPr/>
+          <a:lstStyle/>
+          <a:p>
+            <a:endParaRPr lang="en-US" smtClean="0"/>
+          </a:p>
+        </p:txBody>
+      </p:sp>
+      <p:cxnSp>
+        <p:nvCxnSpPr>
+          <p:cNvPr id="4" name="Straight Connector 3"/>
+          <p:cNvCxnSpPr/>
+          <p:nvPr/>
+        </p:nvCxnSpPr>
+        <p:spPr>
+          <a:xfrm>
+            <a:off x="4860000" y="36000"/>
+            <a:ext cx="1620000" cy="0"/>
+          </a:xfrm>
+          <a:prstGeom prst="line">
+            <a:avLst/>
+          </a:prstGeom>
+          <a:ln w="101600"/>
+        </p:spPr>
+        <p:style>
+          <a:lnRef idx="1">
+            <a:schemeClr val="accent1"/>
+          </a:lnRef>
+          <a:fillRef idx="0">
+            <a:schemeClr val="accent1"/>
+          </a:fillRef>
+          <a:effectRef idx="0">
+            <a:schemeClr val="accent1"/>
+          </a:effectRef>
+          <a:fontRef idx="minor">
+            <a:schemeClr val="tx1"/>
+          </a:fontRef>
+        </p:style>
+      </p:cxnSp>
+    </p:spTree>
+  </p:cSld>
+  <p:clrMapOvr>
+    <a:masterClrMapping/>
+  </p:clrMapOvr>
+  <p:transition>
+    <p:fade/>
+  </p:transition>
+  <p:timing>
+    <p:tnLst>
+      <p:par>
+        <p:cTn id="1" dur="indefinite" restart="never" nodeType="tmRoot"/>
+      </p:par>
+    </p:tnLst>
+  </p:timing>
+</p:sld>
+</file>
+
+<file path=ppt/slides/slide3.xml><?xml version="1.0" encoding="utf-8"?>
+<p:sld xmlns:a="http://schemas.openxmlformats.org/drawingml/2006/main" xmlns:r="http://schemas.openxmlformats.org/officeDocument/2006/relationships" xmlns:p="http://schemas.openxmlformats.org/presentationml/2006/main">
+  <p:cSld>
+    <p:spTree>
+      <p:nvGrpSpPr>
+        <p:cNvPr id="1" name=""/>
+        <p:cNvGrpSpPr/>
+        <p:nvPr/>
+      </p:nvGrpSpPr>
+      <p:grpSpPr>
+        <a:xfrm>
+          <a:off x="0" y="0"/>
+          <a:ext cx="0" cy="0"/>
+          <a:chOff x="0" y="0"/>
+          <a:chExt cx="0" cy="0"/>
+        </a:xfrm>
+      </p:grpSpPr>
+      <p:sp>
+        <p:nvSpPr>
+          <p:cNvPr id="8194" name="Rectangle 4"/>
+          <p:cNvSpPr>
+            <a:spLocks noGrp="1" noChangeArrowheads="1"/>
+          </p:cNvSpPr>
+          <p:nvPr>
+            <p:ph type="ctrTitle"/>
+          </p:nvPr>
+        </p:nvSpPr>
+        <p:spPr/>
+        <p:txBody>
+          <a:bodyPr/>
+          <a:lstStyle/>
+          <a:p>
+            <a:pPr eaLnBrk="1" hangingPunct="1"/>
+            <a:r>
+              <a:rPr lang="en-GB" smtClean="0"/>
+              <a:t>Domain-Driven Design</a:t>
+            </a:r>
+          </a:p>
+        </p:txBody>
+      </p:sp>
+      <p:sp>
+        <p:nvSpPr>
+          <p:cNvPr id="8195" name="Rectangle 5"/>
+          <p:cNvSpPr>
+            <a:spLocks noGrp="1" noChangeArrowheads="1"/>
+          </p:cNvSpPr>
+          <p:nvPr>
+            <p:ph type="subTitle" idx="1"/>
+          </p:nvPr>
+        </p:nvSpPr>
+        <p:spPr/>
+        <p:txBody>
+          <a:bodyPr/>
+          <a:lstStyle/>
+          <a:p>
+            <a:pPr eaLnBrk="1" hangingPunct="1"/>
+            <a:endParaRPr lang="en-US" smtClean="0"/>
+          </a:p>
+        </p:txBody>
+      </p:sp>
+      <p:cxnSp>
+        <p:nvCxnSpPr>
+          <p:cNvPr id="6" name="Straight Connector 5"/>
+          <p:cNvCxnSpPr/>
+          <p:nvPr/>
+        </p:nvCxnSpPr>
+        <p:spPr>
+          <a:xfrm>
+            <a:off x="0" y="36000"/>
+            <a:ext cx="1620000" cy="0"/>
+          </a:xfrm>
+          <a:prstGeom prst="line">
+            <a:avLst/>
+          </a:prstGeom>
+          <a:ln w="101600"/>
+        </p:spPr>
+        <p:style>
+          <a:lnRef idx="1">
+            <a:schemeClr val="accent1"/>
+          </a:lnRef>
+          <a:fillRef idx="0">
+            <a:schemeClr val="accent1"/>
+          </a:fillRef>
+          <a:effectRef idx="0">
+            <a:schemeClr val="accent1"/>
+          </a:effectRef>
+          <a:fontRef idx="minor">
+            <a:schemeClr val="tx1"/>
+          </a:fontRef>
+        </p:style>
+      </p:cxnSp>
+    </p:spTree>
+  </p:cSld>
+  <p:clrMapOvr>
+    <a:masterClrMapping/>
+  </p:clrMapOvr>
+  <p:transition>
+    <p:fade/>
+  </p:transition>
+  <p:timing>
+    <p:tnLst>
+      <p:par>
+        <p:cTn id="1" dur="indefinite" restart="never" nodeType="tmRoot"/>
+      </p:par>
+    </p:tnLst>
+  </p:timing>
+</p:sld>
+</file>
+
+<file path=ppt/slides/slide30.xml><?xml version="1.0" encoding="utf-8"?>
+<p:sld xmlns:a="http://schemas.openxmlformats.org/drawingml/2006/main" xmlns:r="http://schemas.openxmlformats.org/officeDocument/2006/relationships" xmlns:p="http://schemas.openxmlformats.org/presentationml/2006/main">
+  <p:cSld>
+    <p:spTree>
+      <p:nvGrpSpPr>
+        <p:cNvPr id="1" name=""/>
+        <p:cNvGrpSpPr/>
+        <p:nvPr/>
+      </p:nvGrpSpPr>
+      <p:grpSpPr>
+        <a:xfrm>
+          <a:off x="0" y="0"/>
+          <a:ext cx="0" cy="0"/>
+          <a:chOff x="0" y="0"/>
+          <a:chExt cx="0" cy="0"/>
+        </a:xfrm>
+      </p:grpSpPr>
+      <p:sp>
+        <p:nvSpPr>
+          <p:cNvPr id="28674" name="Title 1"/>
+          <p:cNvSpPr>
+            <a:spLocks noGrp="1"/>
+          </p:cNvSpPr>
+          <p:nvPr>
+            <p:ph type="title"/>
+          </p:nvPr>
+        </p:nvSpPr>
+        <p:spPr/>
+        <p:txBody>
+          <a:bodyPr/>
+          <a:lstStyle/>
+          <a:p>
+            <a:pPr eaLnBrk="1" hangingPunct="1"/>
+            <a:endParaRPr lang="en-US" smtClean="0"/>
+          </a:p>
+        </p:txBody>
+      </p:sp>
+      <p:sp>
+        <p:nvSpPr>
+          <p:cNvPr id="28675" name="Content Placeholder 2"/>
+          <p:cNvSpPr>
+            <a:spLocks noGrp="1"/>
+          </p:cNvSpPr>
+          <p:nvPr>
+            <p:ph idx="1"/>
+          </p:nvPr>
+        </p:nvSpPr>
+        <p:spPr/>
+        <p:txBody>
+          <a:bodyPr/>
+          <a:lstStyle/>
+          <a:p>
+            <a:pPr eaLnBrk="1" hangingPunct="1"/>
+            <a:endParaRPr lang="en-US" smtClean="0"/>
+          </a:p>
+        </p:txBody>
+      </p:sp>
+      <p:cxnSp>
+        <p:nvCxnSpPr>
+          <p:cNvPr id="4" name="Straight Connector 3"/>
+          <p:cNvCxnSpPr/>
+          <p:nvPr/>
+        </p:nvCxnSpPr>
+        <p:spPr>
+          <a:xfrm>
+            <a:off x="4860000" y="36000"/>
+            <a:ext cx="1620000" cy="0"/>
+          </a:xfrm>
+          <a:prstGeom prst="line">
+            <a:avLst/>
+          </a:prstGeom>
+          <a:ln w="101600"/>
+        </p:spPr>
+        <p:style>
+          <a:lnRef idx="1">
+            <a:schemeClr val="accent1"/>
+          </a:lnRef>
+          <a:fillRef idx="0">
+            <a:schemeClr val="accent1"/>
+          </a:fillRef>
+          <a:effectRef idx="0">
+            <a:schemeClr val="accent1"/>
+          </a:effectRef>
+          <a:fontRef idx="minor">
+            <a:schemeClr val="tx1"/>
+          </a:fontRef>
+        </p:style>
+      </p:cxnSp>
     </p:spTree>
   </p:cSld>
   <p:clrMapOvr>
@@ -8678,12 +8216,12 @@
       </p:grpSpPr>
       <p:sp>
         <p:nvSpPr>
-          <p:cNvPr id="2" name="Title 1"/>
-          <p:cNvSpPr>
-            <a:spLocks noGrp="1"/>
-          </p:cNvSpPr>
-          <p:nvPr>
-            <p:ph type="title"/>
+          <p:cNvPr id="29698" name="Rectangle 4"/>
+          <p:cNvSpPr>
+            <a:spLocks noGrp="1" noChangeArrowheads="1"/>
+          </p:cNvSpPr>
+          <p:nvPr>
+            <p:ph type="ctrTitle"/>
           </p:nvPr>
         </p:nvSpPr>
         <p:spPr/>
@@ -8691,29 +8229,22 @@
           <a:bodyPr/>
           <a:lstStyle/>
           <a:p>
-            <a:pPr>
-              <a:defRPr/>
-            </a:pPr>
-            <a:r>
-              <a:rPr lang="en-GB" dirty="0" smtClean="0"/>
-              <a:t>SHOW ME TEH </a:t>
-            </a:r>
-            <a:r>
-              <a:rPr lang="en-GB" dirty="0" err="1" smtClean="0"/>
-              <a:t>Codez</a:t>
-            </a:r>
-            <a:endParaRPr lang="en-GB" dirty="0"/>
-          </a:p>
-        </p:txBody>
-      </p:sp>
-      <p:sp>
-        <p:nvSpPr>
-          <p:cNvPr id="27651" name="Text Placeholder 2"/>
-          <p:cNvSpPr>
-            <a:spLocks noGrp="1"/>
-          </p:cNvSpPr>
-          <p:nvPr>
-            <p:ph type="body" idx="1"/>
+            <a:pPr eaLnBrk="1" hangingPunct="1"/>
+            <a:r>
+              <a:rPr lang="en-GB" smtClean="0"/>
+              <a:t>Eventual Consistency</a:t>
+            </a:r>
+          </a:p>
+        </p:txBody>
+      </p:sp>
+      <p:sp>
+        <p:nvSpPr>
+          <p:cNvPr id="29699" name="Rectangle 5"/>
+          <p:cNvSpPr>
+            <a:spLocks noGrp="1" noChangeArrowheads="1"/>
+          </p:cNvSpPr>
+          <p:nvPr>
+            <p:ph type="subTitle" idx="1"/>
           </p:nvPr>
         </p:nvSpPr>
         <p:spPr/>
@@ -8721,10 +8252,42 @@
           <a:bodyPr/>
           <a:lstStyle/>
           <a:p>
-            <a:endParaRPr lang="en-US" smtClean="0"/>
-          </a:p>
-        </p:txBody>
-      </p:sp>
+            <a:pPr eaLnBrk="1" hangingPunct="1"/>
+            <a:endParaRPr lang="en-US" i="1" smtClean="0"/>
+          </a:p>
+        </p:txBody>
+      </p:sp>
+      <p:cxnSp>
+        <p:nvCxnSpPr>
+          <p:cNvPr id="4" name="Straight Connector 3"/>
+          <p:cNvCxnSpPr/>
+          <p:nvPr/>
+        </p:nvCxnSpPr>
+        <p:spPr>
+          <a:xfrm>
+            <a:off x="4860000" y="36000"/>
+            <a:ext cx="1620000" cy="0"/>
+          </a:xfrm>
+          <a:prstGeom prst="line">
+            <a:avLst/>
+          </a:prstGeom>
+          <a:ln w="101600"/>
+        </p:spPr>
+        <p:style>
+          <a:lnRef idx="1">
+            <a:schemeClr val="accent1"/>
+          </a:lnRef>
+          <a:fillRef idx="0">
+            <a:schemeClr val="accent1"/>
+          </a:fillRef>
+          <a:effectRef idx="0">
+            <a:schemeClr val="accent1"/>
+          </a:effectRef>
+          <a:fontRef idx="minor">
+            <a:schemeClr val="tx1"/>
+          </a:fontRef>
+        </p:style>
+      </p:cxnSp>
     </p:spTree>
   </p:cSld>
   <p:clrMapOvr>
@@ -8762,159 +8325,6 @@
       </p:grpSpPr>
       <p:sp>
         <p:nvSpPr>
-          <p:cNvPr id="28674" name="Title 1"/>
-          <p:cNvSpPr>
-            <a:spLocks noGrp="1"/>
-          </p:cNvSpPr>
-          <p:nvPr>
-            <p:ph type="title"/>
-          </p:nvPr>
-        </p:nvSpPr>
-        <p:spPr/>
-        <p:txBody>
-          <a:bodyPr/>
-          <a:lstStyle/>
-          <a:p>
-            <a:pPr eaLnBrk="1" hangingPunct="1"/>
-            <a:endParaRPr lang="en-US" smtClean="0"/>
-          </a:p>
-        </p:txBody>
-      </p:sp>
-      <p:sp>
-        <p:nvSpPr>
-          <p:cNvPr id="28675" name="Content Placeholder 2"/>
-          <p:cNvSpPr>
-            <a:spLocks noGrp="1"/>
-          </p:cNvSpPr>
-          <p:nvPr>
-            <p:ph idx="1"/>
-          </p:nvPr>
-        </p:nvSpPr>
-        <p:spPr/>
-        <p:txBody>
-          <a:bodyPr/>
-          <a:lstStyle/>
-          <a:p>
-            <a:pPr eaLnBrk="1" hangingPunct="1"/>
-            <a:endParaRPr lang="en-US" smtClean="0"/>
-          </a:p>
-        </p:txBody>
-      </p:sp>
-    </p:spTree>
-  </p:cSld>
-  <p:clrMapOvr>
-    <a:masterClrMapping/>
-  </p:clrMapOvr>
-  <p:transition>
-    <p:fade/>
-  </p:transition>
-  <p:timing>
-    <p:tnLst>
-      <p:par>
-        <p:cTn id="1" dur="indefinite" restart="never" nodeType="tmRoot"/>
-      </p:par>
-    </p:tnLst>
-  </p:timing>
-</p:sld>
-</file>
-
-<file path=ppt/slides/slide33.xml><?xml version="1.0" encoding="utf-8"?>
-<p:sld xmlns:a="http://schemas.openxmlformats.org/drawingml/2006/main" xmlns:r="http://schemas.openxmlformats.org/officeDocument/2006/relationships" xmlns:p="http://schemas.openxmlformats.org/presentationml/2006/main">
-  <p:cSld>
-    <p:spTree>
-      <p:nvGrpSpPr>
-        <p:cNvPr id="1" name=""/>
-        <p:cNvGrpSpPr/>
-        <p:nvPr/>
-      </p:nvGrpSpPr>
-      <p:grpSpPr>
-        <a:xfrm>
-          <a:off x="0" y="0"/>
-          <a:ext cx="0" cy="0"/>
-          <a:chOff x="0" y="0"/>
-          <a:chExt cx="0" cy="0"/>
-        </a:xfrm>
-      </p:grpSpPr>
-      <p:sp>
-        <p:nvSpPr>
-          <p:cNvPr id="29698" name="Rectangle 4"/>
-          <p:cNvSpPr>
-            <a:spLocks noGrp="1" noChangeArrowheads="1"/>
-          </p:cNvSpPr>
-          <p:nvPr>
-            <p:ph type="ctrTitle"/>
-          </p:nvPr>
-        </p:nvSpPr>
-        <p:spPr/>
-        <p:txBody>
-          <a:bodyPr/>
-          <a:lstStyle/>
-          <a:p>
-            <a:pPr eaLnBrk="1" hangingPunct="1"/>
-            <a:r>
-              <a:rPr lang="en-GB" smtClean="0"/>
-              <a:t>Eventual Consistency</a:t>
-            </a:r>
-          </a:p>
-        </p:txBody>
-      </p:sp>
-      <p:sp>
-        <p:nvSpPr>
-          <p:cNvPr id="29699" name="Rectangle 5"/>
-          <p:cNvSpPr>
-            <a:spLocks noGrp="1" noChangeArrowheads="1"/>
-          </p:cNvSpPr>
-          <p:nvPr>
-            <p:ph type="subTitle" idx="1"/>
-          </p:nvPr>
-        </p:nvSpPr>
-        <p:spPr/>
-        <p:txBody>
-          <a:bodyPr/>
-          <a:lstStyle/>
-          <a:p>
-            <a:pPr eaLnBrk="1" hangingPunct="1"/>
-            <a:endParaRPr lang="en-US" i="1" smtClean="0"/>
-          </a:p>
-        </p:txBody>
-      </p:sp>
-    </p:spTree>
-  </p:cSld>
-  <p:clrMapOvr>
-    <a:masterClrMapping/>
-  </p:clrMapOvr>
-  <p:transition>
-    <p:fade/>
-  </p:transition>
-  <p:timing>
-    <p:tnLst>
-      <p:par>
-        <p:cTn id="1" dur="indefinite" restart="never" nodeType="tmRoot"/>
-      </p:par>
-    </p:tnLst>
-  </p:timing>
-</p:sld>
-</file>
-
-<file path=ppt/slides/slide34.xml><?xml version="1.0" encoding="utf-8"?>
-<p:sld xmlns:a="http://schemas.openxmlformats.org/drawingml/2006/main" xmlns:r="http://schemas.openxmlformats.org/officeDocument/2006/relationships" xmlns:p="http://schemas.openxmlformats.org/presentationml/2006/main">
-  <p:cSld>
-    <p:spTree>
-      <p:nvGrpSpPr>
-        <p:cNvPr id="1" name=""/>
-        <p:cNvGrpSpPr/>
-        <p:nvPr/>
-      </p:nvGrpSpPr>
-      <p:grpSpPr>
-        <a:xfrm>
-          <a:off x="0" y="0"/>
-          <a:ext cx="0" cy="0"/>
-          <a:chOff x="0" y="0"/>
-          <a:chExt cx="0" cy="0"/>
-        </a:xfrm>
-      </p:grpSpPr>
-      <p:sp>
-        <p:nvSpPr>
           <p:cNvPr id="30722" name="Rectangle 2"/>
           <p:cNvSpPr>
             <a:spLocks noGrp="1" noChangeArrowheads="1"/>
@@ -8958,27 +8368,27 @@
           <a:p>
             <a:pPr eaLnBrk="1" hangingPunct="1"/>
             <a:r>
-              <a:rPr lang="en-GB" smtClean="0"/>
+              <a:rPr lang="en-GB" dirty="0" smtClean="0"/>
               <a:t>You don’t have pessimistic locking</a:t>
             </a:r>
           </a:p>
           <a:p>
             <a:pPr eaLnBrk="1" hangingPunct="1"/>
             <a:r>
-              <a:rPr lang="en-GB" smtClean="0"/>
+              <a:rPr lang="en-GB" dirty="0" smtClean="0"/>
               <a:t>You display data on a screen</a:t>
             </a:r>
           </a:p>
           <a:p>
             <a:pPr eaLnBrk="1" hangingPunct="1"/>
             <a:r>
-              <a:rPr lang="en-GB" smtClean="0"/>
+              <a:rPr lang="en-GB" dirty="0" smtClean="0"/>
               <a:t>Data is in more than one place*</a:t>
             </a:r>
           </a:p>
           <a:p>
             <a:pPr eaLnBrk="1" hangingPunct="1"/>
-            <a:endParaRPr lang="en-GB" smtClean="0"/>
+            <a:endParaRPr lang="en-GB" dirty="0" smtClean="0"/>
           </a:p>
           <a:p>
             <a:pPr eaLnBrk="1" hangingPunct="1">
@@ -8986,13 +8396,13 @@
               <a:buNone/>
             </a:pPr>
             <a:r>
-              <a:rPr lang="en-GB" smtClean="0"/>
+              <a:rPr lang="en-GB" dirty="0" smtClean="0"/>
               <a:t>(* The real world is a place, too...)</a:t>
             </a:r>
           </a:p>
           <a:p>
             <a:pPr eaLnBrk="1" hangingPunct="1"/>
-            <a:endParaRPr lang="en-GB" smtClean="0"/>
+            <a:endParaRPr lang="en-GB" dirty="0" smtClean="0"/>
           </a:p>
         </p:txBody>
       </p:sp>
@@ -9354,6 +8764,274 @@
           </a:p>
         </p:txBody>
       </p:sp>
+      <p:cxnSp>
+        <p:nvCxnSpPr>
+          <p:cNvPr id="6" name="Straight Connector 5"/>
+          <p:cNvCxnSpPr/>
+          <p:nvPr/>
+        </p:nvCxnSpPr>
+        <p:spPr>
+          <a:xfrm>
+            <a:off x="4860000" y="36000"/>
+            <a:ext cx="1620000" cy="0"/>
+          </a:xfrm>
+          <a:prstGeom prst="line">
+            <a:avLst/>
+          </a:prstGeom>
+          <a:ln w="101600"/>
+        </p:spPr>
+        <p:style>
+          <a:lnRef idx="1">
+            <a:schemeClr val="accent1"/>
+          </a:lnRef>
+          <a:fillRef idx="0">
+            <a:schemeClr val="accent1"/>
+          </a:fillRef>
+          <a:effectRef idx="0">
+            <a:schemeClr val="accent1"/>
+          </a:effectRef>
+          <a:fontRef idx="minor">
+            <a:schemeClr val="tx1"/>
+          </a:fontRef>
+        </p:style>
+      </p:cxnSp>
+    </p:spTree>
+  </p:cSld>
+  <p:clrMapOvr>
+    <a:masterClrMapping/>
+  </p:clrMapOvr>
+  <p:transition>
+    <p:fade/>
+  </p:transition>
+  <p:timing>
+    <p:tnLst>
+      <p:par>
+        <p:cTn id="1" dur="indefinite" restart="never" nodeType="tmRoot"/>
+      </p:par>
+    </p:tnLst>
+  </p:timing>
+</p:sld>
+</file>
+
+<file path=ppt/slides/slide33.xml><?xml version="1.0" encoding="utf-8"?>
+<p:sld xmlns:a="http://schemas.openxmlformats.org/drawingml/2006/main" xmlns:r="http://schemas.openxmlformats.org/officeDocument/2006/relationships" xmlns:p="http://schemas.openxmlformats.org/presentationml/2006/main">
+  <p:cSld>
+    <p:spTree>
+      <p:nvGrpSpPr>
+        <p:cNvPr id="1" name=""/>
+        <p:cNvGrpSpPr/>
+        <p:nvPr/>
+      </p:nvGrpSpPr>
+      <p:grpSpPr>
+        <a:xfrm>
+          <a:off x="0" y="0"/>
+          <a:ext cx="0" cy="0"/>
+          <a:chOff x="0" y="0"/>
+          <a:chExt cx="0" cy="0"/>
+        </a:xfrm>
+      </p:grpSpPr>
+      <p:sp>
+        <p:nvSpPr>
+          <p:cNvPr id="31746" name="Rectangle 4"/>
+          <p:cNvSpPr>
+            <a:spLocks noGrp="1" noChangeArrowheads="1"/>
+          </p:cNvSpPr>
+          <p:nvPr>
+            <p:ph type="ctrTitle"/>
+          </p:nvPr>
+        </p:nvSpPr>
+        <p:spPr/>
+        <p:txBody>
+          <a:bodyPr/>
+          <a:lstStyle/>
+          <a:p>
+            <a:pPr eaLnBrk="1" hangingPunct="1"/>
+            <a:r>
+              <a:rPr lang="en-GB" smtClean="0"/>
+              <a:t>Your DB is only what you </a:t>
+            </a:r>
+            <a:r>
+              <a:rPr lang="en-GB" b="1" smtClean="0"/>
+              <a:t>THINK </a:t>
+            </a:r>
+            <a:r>
+              <a:rPr lang="en-GB" smtClean="0"/>
+              <a:t>you know...</a:t>
+            </a:r>
+          </a:p>
+        </p:txBody>
+      </p:sp>
+      <p:sp>
+        <p:nvSpPr>
+          <p:cNvPr id="31747" name="Rectangle 5"/>
+          <p:cNvSpPr>
+            <a:spLocks noGrp="1" noChangeArrowheads="1"/>
+          </p:cNvSpPr>
+          <p:nvPr>
+            <p:ph type="subTitle" idx="1"/>
+          </p:nvPr>
+        </p:nvSpPr>
+        <p:spPr/>
+        <p:txBody>
+          <a:bodyPr/>
+          <a:lstStyle/>
+          <a:p>
+            <a:pPr eaLnBrk="1" hangingPunct="1"/>
+            <a:endParaRPr lang="en-US" smtClean="0"/>
+          </a:p>
+        </p:txBody>
+      </p:sp>
+      <p:cxnSp>
+        <p:nvCxnSpPr>
+          <p:cNvPr id="4" name="Straight Connector 3"/>
+          <p:cNvCxnSpPr/>
+          <p:nvPr/>
+        </p:nvCxnSpPr>
+        <p:spPr>
+          <a:xfrm>
+            <a:off x="4860000" y="36000"/>
+            <a:ext cx="1620000" cy="0"/>
+          </a:xfrm>
+          <a:prstGeom prst="line">
+            <a:avLst/>
+          </a:prstGeom>
+          <a:ln w="101600"/>
+        </p:spPr>
+        <p:style>
+          <a:lnRef idx="1">
+            <a:schemeClr val="accent1"/>
+          </a:lnRef>
+          <a:fillRef idx="0">
+            <a:schemeClr val="accent1"/>
+          </a:fillRef>
+          <a:effectRef idx="0">
+            <a:schemeClr val="accent1"/>
+          </a:effectRef>
+          <a:fontRef idx="minor">
+            <a:schemeClr val="tx1"/>
+          </a:fontRef>
+        </p:style>
+      </p:cxnSp>
+    </p:spTree>
+  </p:cSld>
+  <p:clrMapOvr>
+    <a:masterClrMapping/>
+  </p:clrMapOvr>
+  <p:transition>
+    <p:fade/>
+  </p:transition>
+  <p:timing>
+    <p:tnLst>
+      <p:par>
+        <p:cTn id="1" dur="indefinite" restart="never" nodeType="tmRoot"/>
+      </p:par>
+    </p:tnLst>
+  </p:timing>
+</p:sld>
+</file>
+
+<file path=ppt/slides/slide34.xml><?xml version="1.0" encoding="utf-8"?>
+<p:sld xmlns:a="http://schemas.openxmlformats.org/drawingml/2006/main" xmlns:r="http://schemas.openxmlformats.org/officeDocument/2006/relationships" xmlns:p="http://schemas.openxmlformats.org/presentationml/2006/main">
+  <p:cSld>
+    <p:spTree>
+      <p:nvGrpSpPr>
+        <p:cNvPr id="1" name=""/>
+        <p:cNvGrpSpPr/>
+        <p:nvPr/>
+      </p:nvGrpSpPr>
+      <p:grpSpPr>
+        <a:xfrm>
+          <a:off x="0" y="0"/>
+          <a:ext cx="0" cy="0"/>
+          <a:chOff x="0" y="0"/>
+          <a:chExt cx="0" cy="0"/>
+        </a:xfrm>
+      </p:grpSpPr>
+      <p:sp>
+        <p:nvSpPr>
+          <p:cNvPr id="32770" name="Rectangle 4"/>
+          <p:cNvSpPr>
+            <a:spLocks noGrp="1" noChangeArrowheads="1"/>
+          </p:cNvSpPr>
+          <p:nvPr>
+            <p:ph type="ctrTitle"/>
+          </p:nvPr>
+        </p:nvSpPr>
+        <p:spPr/>
+        <p:txBody>
+          <a:bodyPr/>
+          <a:lstStyle/>
+          <a:p>
+            <a:pPr eaLnBrk="1" hangingPunct="1"/>
+            <a:r>
+              <a:rPr lang="en-GB" smtClean="0"/>
+              <a:t>Don’t </a:t>
+            </a:r>
+            <a:r>
+              <a:rPr lang="en-GB" b="1" smtClean="0"/>
+              <a:t>call</a:t>
+            </a:r>
+            <a:r>
+              <a:rPr lang="en-GB" smtClean="0"/>
+              <a:t> it that!</a:t>
+            </a:r>
+          </a:p>
+        </p:txBody>
+      </p:sp>
+      <p:sp>
+        <p:nvSpPr>
+          <p:cNvPr id="32771" name="Rectangle 5"/>
+          <p:cNvSpPr>
+            <a:spLocks noGrp="1" noChangeArrowheads="1"/>
+          </p:cNvSpPr>
+          <p:nvPr>
+            <p:ph type="subTitle" idx="1"/>
+          </p:nvPr>
+        </p:nvSpPr>
+        <p:spPr/>
+        <p:txBody>
+          <a:bodyPr/>
+          <a:lstStyle/>
+          <a:p>
+            <a:pPr eaLnBrk="1" hangingPunct="1"/>
+            <a:r>
+              <a:rPr lang="en-GB" i="1" smtClean="0"/>
+              <a:t>It’s not “wrong”, it’s very slightly out of date</a:t>
+            </a:r>
+          </a:p>
+        </p:txBody>
+      </p:sp>
+      <p:cxnSp>
+        <p:nvCxnSpPr>
+          <p:cNvPr id="4" name="Straight Connector 3"/>
+          <p:cNvCxnSpPr/>
+          <p:nvPr/>
+        </p:nvCxnSpPr>
+        <p:spPr>
+          <a:xfrm>
+            <a:off x="4860000" y="36000"/>
+            <a:ext cx="1620000" cy="0"/>
+          </a:xfrm>
+          <a:prstGeom prst="line">
+            <a:avLst/>
+          </a:prstGeom>
+          <a:ln w="101600"/>
+        </p:spPr>
+        <p:style>
+          <a:lnRef idx="1">
+            <a:schemeClr val="accent1"/>
+          </a:lnRef>
+          <a:fillRef idx="0">
+            <a:schemeClr val="accent1"/>
+          </a:fillRef>
+          <a:effectRef idx="0">
+            <a:schemeClr val="accent1"/>
+          </a:effectRef>
+          <a:fontRef idx="minor">
+            <a:schemeClr val="tx1"/>
+          </a:fontRef>
+        </p:style>
+      </p:cxnSp>
     </p:spTree>
   </p:cSld>
   <p:clrMapOvr>
@@ -9391,9 +9069,9 @@
       </p:grpSpPr>
       <p:sp>
         <p:nvSpPr>
-          <p:cNvPr id="31746" name="Rectangle 4"/>
-          <p:cNvSpPr>
-            <a:spLocks noGrp="1" noChangeArrowheads="1"/>
+          <p:cNvPr id="33794" name="Title 3"/>
+          <p:cNvSpPr>
+            <a:spLocks noGrp="1"/>
           </p:cNvSpPr>
           <p:nvPr>
             <p:ph type="ctrTitle"/>
@@ -9406,25 +9084,21 @@
           <a:p>
             <a:pPr eaLnBrk="1" hangingPunct="1"/>
             <a:r>
-              <a:rPr lang="en-GB" smtClean="0"/>
-              <a:t>Your DB is only what you </a:t>
-            </a:r>
-            <a:r>
-              <a:rPr lang="en-GB" b="1" smtClean="0"/>
-              <a:t>THINK </a:t>
-            </a:r>
-            <a:r>
-              <a:rPr lang="en-GB" smtClean="0"/>
-              <a:t>you know...</a:t>
-            </a:r>
-          </a:p>
-        </p:txBody>
-      </p:sp>
-      <p:sp>
-        <p:nvSpPr>
-          <p:cNvPr id="31747" name="Rectangle 5"/>
-          <p:cNvSpPr>
-            <a:spLocks noGrp="1" noChangeArrowheads="1"/>
+              <a:rPr lang="en-GB" dirty="0" smtClean="0"/>
+              <a:t>But why</a:t>
+            </a:r>
+            <a:r>
+              <a:rPr lang="en-GB" dirty="0" smtClean="0"/>
+              <a:t>?</a:t>
+            </a:r>
+          </a:p>
+        </p:txBody>
+      </p:sp>
+      <p:sp>
+        <p:nvSpPr>
+          <p:cNvPr id="33795" name="Subtitle 4"/>
+          <p:cNvSpPr>
+            <a:spLocks noGrp="1"/>
           </p:cNvSpPr>
           <p:nvPr>
             <p:ph type="subTitle" idx="1"/>
@@ -9440,6 +9114,37 @@
           </a:p>
         </p:txBody>
       </p:sp>
+      <p:cxnSp>
+        <p:nvCxnSpPr>
+          <p:cNvPr id="4" name="Straight Connector 3"/>
+          <p:cNvCxnSpPr/>
+          <p:nvPr/>
+        </p:nvCxnSpPr>
+        <p:spPr>
+          <a:xfrm>
+            <a:off x="4860000" y="36000"/>
+            <a:ext cx="1620000" cy="0"/>
+          </a:xfrm>
+          <a:prstGeom prst="line">
+            <a:avLst/>
+          </a:prstGeom>
+          <a:ln w="101600"/>
+        </p:spPr>
+        <p:style>
+          <a:lnRef idx="1">
+            <a:schemeClr val="accent1"/>
+          </a:lnRef>
+          <a:fillRef idx="0">
+            <a:schemeClr val="accent1"/>
+          </a:fillRef>
+          <a:effectRef idx="0">
+            <a:schemeClr val="accent1"/>
+          </a:effectRef>
+          <a:fontRef idx="minor">
+            <a:schemeClr val="tx1"/>
+          </a:fontRef>
+        </p:style>
+      </p:cxnSp>
     </p:spTree>
   </p:cSld>
   <p:clrMapOvr>
@@ -9477,12 +9182,12 @@
       </p:grpSpPr>
       <p:sp>
         <p:nvSpPr>
-          <p:cNvPr id="32770" name="Rectangle 4"/>
+          <p:cNvPr id="34818" name="Rectangle 2"/>
           <p:cNvSpPr>
             <a:spLocks noGrp="1" noChangeArrowheads="1"/>
           </p:cNvSpPr>
           <p:nvPr>
-            <p:ph type="ctrTitle"/>
+            <p:ph type="title"/>
           </p:nvPr>
         </p:nvSpPr>
         <p:spPr/>
@@ -9492,28 +9197,21 @@
           <a:p>
             <a:pPr eaLnBrk="1" hangingPunct="1"/>
             <a:r>
-              <a:rPr lang="en-GB" smtClean="0"/>
-              <a:t>Don’t </a:t>
-            </a:r>
-            <a:r>
-              <a:rPr lang="en-GB" b="1" smtClean="0"/>
-              <a:t>call</a:t>
-            </a:r>
-            <a:r>
-              <a:rPr lang="en-GB" smtClean="0"/>
-              <a:t> it that!</a:t>
-            </a:r>
-          </a:p>
-        </p:txBody>
-      </p:sp>
-      <p:sp>
-        <p:nvSpPr>
-          <p:cNvPr id="32771" name="Rectangle 5"/>
+              <a:rPr lang="en-GB" dirty="0" smtClean="0"/>
+              <a:t>Benefits of CQRS</a:t>
+            </a:r>
+            <a:endParaRPr lang="en-GB" dirty="0" smtClean="0"/>
+          </a:p>
+        </p:txBody>
+      </p:sp>
+      <p:sp>
+        <p:nvSpPr>
+          <p:cNvPr id="34819" name="Rectangle 3"/>
           <p:cNvSpPr>
             <a:spLocks noGrp="1" noChangeArrowheads="1"/>
           </p:cNvSpPr>
           <p:nvPr>
-            <p:ph type="subTitle" idx="1"/>
+            <p:ph type="body" idx="1"/>
           </p:nvPr>
         </p:nvSpPr>
         <p:spPr/>
@@ -9523,12 +9221,75 @@
           <a:p>
             <a:pPr eaLnBrk="1" hangingPunct="1"/>
             <a:r>
-              <a:rPr lang="en-GB" i="1" smtClean="0"/>
-              <a:t>It’s not “wrong”, it’s very slightly out of date</a:t>
-            </a:r>
-          </a:p>
-        </p:txBody>
-      </p:sp>
+              <a:rPr lang="en-GB" dirty="0" smtClean="0"/>
+              <a:t>Handles complexity </a:t>
+            </a:r>
+            <a:r>
+              <a:rPr lang="en-GB" dirty="0" smtClean="0"/>
+              <a:t>well.</a:t>
+            </a:r>
+            <a:endParaRPr lang="en-GB" dirty="0" smtClean="0"/>
+          </a:p>
+          <a:p>
+            <a:pPr eaLnBrk="1" hangingPunct="1"/>
+            <a:r>
+              <a:rPr lang="en-GB" dirty="0" smtClean="0"/>
+              <a:t>Two models that do their jobs </a:t>
+            </a:r>
+            <a:r>
+              <a:rPr lang="en-GB" dirty="0" smtClean="0"/>
+              <a:t>well.</a:t>
+            </a:r>
+            <a:endParaRPr lang="en-GB" dirty="0" smtClean="0"/>
+          </a:p>
+          <a:p>
+            <a:pPr eaLnBrk="1" hangingPunct="1"/>
+            <a:r>
+              <a:rPr lang="en-GB" dirty="0" smtClean="0"/>
+              <a:t>Scalability.</a:t>
+            </a:r>
+            <a:endParaRPr lang="en-GB" dirty="0" smtClean="0"/>
+          </a:p>
+          <a:p>
+            <a:pPr eaLnBrk="1" hangingPunct="1"/>
+            <a:r>
+              <a:rPr lang="en-GB" dirty="0" smtClean="0"/>
+              <a:t>Enables Event Sourcing...</a:t>
+            </a:r>
+          </a:p>
+        </p:txBody>
+      </p:sp>
+      <p:cxnSp>
+        <p:nvCxnSpPr>
+          <p:cNvPr id="4" name="Straight Connector 3"/>
+          <p:cNvCxnSpPr/>
+          <p:nvPr/>
+        </p:nvCxnSpPr>
+        <p:spPr>
+          <a:xfrm>
+            <a:off x="4860000" y="36000"/>
+            <a:ext cx="1620000" cy="0"/>
+          </a:xfrm>
+          <a:prstGeom prst="line">
+            <a:avLst/>
+          </a:prstGeom>
+          <a:ln w="101600"/>
+        </p:spPr>
+        <p:style>
+          <a:lnRef idx="1">
+            <a:schemeClr val="accent1"/>
+          </a:lnRef>
+          <a:fillRef idx="0">
+            <a:schemeClr val="accent1"/>
+          </a:fillRef>
+          <a:effectRef idx="0">
+            <a:schemeClr val="accent1"/>
+          </a:effectRef>
+          <a:fontRef idx="minor">
+            <a:schemeClr val="tx1"/>
+          </a:fontRef>
+        </p:style>
+      </p:cxnSp>
     </p:spTree>
   </p:cSld>
   <p:clrMapOvr>
@@ -9566,9 +9327,9 @@
       </p:grpSpPr>
       <p:sp>
         <p:nvSpPr>
-          <p:cNvPr id="33794" name="Title 3"/>
-          <p:cNvSpPr>
-            <a:spLocks noGrp="1"/>
+          <p:cNvPr id="35842" name="Rectangle 4"/>
+          <p:cNvSpPr>
+            <a:spLocks noGrp="1" noChangeArrowheads="1"/>
           </p:cNvSpPr>
           <p:nvPr>
             <p:ph type="ctrTitle"/>
@@ -9582,16 +9343,16 @@
             <a:pPr eaLnBrk="1" hangingPunct="1"/>
             <a:r>
               <a:rPr lang="en-GB" smtClean="0"/>
-              <a:t>Why?</a:t>
-            </a:r>
-          </a:p>
-        </p:txBody>
-      </p:sp>
-      <p:sp>
-        <p:nvSpPr>
-          <p:cNvPr id="33795" name="Subtitle 4"/>
-          <p:cNvSpPr>
-            <a:spLocks noGrp="1"/>
+              <a:t>Event Sourcing</a:t>
+            </a:r>
+          </a:p>
+        </p:txBody>
+      </p:sp>
+      <p:sp>
+        <p:nvSpPr>
+          <p:cNvPr id="35843" name="Rectangle 5"/>
+          <p:cNvSpPr>
+            <a:spLocks noGrp="1" noChangeArrowheads="1"/>
           </p:cNvSpPr>
           <p:nvPr>
             <p:ph type="subTitle" idx="1"/>
@@ -9607,6 +9368,37 @@
           </a:p>
         </p:txBody>
       </p:sp>
+      <p:cxnSp>
+        <p:nvCxnSpPr>
+          <p:cNvPr id="4" name="Straight Connector 3"/>
+          <p:cNvCxnSpPr/>
+          <p:nvPr/>
+        </p:nvCxnSpPr>
+        <p:spPr>
+          <a:xfrm>
+            <a:off x="6480000" y="36000"/>
+            <a:ext cx="1620000" cy="0"/>
+          </a:xfrm>
+          <a:prstGeom prst="line">
+            <a:avLst/>
+          </a:prstGeom>
+          <a:ln w="101600"/>
+        </p:spPr>
+        <p:style>
+          <a:lnRef idx="1">
+            <a:schemeClr val="accent1"/>
+          </a:lnRef>
+          <a:fillRef idx="0">
+            <a:schemeClr val="accent1"/>
+          </a:fillRef>
+          <a:effectRef idx="0">
+            <a:schemeClr val="accent1"/>
+          </a:effectRef>
+          <a:fontRef idx="minor">
+            <a:schemeClr val="tx1"/>
+          </a:fontRef>
+        </p:style>
+      </p:cxnSp>
     </p:spTree>
   </p:cSld>
   <p:clrMapOvr>
@@ -9644,12 +9436,12 @@
       </p:grpSpPr>
       <p:sp>
         <p:nvSpPr>
-          <p:cNvPr id="34818" name="Rectangle 2"/>
+          <p:cNvPr id="36866" name="Rectangle 4"/>
           <p:cNvSpPr>
             <a:spLocks noGrp="1" noChangeArrowheads="1"/>
           </p:cNvSpPr>
           <p:nvPr>
-            <p:ph type="title"/>
+            <p:ph type="ctrTitle"/>
           </p:nvPr>
         </p:nvSpPr>
         <p:spPr/>
@@ -9659,20 +9451,20 @@
           <a:p>
             <a:pPr eaLnBrk="1" hangingPunct="1"/>
             <a:r>
-              <a:rPr lang="en-GB" smtClean="0"/>
-              <a:t>CQRS Benefits</a:t>
-            </a:r>
-          </a:p>
-        </p:txBody>
-      </p:sp>
-      <p:sp>
-        <p:nvSpPr>
-          <p:cNvPr id="34819" name="Rectangle 3"/>
+              <a:rPr lang="en-GB" sz="4000" smtClean="0"/>
+              <a:t>Don’t store Entities, store the Events that got them to where they are</a:t>
+            </a:r>
+          </a:p>
+        </p:txBody>
+      </p:sp>
+      <p:sp>
+        <p:nvSpPr>
+          <p:cNvPr id="36867" name="Rectangle 5"/>
           <p:cNvSpPr>
             <a:spLocks noGrp="1" noChangeArrowheads="1"/>
           </p:cNvSpPr>
           <p:nvPr>
-            <p:ph type="body" idx="1"/>
+            <p:ph type="subTitle" idx="1"/>
           </p:nvPr>
         </p:nvSpPr>
         <p:spPr/>
@@ -9681,34 +9473,41 @@
           <a:lstStyle/>
           <a:p>
             <a:pPr eaLnBrk="1" hangingPunct="1"/>
-            <a:r>
-              <a:rPr lang="en-GB" smtClean="0"/>
-              <a:t>Handles complexity well</a:t>
-            </a:r>
-          </a:p>
-          <a:p>
-            <a:pPr eaLnBrk="1" hangingPunct="1"/>
-            <a:r>
-              <a:rPr lang="en-GB" smtClean="0"/>
-              <a:t>Two models that do their jobs well</a:t>
-            </a:r>
-          </a:p>
-          <a:p>
-            <a:pPr eaLnBrk="1" hangingPunct="1"/>
-            <a:r>
-              <a:rPr lang="en-GB" smtClean="0"/>
-              <a:t>Scalability</a:t>
-            </a:r>
-          </a:p>
-          <a:p>
-            <a:pPr eaLnBrk="1" hangingPunct="1"/>
-            <a:r>
-              <a:rPr lang="en-GB" smtClean="0"/>
-              <a:t>Enables Event Sourcing...</a:t>
-            </a:r>
-          </a:p>
-        </p:txBody>
-      </p:sp>
+            <a:endParaRPr lang="en-US" smtClean="0"/>
+          </a:p>
+        </p:txBody>
+      </p:sp>
+      <p:cxnSp>
+        <p:nvCxnSpPr>
+          <p:cNvPr id="4" name="Straight Connector 3"/>
+          <p:cNvCxnSpPr/>
+          <p:nvPr/>
+        </p:nvCxnSpPr>
+        <p:spPr>
+          <a:xfrm>
+            <a:off x="6480000" y="36000"/>
+            <a:ext cx="1620000" cy="0"/>
+          </a:xfrm>
+          <a:prstGeom prst="line">
+            <a:avLst/>
+          </a:prstGeom>
+          <a:ln w="101600"/>
+        </p:spPr>
+        <p:style>
+          <a:lnRef idx="1">
+            <a:schemeClr val="accent1"/>
+          </a:lnRef>
+          <a:fillRef idx="0">
+            <a:schemeClr val="accent1"/>
+          </a:fillRef>
+          <a:effectRef idx="0">
+            <a:schemeClr val="accent1"/>
+          </a:effectRef>
+          <a:fontRef idx="minor">
+            <a:schemeClr val="tx1"/>
+          </a:fontRef>
+        </p:style>
+      </p:cxnSp>
     </p:spTree>
   </p:cSld>
   <p:clrMapOvr>
@@ -9746,9 +9545,9 @@
       </p:grpSpPr>
       <p:sp>
         <p:nvSpPr>
-          <p:cNvPr id="35842" name="Rectangle 4"/>
-          <p:cNvSpPr>
-            <a:spLocks noGrp="1" noChangeArrowheads="1"/>
+          <p:cNvPr id="4" name="Title 3"/>
+          <p:cNvSpPr>
+            <a:spLocks noGrp="1"/>
           </p:cNvSpPr>
           <p:nvPr>
             <p:ph type="ctrTitle"/>
@@ -9759,19 +9558,26 @@
           <a:bodyPr/>
           <a:lstStyle/>
           <a:p>
-            <a:pPr eaLnBrk="1" hangingPunct="1"/>
-            <a:r>
-              <a:rPr lang="en-GB" smtClean="0"/>
-              <a:t>Event Sourcing</a:t>
-            </a:r>
-          </a:p>
-        </p:txBody>
-      </p:sp>
-      <p:sp>
-        <p:nvSpPr>
-          <p:cNvPr id="35843" name="Rectangle 5"/>
-          <p:cNvSpPr>
-            <a:spLocks noGrp="1" noChangeArrowheads="1"/>
+            <a:r>
+              <a:rPr lang="en-GB" dirty="0" smtClean="0"/>
+              <a:t>Rehydrate by </a:t>
+            </a:r>
+            <a:br>
+              <a:rPr lang="en-GB" dirty="0" smtClean="0"/>
+            </a:br>
+            <a:r>
+              <a:rPr lang="en-GB" dirty="0" smtClean="0"/>
+              <a:t>replaying events</a:t>
+            </a:r>
+            <a:endParaRPr lang="en-GB" dirty="0"/>
+          </a:p>
+        </p:txBody>
+      </p:sp>
+      <p:sp>
+        <p:nvSpPr>
+          <p:cNvPr id="5" name="Subtitle 4"/>
+          <p:cNvSpPr>
+            <a:spLocks noGrp="1"/>
           </p:cNvSpPr>
           <p:nvPr>
             <p:ph type="subTitle" idx="1"/>
@@ -9782,17 +9588,52 @@
           <a:bodyPr/>
           <a:lstStyle/>
           <a:p>
-            <a:pPr eaLnBrk="1" hangingPunct="1"/>
-            <a:endParaRPr lang="en-US" smtClean="0"/>
-          </a:p>
-        </p:txBody>
-      </p:sp>
+            <a:endParaRPr lang="en-GB"/>
+          </a:p>
+        </p:txBody>
+      </p:sp>
+      <p:cxnSp>
+        <p:nvCxnSpPr>
+          <p:cNvPr id="6" name="Straight Connector 5"/>
+          <p:cNvCxnSpPr/>
+          <p:nvPr/>
+        </p:nvCxnSpPr>
+        <p:spPr>
+          <a:xfrm>
+            <a:off x="6480000" y="36000"/>
+            <a:ext cx="1620000" cy="0"/>
+          </a:xfrm>
+          <a:prstGeom prst="line">
+            <a:avLst/>
+          </a:prstGeom>
+          <a:ln w="101600"/>
+        </p:spPr>
+        <p:style>
+          <a:lnRef idx="1">
+            <a:schemeClr val="accent1"/>
+          </a:lnRef>
+          <a:fillRef idx="0">
+            <a:schemeClr val="accent1"/>
+          </a:fillRef>
+          <a:effectRef idx="0">
+            <a:schemeClr val="accent1"/>
+          </a:effectRef>
+          <a:fontRef idx="minor">
+            <a:schemeClr val="tx1"/>
+          </a:fontRef>
+        </p:style>
+      </p:cxnSp>
     </p:spTree>
+    <p:extLst>
+      <p:ext uri="{BB962C8B-B14F-4D97-AF65-F5344CB8AC3E}">
+        <p14:creationId xmlns:p14="http://schemas.microsoft.com/office/powerpoint/2010/main" val="3887995909"/>
+      </p:ext>
+    </p:extLst>
   </p:cSld>
   <p:clrMapOvr>
     <a:masterClrMapping/>
   </p:clrMapOvr>
-  <p:transition>
+  <p:transition advTm="19714">
     <p:fade/>
   </p:transition>
   <p:timing>
@@ -9920,6 +9761,37 @@
           </a:extLst>
         </p:spPr>
       </p:pic>
+      <p:cxnSp>
+        <p:nvCxnSpPr>
+          <p:cNvPr id="7" name="Straight Connector 6"/>
+          <p:cNvCxnSpPr/>
+          <p:nvPr/>
+        </p:nvCxnSpPr>
+        <p:spPr>
+          <a:xfrm>
+            <a:off x="0" y="36000"/>
+            <a:ext cx="1620000" cy="0"/>
+          </a:xfrm>
+          <a:prstGeom prst="line">
+            <a:avLst/>
+          </a:prstGeom>
+          <a:ln w="101600"/>
+        </p:spPr>
+        <p:style>
+          <a:lnRef idx="1">
+            <a:schemeClr val="accent1"/>
+          </a:lnRef>
+          <a:fillRef idx="0">
+            <a:schemeClr val="accent1"/>
+          </a:fillRef>
+          <a:effectRef idx="0">
+            <a:schemeClr val="accent1"/>
+          </a:effectRef>
+          <a:fontRef idx="minor">
+            <a:schemeClr val="tx1"/>
+          </a:fontRef>
+        </p:style>
+      </p:cxnSp>
     </p:spTree>
     <p:extLst>
       <p:ext uri="{BB962C8B-B14F-4D97-AF65-F5344CB8AC3E}">
@@ -9962,7 +9834,7 @@
       </p:grpSpPr>
       <p:sp>
         <p:nvSpPr>
-          <p:cNvPr id="36866" name="Rectangle 4"/>
+          <p:cNvPr id="37890" name="Rectangle 4"/>
           <p:cNvSpPr>
             <a:spLocks noGrp="1" noChangeArrowheads="1"/>
           </p:cNvSpPr>
@@ -9977,15 +9849,20 @@
           <a:p>
             <a:pPr eaLnBrk="1" hangingPunct="1"/>
             <a:r>
-              <a:rPr lang="en-GB" sz="4000" smtClean="0"/>
-              <a:t>Don’t store Entities, store the Events that got them to where they are</a:t>
-            </a:r>
-          </a:p>
-        </p:txBody>
-      </p:sp>
-      <p:sp>
-        <p:nvSpPr>
-          <p:cNvPr id="36867" name="Rectangle 5"/>
+              <a:rPr lang="en-GB" dirty="0" smtClean="0"/>
+              <a:t>Commands </a:t>
+            </a:r>
+            <a:r>
+              <a:rPr lang="en-GB" dirty="0" smtClean="0"/>
+              <a:t>vs. Events</a:t>
+            </a:r>
+            <a:endParaRPr lang="en-GB" dirty="0" smtClean="0"/>
+          </a:p>
+        </p:txBody>
+      </p:sp>
+      <p:sp>
+        <p:nvSpPr>
+          <p:cNvPr id="37891" name="Rectangle 5"/>
           <p:cNvSpPr>
             <a:spLocks noGrp="1" noChangeArrowheads="1"/>
           </p:cNvSpPr>
@@ -9999,10 +9876,41 @@
           <a:lstStyle/>
           <a:p>
             <a:pPr eaLnBrk="1" hangingPunct="1"/>
-            <a:endParaRPr lang="en-US" smtClean="0"/>
-          </a:p>
-        </p:txBody>
-      </p:sp>
+            <a:endParaRPr lang="en-GB" i="1" dirty="0" smtClean="0"/>
+          </a:p>
+        </p:txBody>
+      </p:sp>
+      <p:cxnSp>
+        <p:nvCxnSpPr>
+          <p:cNvPr id="4" name="Straight Connector 3"/>
+          <p:cNvCxnSpPr/>
+          <p:nvPr/>
+        </p:nvCxnSpPr>
+        <p:spPr>
+          <a:xfrm>
+            <a:off x="6480000" y="36000"/>
+            <a:ext cx="1620000" cy="0"/>
+          </a:xfrm>
+          <a:prstGeom prst="line">
+            <a:avLst/>
+          </a:prstGeom>
+          <a:ln w="101600"/>
+        </p:spPr>
+        <p:style>
+          <a:lnRef idx="1">
+            <a:schemeClr val="accent1"/>
+          </a:lnRef>
+          <a:fillRef idx="0">
+            <a:schemeClr val="accent1"/>
+          </a:fillRef>
+          <a:effectRef idx="0">
+            <a:schemeClr val="accent1"/>
+          </a:effectRef>
+          <a:fontRef idx="minor">
+            <a:schemeClr val="tx1"/>
+          </a:fontRef>
+        </p:style>
+      </p:cxnSp>
     </p:spTree>
   </p:cSld>
   <p:clrMapOvr>
@@ -10040,12 +9948,12 @@
       </p:grpSpPr>
       <p:sp>
         <p:nvSpPr>
-          <p:cNvPr id="37890" name="Rectangle 4"/>
+          <p:cNvPr id="38914" name="Rectangle 2"/>
           <p:cNvSpPr>
             <a:spLocks noGrp="1" noChangeArrowheads="1"/>
           </p:cNvSpPr>
           <p:nvPr>
-            <p:ph type="ctrTitle"/>
+            <p:ph type="title"/>
           </p:nvPr>
         </p:nvSpPr>
         <p:spPr/>
@@ -10056,19 +9964,19 @@
             <a:pPr eaLnBrk="1" hangingPunct="1"/>
             <a:r>
               <a:rPr lang="en-GB" smtClean="0"/>
-              <a:t>Commands and Events are different</a:t>
-            </a:r>
-          </a:p>
-        </p:txBody>
-      </p:sp>
-      <p:sp>
-        <p:nvSpPr>
-          <p:cNvPr id="37891" name="Rectangle 5"/>
+              <a:t>Commands</a:t>
+            </a:r>
+          </a:p>
+        </p:txBody>
+      </p:sp>
+      <p:sp>
+        <p:nvSpPr>
+          <p:cNvPr id="38915" name="Rectangle 3"/>
           <p:cNvSpPr>
             <a:spLocks noGrp="1" noChangeArrowheads="1"/>
           </p:cNvSpPr>
           <p:nvPr>
-            <p:ph type="subTitle" idx="1"/>
+            <p:ph type="body" idx="1"/>
           </p:nvPr>
         </p:nvSpPr>
         <p:spPr/>
@@ -10078,12 +9986,77 @@
           <a:p>
             <a:pPr eaLnBrk="1" hangingPunct="1"/>
             <a:r>
-              <a:rPr lang="en-GB" i="1" smtClean="0"/>
-              <a:t>(but both are kinds of Messages)</a:t>
-            </a:r>
-          </a:p>
-        </p:txBody>
-      </p:sp>
+              <a:rPr lang="en-GB" smtClean="0"/>
+              <a:t>Are data structures, not objects</a:t>
+            </a:r>
+          </a:p>
+          <a:p>
+            <a:pPr eaLnBrk="1" hangingPunct="1"/>
+            <a:r>
+              <a:rPr lang="en-GB" smtClean="0"/>
+              <a:t>The name says “what”, the properties say “who, where, why, when, how” as appropriate</a:t>
+            </a:r>
+          </a:p>
+          <a:p>
+            <a:pPr eaLnBrk="1" hangingPunct="1"/>
+            <a:r>
+              <a:rPr lang="en-GB" smtClean="0"/>
+              <a:t>Present tense, imperative mood</a:t>
+            </a:r>
+          </a:p>
+          <a:p>
+            <a:pPr eaLnBrk="1" hangingPunct="1"/>
+            <a:r>
+              <a:rPr lang="en-GB" smtClean="0"/>
+              <a:t>Can fail or be rejected</a:t>
+            </a:r>
+          </a:p>
+          <a:p>
+            <a:pPr eaLnBrk="1" hangingPunct="1"/>
+            <a:r>
+              <a:rPr lang="en-GB" smtClean="0"/>
+              <a:t>Are analogous to method calls</a:t>
+            </a:r>
+            <a:endParaRPr lang="en-GB" smtClean="0">
+              <a:solidFill>
+                <a:srgbClr val="FF0000"/>
+              </a:solidFill>
+              <a:latin typeface="Segoe Script" pitchFamily="34" charset="0"/>
+            </a:endParaRPr>
+          </a:p>
+        </p:txBody>
+      </p:sp>
+      <p:cxnSp>
+        <p:nvCxnSpPr>
+          <p:cNvPr id="4" name="Straight Connector 3"/>
+          <p:cNvCxnSpPr/>
+          <p:nvPr/>
+        </p:nvCxnSpPr>
+        <p:spPr>
+          <a:xfrm>
+            <a:off x="6480000" y="36000"/>
+            <a:ext cx="1620000" cy="0"/>
+          </a:xfrm>
+          <a:prstGeom prst="line">
+            <a:avLst/>
+          </a:prstGeom>
+          <a:ln w="101600"/>
+        </p:spPr>
+        <p:style>
+          <a:lnRef idx="1">
+            <a:schemeClr val="accent1"/>
+          </a:lnRef>
+          <a:fillRef idx="0">
+            <a:schemeClr val="accent1"/>
+          </a:fillRef>
+          <a:effectRef idx="0">
+            <a:schemeClr val="accent1"/>
+          </a:effectRef>
+          <a:fontRef idx="minor">
+            <a:schemeClr val="tx1"/>
+          </a:fontRef>
+        </p:style>
+      </p:cxnSp>
     </p:spTree>
   </p:cSld>
   <p:clrMapOvr>
@@ -10121,84 +10094,409 @@
       </p:grpSpPr>
       <p:sp>
         <p:nvSpPr>
-          <p:cNvPr id="38914" name="Rectangle 2"/>
-          <p:cNvSpPr>
-            <a:spLocks noGrp="1" noChangeArrowheads="1"/>
-          </p:cNvSpPr>
-          <p:nvPr>
-            <p:ph type="title"/>
-          </p:nvPr>
-        </p:nvSpPr>
-        <p:spPr/>
-        <p:txBody>
-          <a:bodyPr/>
+          <p:cNvPr id="8" name="Rounded Rectangle 7"/>
+          <p:cNvSpPr/>
+          <p:nvPr/>
+        </p:nvSpPr>
+        <p:spPr>
+          <a:xfrm>
+            <a:off x="3024188" y="404813"/>
+            <a:ext cx="3095625" cy="1008062"/>
+          </a:xfrm>
+          <a:prstGeom prst="roundRect">
+            <a:avLst/>
+          </a:prstGeom>
+          <a:gradFill>
+            <a:gsLst>
+              <a:gs pos="0">
+                <a:schemeClr val="accent1">
+                  <a:lumMod val="90000"/>
+                </a:schemeClr>
+              </a:gs>
+              <a:gs pos="100000">
+                <a:schemeClr val="bg1"/>
+              </a:gs>
+            </a:gsLst>
+            <a:lin ang="16200000" scaled="1"/>
+          </a:gradFill>
+        </p:spPr>
+        <p:style>
+          <a:lnRef idx="2">
+            <a:schemeClr val="accent1">
+              <a:shade val="50000"/>
+            </a:schemeClr>
+          </a:lnRef>
+          <a:fillRef idx="1">
+            <a:schemeClr val="accent1"/>
+          </a:fillRef>
+          <a:effectRef idx="0">
+            <a:schemeClr val="accent1"/>
+          </a:effectRef>
+          <a:fontRef idx="minor">
+            <a:schemeClr val="lt1"/>
+          </a:fontRef>
+        </p:style>
+        <p:txBody>
+          <a:bodyPr anchor="ctr"/>
           <a:lstStyle/>
           <a:p>
-            <a:pPr eaLnBrk="1" hangingPunct="1"/>
-            <a:r>
-              <a:rPr lang="en-GB" smtClean="0"/>
-              <a:t>Commands</a:t>
-            </a:r>
-          </a:p>
-        </p:txBody>
-      </p:sp>
-      <p:sp>
-        <p:nvSpPr>
-          <p:cNvPr id="38915" name="Rectangle 3"/>
-          <p:cNvSpPr>
-            <a:spLocks noGrp="1" noChangeArrowheads="1"/>
-          </p:cNvSpPr>
-          <p:nvPr>
-            <p:ph type="body" idx="1"/>
-          </p:nvPr>
-        </p:nvSpPr>
-        <p:spPr/>
-        <p:txBody>
-          <a:bodyPr/>
+            <a:pPr algn="ctr">
+              <a:defRPr/>
+            </a:pPr>
+            <a:r>
+              <a:rPr lang="en-GB" sz="4000" dirty="0">
+                <a:solidFill>
+                  <a:schemeClr val="accent2"/>
+                </a:solidFill>
+              </a:rPr>
+              <a:t>Use-Case</a:t>
+            </a:r>
+          </a:p>
+        </p:txBody>
+      </p:sp>
+      <p:sp>
+        <p:nvSpPr>
+          <p:cNvPr id="11" name="Rounded Rectangle 10"/>
+          <p:cNvSpPr/>
+          <p:nvPr/>
+        </p:nvSpPr>
+        <p:spPr>
+          <a:xfrm>
+            <a:off x="3024188" y="1916113"/>
+            <a:ext cx="3095625" cy="1008062"/>
+          </a:xfrm>
+          <a:prstGeom prst="roundRect">
+            <a:avLst/>
+          </a:prstGeom>
+          <a:gradFill>
+            <a:gsLst>
+              <a:gs pos="0">
+                <a:schemeClr val="accent1">
+                  <a:lumMod val="90000"/>
+                </a:schemeClr>
+              </a:gs>
+              <a:gs pos="100000">
+                <a:schemeClr val="bg1"/>
+              </a:gs>
+            </a:gsLst>
+            <a:lin ang="16200000" scaled="1"/>
+          </a:gradFill>
+        </p:spPr>
+        <p:style>
+          <a:lnRef idx="2">
+            <a:schemeClr val="accent1">
+              <a:shade val="50000"/>
+            </a:schemeClr>
+          </a:lnRef>
+          <a:fillRef idx="1">
+            <a:schemeClr val="accent1"/>
+          </a:fillRef>
+          <a:effectRef idx="0">
+            <a:schemeClr val="accent1"/>
+          </a:effectRef>
+          <a:fontRef idx="minor">
+            <a:schemeClr val="lt1"/>
+          </a:fontRef>
+        </p:style>
+        <p:txBody>
+          <a:bodyPr anchor="ctr"/>
           <a:lstStyle/>
           <a:p>
-            <a:pPr eaLnBrk="1" hangingPunct="1"/>
-            <a:r>
-              <a:rPr lang="en-GB" smtClean="0"/>
-              <a:t>Are data structures, not objects</a:t>
-            </a:r>
-          </a:p>
-          <a:p>
-            <a:pPr eaLnBrk="1" hangingPunct="1"/>
-            <a:r>
-              <a:rPr lang="en-GB" smtClean="0"/>
-              <a:t>The name says “what”, the properties say “who, where, why, when, how” as appropriate</a:t>
-            </a:r>
-          </a:p>
-          <a:p>
-            <a:pPr eaLnBrk="1" hangingPunct="1"/>
-            <a:r>
-              <a:rPr lang="en-GB" smtClean="0"/>
-              <a:t>Present tense, imperative mood</a:t>
-            </a:r>
-          </a:p>
-          <a:p>
-            <a:pPr eaLnBrk="1" hangingPunct="1"/>
-            <a:r>
-              <a:rPr lang="en-GB" smtClean="0"/>
-              <a:t>Can fail or be rejected</a:t>
-            </a:r>
-          </a:p>
-          <a:p>
-            <a:pPr eaLnBrk="1" hangingPunct="1"/>
-            <a:r>
-              <a:rPr lang="en-GB" smtClean="0"/>
-              <a:t>Are analogous to method calls</a:t>
-            </a:r>
-            <a:endParaRPr lang="en-GB" smtClean="0">
-              <a:solidFill>
-                <a:srgbClr val="FF0000"/>
-              </a:solidFill>
-              <a:latin typeface="Segoe Script" pitchFamily="34" charset="0"/>
-            </a:endParaRPr>
-          </a:p>
-        </p:txBody>
-      </p:sp>
+            <a:pPr algn="ctr">
+              <a:defRPr/>
+            </a:pPr>
+            <a:r>
+              <a:rPr lang="en-GB" sz="4000" dirty="0">
+                <a:solidFill>
+                  <a:schemeClr val="accent2"/>
+                </a:solidFill>
+              </a:rPr>
+              <a:t>Task</a:t>
+            </a:r>
+          </a:p>
+        </p:txBody>
+      </p:sp>
+      <p:sp>
+        <p:nvSpPr>
+          <p:cNvPr id="12" name="Rounded Rectangle 11"/>
+          <p:cNvSpPr/>
+          <p:nvPr/>
+        </p:nvSpPr>
+        <p:spPr>
+          <a:xfrm>
+            <a:off x="3024188" y="3429000"/>
+            <a:ext cx="3095625" cy="1008063"/>
+          </a:xfrm>
+          <a:prstGeom prst="roundRect">
+            <a:avLst/>
+          </a:prstGeom>
+          <a:gradFill>
+            <a:gsLst>
+              <a:gs pos="0">
+                <a:schemeClr val="accent1">
+                  <a:lumMod val="90000"/>
+                </a:schemeClr>
+              </a:gs>
+              <a:gs pos="100000">
+                <a:schemeClr val="bg1"/>
+              </a:gs>
+            </a:gsLst>
+            <a:lin ang="16200000" scaled="1"/>
+          </a:gradFill>
+        </p:spPr>
+        <p:style>
+          <a:lnRef idx="2">
+            <a:schemeClr val="accent1">
+              <a:shade val="50000"/>
+            </a:schemeClr>
+          </a:lnRef>
+          <a:fillRef idx="1">
+            <a:schemeClr val="accent1"/>
+          </a:fillRef>
+          <a:effectRef idx="0">
+            <a:schemeClr val="accent1"/>
+          </a:effectRef>
+          <a:fontRef idx="minor">
+            <a:schemeClr val="lt1"/>
+          </a:fontRef>
+        </p:style>
+        <p:txBody>
+          <a:bodyPr anchor="ctr"/>
+          <a:lstStyle/>
+          <a:p>
+            <a:pPr algn="ctr">
+              <a:defRPr/>
+            </a:pPr>
+            <a:r>
+              <a:rPr lang="en-GB" sz="4000" dirty="0">
+                <a:solidFill>
+                  <a:schemeClr val="accent2"/>
+                </a:solidFill>
+              </a:rPr>
+              <a:t>Command</a:t>
+            </a:r>
+          </a:p>
+        </p:txBody>
+      </p:sp>
+      <p:sp>
+        <p:nvSpPr>
+          <p:cNvPr id="13" name="Rounded Rectangle 12"/>
+          <p:cNvSpPr/>
+          <p:nvPr/>
+        </p:nvSpPr>
+        <p:spPr>
+          <a:xfrm>
+            <a:off x="3024188" y="4941888"/>
+            <a:ext cx="3095625" cy="1008062"/>
+          </a:xfrm>
+          <a:prstGeom prst="roundRect">
+            <a:avLst/>
+          </a:prstGeom>
+          <a:gradFill>
+            <a:gsLst>
+              <a:gs pos="0">
+                <a:schemeClr val="accent1">
+                  <a:lumMod val="90000"/>
+                </a:schemeClr>
+              </a:gs>
+              <a:gs pos="100000">
+                <a:schemeClr val="bg1"/>
+              </a:gs>
+            </a:gsLst>
+            <a:lin ang="16200000" scaled="1"/>
+          </a:gradFill>
+        </p:spPr>
+        <p:style>
+          <a:lnRef idx="2">
+            <a:schemeClr val="accent1">
+              <a:shade val="50000"/>
+            </a:schemeClr>
+          </a:lnRef>
+          <a:fillRef idx="1">
+            <a:schemeClr val="accent1"/>
+          </a:fillRef>
+          <a:effectRef idx="0">
+            <a:schemeClr val="accent1"/>
+          </a:effectRef>
+          <a:fontRef idx="minor">
+            <a:schemeClr val="lt1"/>
+          </a:fontRef>
+        </p:style>
+        <p:txBody>
+          <a:bodyPr anchor="ctr"/>
+          <a:lstStyle/>
+          <a:p>
+            <a:pPr algn="ctr">
+              <a:defRPr/>
+            </a:pPr>
+            <a:r>
+              <a:rPr lang="en-GB" sz="4000" dirty="0">
+                <a:solidFill>
+                  <a:schemeClr val="accent2"/>
+                </a:solidFill>
+              </a:rPr>
+              <a:t>Method Call</a:t>
+            </a:r>
+          </a:p>
+        </p:txBody>
+      </p:sp>
+      <p:sp>
+        <p:nvSpPr>
+          <p:cNvPr id="9" name="Right Arrow 8"/>
+          <p:cNvSpPr/>
+          <p:nvPr/>
+        </p:nvSpPr>
+        <p:spPr>
+          <a:xfrm rot="5400000">
+            <a:off x="4356100" y="1466850"/>
+            <a:ext cx="431800" cy="323850"/>
+          </a:xfrm>
+          <a:prstGeom prst="rightArrow">
+            <a:avLst/>
+          </a:prstGeom>
+        </p:spPr>
+        <p:style>
+          <a:lnRef idx="2">
+            <a:schemeClr val="accent1">
+              <a:shade val="50000"/>
+            </a:schemeClr>
+          </a:lnRef>
+          <a:fillRef idx="1">
+            <a:schemeClr val="accent1"/>
+          </a:fillRef>
+          <a:effectRef idx="0">
+            <a:schemeClr val="accent1"/>
+          </a:effectRef>
+          <a:fontRef idx="minor">
+            <a:schemeClr val="lt1"/>
+          </a:fontRef>
+        </p:style>
+        <p:txBody>
+          <a:bodyPr anchor="ctr"/>
+          <a:lstStyle/>
+          <a:p>
+            <a:pPr algn="ctr">
+              <a:defRPr/>
+            </a:pPr>
+            <a:endParaRPr lang="en-GB"/>
+          </a:p>
+        </p:txBody>
+      </p:sp>
+      <p:sp>
+        <p:nvSpPr>
+          <p:cNvPr id="15" name="Right Arrow 14"/>
+          <p:cNvSpPr/>
+          <p:nvPr/>
+        </p:nvSpPr>
+        <p:spPr>
+          <a:xfrm rot="5400000">
+            <a:off x="4359275" y="4491038"/>
+            <a:ext cx="431800" cy="323850"/>
+          </a:xfrm>
+          <a:prstGeom prst="rightArrow">
+            <a:avLst/>
+          </a:prstGeom>
+        </p:spPr>
+        <p:style>
+          <a:lnRef idx="2">
+            <a:schemeClr val="accent1">
+              <a:shade val="50000"/>
+            </a:schemeClr>
+          </a:lnRef>
+          <a:fillRef idx="1">
+            <a:schemeClr val="accent1"/>
+          </a:fillRef>
+          <a:effectRef idx="0">
+            <a:schemeClr val="accent1"/>
+          </a:effectRef>
+          <a:fontRef idx="minor">
+            <a:schemeClr val="lt1"/>
+          </a:fontRef>
+        </p:style>
+        <p:txBody>
+          <a:bodyPr anchor="ctr"/>
+          <a:lstStyle/>
+          <a:p>
+            <a:pPr algn="ctr">
+              <a:defRPr/>
+            </a:pPr>
+            <a:endParaRPr lang="en-GB"/>
+          </a:p>
+        </p:txBody>
+      </p:sp>
+      <p:sp>
+        <p:nvSpPr>
+          <p:cNvPr id="16" name="Right Arrow 15"/>
+          <p:cNvSpPr/>
+          <p:nvPr/>
+        </p:nvSpPr>
+        <p:spPr>
+          <a:xfrm rot="5400000">
+            <a:off x="4358481" y="2978944"/>
+            <a:ext cx="433388" cy="323850"/>
+          </a:xfrm>
+          <a:prstGeom prst="rightArrow">
+            <a:avLst/>
+          </a:prstGeom>
+        </p:spPr>
+        <p:style>
+          <a:lnRef idx="2">
+            <a:schemeClr val="accent1">
+              <a:shade val="50000"/>
+            </a:schemeClr>
+          </a:lnRef>
+          <a:fillRef idx="1">
+            <a:schemeClr val="accent1"/>
+          </a:fillRef>
+          <a:effectRef idx="0">
+            <a:schemeClr val="accent1"/>
+          </a:effectRef>
+          <a:fontRef idx="minor">
+            <a:schemeClr val="lt1"/>
+          </a:fontRef>
+        </p:style>
+        <p:txBody>
+          <a:bodyPr anchor="ctr"/>
+          <a:lstStyle/>
+          <a:p>
+            <a:pPr algn="ctr">
+              <a:defRPr/>
+            </a:pPr>
+            <a:endParaRPr lang="en-GB"/>
+          </a:p>
+        </p:txBody>
+      </p:sp>
+      <p:cxnSp>
+        <p:nvCxnSpPr>
+          <p:cNvPr id="10" name="Straight Connector 9"/>
+          <p:cNvCxnSpPr/>
+          <p:nvPr/>
+        </p:nvCxnSpPr>
+        <p:spPr>
+          <a:xfrm>
+            <a:off x="6480000" y="36000"/>
+            <a:ext cx="1620000" cy="0"/>
+          </a:xfrm>
+          <a:prstGeom prst="line">
+            <a:avLst/>
+          </a:prstGeom>
+          <a:ln w="101600"/>
+        </p:spPr>
+        <p:style>
+          <a:lnRef idx="1">
+            <a:schemeClr val="accent1"/>
+          </a:lnRef>
+          <a:fillRef idx="0">
+            <a:schemeClr val="accent1"/>
+          </a:fillRef>
+          <a:effectRef idx="0">
+            <a:schemeClr val="accent1"/>
+          </a:effectRef>
+          <a:fontRef idx="minor">
+            <a:schemeClr val="tx1"/>
+          </a:fontRef>
+        </p:style>
+      </p:cxnSp>
     </p:spTree>
   </p:cSld>
   <p:clrMapOvr>
@@ -10236,378 +10534,114 @@
       </p:grpSpPr>
       <p:sp>
         <p:nvSpPr>
-          <p:cNvPr id="8" name="Rounded Rectangle 7"/>
-          <p:cNvSpPr/>
+          <p:cNvPr id="40962" name="Rectangle 2"/>
+          <p:cNvSpPr>
+            <a:spLocks noGrp="1" noChangeArrowheads="1"/>
+          </p:cNvSpPr>
+          <p:nvPr>
+            <p:ph type="title"/>
+          </p:nvPr>
+        </p:nvSpPr>
+        <p:spPr/>
+        <p:txBody>
+          <a:bodyPr/>
+          <a:lstStyle/>
+          <a:p>
+            <a:pPr eaLnBrk="1" hangingPunct="1"/>
+            <a:r>
+              <a:rPr lang="en-GB" smtClean="0"/>
+              <a:t>Events</a:t>
+            </a:r>
+          </a:p>
+        </p:txBody>
+      </p:sp>
+      <p:sp>
+        <p:nvSpPr>
+          <p:cNvPr id="40963" name="Rectangle 3"/>
+          <p:cNvSpPr>
+            <a:spLocks noGrp="1" noChangeArrowheads="1"/>
+          </p:cNvSpPr>
+          <p:nvPr>
+            <p:ph type="body" idx="1"/>
+          </p:nvPr>
+        </p:nvSpPr>
+        <p:spPr/>
+        <p:txBody>
+          <a:bodyPr/>
+          <a:lstStyle/>
+          <a:p>
+            <a:pPr eaLnBrk="1" hangingPunct="1"/>
+            <a:r>
+              <a:rPr lang="en-GB" dirty="0" smtClean="0">
+                <a:solidFill>
+                  <a:schemeClr val="bg2"/>
+                </a:solidFill>
+              </a:rPr>
+              <a:t>Are data structures, not objects</a:t>
+            </a:r>
+          </a:p>
+          <a:p>
+            <a:pPr eaLnBrk="1" hangingPunct="1"/>
+            <a:r>
+              <a:rPr lang="en-GB" dirty="0" smtClean="0">
+                <a:solidFill>
+                  <a:schemeClr val="bg2"/>
+                </a:solidFill>
+              </a:rPr>
+              <a:t>The name says “what”, the properties say “who, where, why, when, how” as appropriate</a:t>
+            </a:r>
+          </a:p>
+          <a:p>
+            <a:pPr eaLnBrk="1" hangingPunct="1"/>
+            <a:r>
+              <a:rPr lang="en-GB" dirty="0" smtClean="0"/>
+              <a:t>Are past-tense</a:t>
+            </a:r>
+          </a:p>
+          <a:p>
+            <a:pPr eaLnBrk="1" hangingPunct="1"/>
+            <a:r>
+              <a:rPr lang="en-GB" b="1" dirty="0" smtClean="0"/>
+              <a:t>Cannot </a:t>
+            </a:r>
+            <a:r>
+              <a:rPr lang="en-GB" dirty="0" smtClean="0"/>
+              <a:t>be failed or rejected</a:t>
+            </a:r>
+          </a:p>
+        </p:txBody>
+      </p:sp>
+      <p:cxnSp>
+        <p:nvCxnSpPr>
+          <p:cNvPr id="4" name="Straight Connector 3"/>
+          <p:cNvCxnSpPr/>
           <p:nvPr/>
-        </p:nvSpPr>
+        </p:nvCxnSpPr>
         <p:spPr>
           <a:xfrm>
-            <a:off x="3024188" y="404813"/>
-            <a:ext cx="3095625" cy="1008062"/>
+            <a:off x="6480000" y="36000"/>
+            <a:ext cx="1620000" cy="0"/>
           </a:xfrm>
-          <a:prstGeom prst="roundRect">
+          <a:prstGeom prst="line">
             <a:avLst/>
           </a:prstGeom>
-          <a:gradFill>
-            <a:gsLst>
-              <a:gs pos="0">
-                <a:schemeClr val="accent1">
-                  <a:lumMod val="90000"/>
-                </a:schemeClr>
-              </a:gs>
-              <a:gs pos="100000">
-                <a:schemeClr val="bg1"/>
-              </a:gs>
-            </a:gsLst>
-            <a:lin ang="16200000" scaled="1"/>
-          </a:gradFill>
+          <a:ln w="101600"/>
         </p:spPr>
         <p:style>
-          <a:lnRef idx="2">
-            <a:schemeClr val="accent1">
-              <a:shade val="50000"/>
-            </a:schemeClr>
+          <a:lnRef idx="1">
+            <a:schemeClr val="accent1"/>
           </a:lnRef>
-          <a:fillRef idx="1">
+          <a:fillRef idx="0">
             <a:schemeClr val="accent1"/>
           </a:fillRef>
           <a:effectRef idx="0">
             <a:schemeClr val="accent1"/>
           </a:effectRef>
           <a:fontRef idx="minor">
-            <a:schemeClr val="lt1"/>
+            <a:schemeClr val="tx1"/>
           </a:fontRef>
         </p:style>
-        <p:txBody>
-          <a:bodyPr anchor="ctr"/>
-          <a:lstStyle/>
-          <a:p>
-            <a:pPr algn="ctr">
-              <a:defRPr/>
-            </a:pPr>
-            <a:r>
-              <a:rPr lang="en-GB" sz="4000" dirty="0">
-                <a:solidFill>
-                  <a:schemeClr val="accent2"/>
-                </a:solidFill>
-              </a:rPr>
-              <a:t>Use-Case</a:t>
-            </a:r>
-          </a:p>
-        </p:txBody>
-      </p:sp>
-      <p:sp>
-        <p:nvSpPr>
-          <p:cNvPr id="11" name="Rounded Rectangle 10"/>
-          <p:cNvSpPr/>
-          <p:nvPr/>
-        </p:nvSpPr>
-        <p:spPr>
-          <a:xfrm>
-            <a:off x="3024188" y="1916113"/>
-            <a:ext cx="3095625" cy="1008062"/>
-          </a:xfrm>
-          <a:prstGeom prst="roundRect">
-            <a:avLst/>
-          </a:prstGeom>
-          <a:gradFill>
-            <a:gsLst>
-              <a:gs pos="0">
-                <a:schemeClr val="accent1">
-                  <a:lumMod val="90000"/>
-                </a:schemeClr>
-              </a:gs>
-              <a:gs pos="100000">
-                <a:schemeClr val="bg1"/>
-              </a:gs>
-            </a:gsLst>
-            <a:lin ang="16200000" scaled="1"/>
-          </a:gradFill>
-        </p:spPr>
-        <p:style>
-          <a:lnRef idx="2">
-            <a:schemeClr val="accent1">
-              <a:shade val="50000"/>
-            </a:schemeClr>
-          </a:lnRef>
-          <a:fillRef idx="1">
-            <a:schemeClr val="accent1"/>
-          </a:fillRef>
-          <a:effectRef idx="0">
-            <a:schemeClr val="accent1"/>
-          </a:effectRef>
-          <a:fontRef idx="minor">
-            <a:schemeClr val="lt1"/>
-          </a:fontRef>
-        </p:style>
-        <p:txBody>
-          <a:bodyPr anchor="ctr"/>
-          <a:lstStyle/>
-          <a:p>
-            <a:pPr algn="ctr">
-              <a:defRPr/>
-            </a:pPr>
-            <a:r>
-              <a:rPr lang="en-GB" sz="4000" dirty="0">
-                <a:solidFill>
-                  <a:schemeClr val="accent2"/>
-                </a:solidFill>
-              </a:rPr>
-              <a:t>Task</a:t>
-            </a:r>
-          </a:p>
-        </p:txBody>
-      </p:sp>
-      <p:sp>
-        <p:nvSpPr>
-          <p:cNvPr id="12" name="Rounded Rectangle 11"/>
-          <p:cNvSpPr/>
-          <p:nvPr/>
-        </p:nvSpPr>
-        <p:spPr>
-          <a:xfrm>
-            <a:off x="3024188" y="3429000"/>
-            <a:ext cx="3095625" cy="1008063"/>
-          </a:xfrm>
-          <a:prstGeom prst="roundRect">
-            <a:avLst/>
-          </a:prstGeom>
-          <a:gradFill>
-            <a:gsLst>
-              <a:gs pos="0">
-                <a:schemeClr val="accent1">
-                  <a:lumMod val="90000"/>
-                </a:schemeClr>
-              </a:gs>
-              <a:gs pos="100000">
-                <a:schemeClr val="bg1"/>
-              </a:gs>
-            </a:gsLst>
-            <a:lin ang="16200000" scaled="1"/>
-          </a:gradFill>
-        </p:spPr>
-        <p:style>
-          <a:lnRef idx="2">
-            <a:schemeClr val="accent1">
-              <a:shade val="50000"/>
-            </a:schemeClr>
-          </a:lnRef>
-          <a:fillRef idx="1">
-            <a:schemeClr val="accent1"/>
-          </a:fillRef>
-          <a:effectRef idx="0">
-            <a:schemeClr val="accent1"/>
-          </a:effectRef>
-          <a:fontRef idx="minor">
-            <a:schemeClr val="lt1"/>
-          </a:fontRef>
-        </p:style>
-        <p:txBody>
-          <a:bodyPr anchor="ctr"/>
-          <a:lstStyle/>
-          <a:p>
-            <a:pPr algn="ctr">
-              <a:defRPr/>
-            </a:pPr>
-            <a:r>
-              <a:rPr lang="en-GB" sz="4000" dirty="0">
-                <a:solidFill>
-                  <a:schemeClr val="accent2"/>
-                </a:solidFill>
-              </a:rPr>
-              <a:t>Command</a:t>
-            </a:r>
-          </a:p>
-        </p:txBody>
-      </p:sp>
-      <p:sp>
-        <p:nvSpPr>
-          <p:cNvPr id="13" name="Rounded Rectangle 12"/>
-          <p:cNvSpPr/>
-          <p:nvPr/>
-        </p:nvSpPr>
-        <p:spPr>
-          <a:xfrm>
-            <a:off x="3024188" y="4941888"/>
-            <a:ext cx="3095625" cy="1008062"/>
-          </a:xfrm>
-          <a:prstGeom prst="roundRect">
-            <a:avLst/>
-          </a:prstGeom>
-          <a:gradFill>
-            <a:gsLst>
-              <a:gs pos="0">
-                <a:schemeClr val="accent1">
-                  <a:lumMod val="90000"/>
-                </a:schemeClr>
-              </a:gs>
-              <a:gs pos="100000">
-                <a:schemeClr val="bg1"/>
-              </a:gs>
-            </a:gsLst>
-            <a:lin ang="16200000" scaled="1"/>
-          </a:gradFill>
-        </p:spPr>
-        <p:style>
-          <a:lnRef idx="2">
-            <a:schemeClr val="accent1">
-              <a:shade val="50000"/>
-            </a:schemeClr>
-          </a:lnRef>
-          <a:fillRef idx="1">
-            <a:schemeClr val="accent1"/>
-          </a:fillRef>
-          <a:effectRef idx="0">
-            <a:schemeClr val="accent1"/>
-          </a:effectRef>
-          <a:fontRef idx="minor">
-            <a:schemeClr val="lt1"/>
-          </a:fontRef>
-        </p:style>
-        <p:txBody>
-          <a:bodyPr anchor="ctr"/>
-          <a:lstStyle/>
-          <a:p>
-            <a:pPr algn="ctr">
-              <a:defRPr/>
-            </a:pPr>
-            <a:r>
-              <a:rPr lang="en-GB" sz="4000" dirty="0">
-                <a:solidFill>
-                  <a:schemeClr val="accent2"/>
-                </a:solidFill>
-              </a:rPr>
-              <a:t>Method Call</a:t>
-            </a:r>
-          </a:p>
-        </p:txBody>
-      </p:sp>
-      <p:sp>
-        <p:nvSpPr>
-          <p:cNvPr id="9" name="Right Arrow 8"/>
-          <p:cNvSpPr/>
-          <p:nvPr/>
-        </p:nvSpPr>
-        <p:spPr>
-          <a:xfrm rot="5400000">
-            <a:off x="4356100" y="1466850"/>
-            <a:ext cx="431800" cy="323850"/>
-          </a:xfrm>
-          <a:prstGeom prst="rightArrow">
-            <a:avLst/>
-          </a:prstGeom>
-        </p:spPr>
-        <p:style>
-          <a:lnRef idx="2">
-            <a:schemeClr val="accent1">
-              <a:shade val="50000"/>
-            </a:schemeClr>
-          </a:lnRef>
-          <a:fillRef idx="1">
-            <a:schemeClr val="accent1"/>
-          </a:fillRef>
-          <a:effectRef idx="0">
-            <a:schemeClr val="accent1"/>
-          </a:effectRef>
-          <a:fontRef idx="minor">
-            <a:schemeClr val="lt1"/>
-          </a:fontRef>
-        </p:style>
-        <p:txBody>
-          <a:bodyPr anchor="ctr"/>
-          <a:lstStyle/>
-          <a:p>
-            <a:pPr algn="ctr">
-              <a:defRPr/>
-            </a:pPr>
-            <a:endParaRPr lang="en-GB"/>
-          </a:p>
-        </p:txBody>
-      </p:sp>
-      <p:sp>
-        <p:nvSpPr>
-          <p:cNvPr id="15" name="Right Arrow 14"/>
-          <p:cNvSpPr/>
-          <p:nvPr/>
-        </p:nvSpPr>
-        <p:spPr>
-          <a:xfrm rot="5400000">
-            <a:off x="4359275" y="4491038"/>
-            <a:ext cx="431800" cy="323850"/>
-          </a:xfrm>
-          <a:prstGeom prst="rightArrow">
-            <a:avLst/>
-          </a:prstGeom>
-        </p:spPr>
-        <p:style>
-          <a:lnRef idx="2">
-            <a:schemeClr val="accent1">
-              <a:shade val="50000"/>
-            </a:schemeClr>
-          </a:lnRef>
-          <a:fillRef idx="1">
-            <a:schemeClr val="accent1"/>
-          </a:fillRef>
-          <a:effectRef idx="0">
-            <a:schemeClr val="accent1"/>
-          </a:effectRef>
-          <a:fontRef idx="minor">
-            <a:schemeClr val="lt1"/>
-          </a:fontRef>
-        </p:style>
-        <p:txBody>
-          <a:bodyPr anchor="ctr"/>
-          <a:lstStyle/>
-          <a:p>
-            <a:pPr algn="ctr">
-              <a:defRPr/>
-            </a:pPr>
-            <a:endParaRPr lang="en-GB"/>
-          </a:p>
-        </p:txBody>
-      </p:sp>
-      <p:sp>
-        <p:nvSpPr>
-          <p:cNvPr id="16" name="Right Arrow 15"/>
-          <p:cNvSpPr/>
-          <p:nvPr/>
-        </p:nvSpPr>
-        <p:spPr>
-          <a:xfrm rot="5400000">
-            <a:off x="4358481" y="2978944"/>
-            <a:ext cx="433388" cy="323850"/>
-          </a:xfrm>
-          <a:prstGeom prst="rightArrow">
-            <a:avLst/>
-          </a:prstGeom>
-        </p:spPr>
-        <p:style>
-          <a:lnRef idx="2">
-            <a:schemeClr val="accent1">
-              <a:shade val="50000"/>
-            </a:schemeClr>
-          </a:lnRef>
-          <a:fillRef idx="1">
-            <a:schemeClr val="accent1"/>
-          </a:fillRef>
-          <a:effectRef idx="0">
-            <a:schemeClr val="accent1"/>
-          </a:effectRef>
-          <a:fontRef idx="minor">
-            <a:schemeClr val="lt1"/>
-          </a:fontRef>
-        </p:style>
-        <p:txBody>
-          <a:bodyPr anchor="ctr"/>
-          <a:lstStyle/>
-          <a:p>
-            <a:pPr algn="ctr">
-              <a:defRPr/>
-            </a:pPr>
-            <a:endParaRPr lang="en-GB"/>
-          </a:p>
-        </p:txBody>
-      </p:sp>
+      </p:cxnSp>
     </p:spTree>
   </p:cSld>
   <p:clrMapOvr>
@@ -10645,9 +10679,9 @@
       </p:grpSpPr>
       <p:sp>
         <p:nvSpPr>
-          <p:cNvPr id="40962" name="Rectangle 2"/>
-          <p:cNvSpPr>
-            <a:spLocks noGrp="1" noChangeArrowheads="1"/>
+          <p:cNvPr id="2" name="Title 1"/>
+          <p:cNvSpPr>
+            <a:spLocks noGrp="1"/>
           </p:cNvSpPr>
           <p:nvPr>
             <p:ph type="title"/>
@@ -10658,19 +10692,26 @@
           <a:bodyPr/>
           <a:lstStyle/>
           <a:p>
-            <a:pPr eaLnBrk="1" hangingPunct="1"/>
-            <a:r>
-              <a:rPr lang="en-GB" smtClean="0"/>
-              <a:t>Events</a:t>
-            </a:r>
-          </a:p>
-        </p:txBody>
-      </p:sp>
-      <p:sp>
-        <p:nvSpPr>
-          <p:cNvPr id="40963" name="Rectangle 3"/>
-          <p:cNvSpPr>
-            <a:spLocks noGrp="1" noChangeArrowheads="1"/>
+            <a:pPr>
+              <a:defRPr/>
+            </a:pPr>
+            <a:r>
+              <a:rPr lang="en-GB" dirty="0" smtClean="0"/>
+              <a:t>SHOW ME TEH </a:t>
+            </a:r>
+            <a:r>
+              <a:rPr lang="en-GB" dirty="0" err="1" smtClean="0"/>
+              <a:t>Codez</a:t>
+            </a:r>
+            <a:endParaRPr lang="en-GB" dirty="0"/>
+          </a:p>
+        </p:txBody>
+      </p:sp>
+      <p:sp>
+        <p:nvSpPr>
+          <p:cNvPr id="19459" name="Text Placeholder 2"/>
+          <p:cNvSpPr>
+            <a:spLocks noGrp="1"/>
           </p:cNvSpPr>
           <p:nvPr>
             <p:ph type="body" idx="1"/>
@@ -10681,48 +10722,47 @@
           <a:bodyPr/>
           <a:lstStyle/>
           <a:p>
-            <a:pPr eaLnBrk="1" hangingPunct="1"/>
-            <a:r>
-              <a:rPr lang="en-GB" smtClean="0">
-                <a:solidFill>
-                  <a:schemeClr val="bg2"/>
-                </a:solidFill>
-              </a:rPr>
-              <a:t>Are data structures, not objects</a:t>
-            </a:r>
-          </a:p>
-          <a:p>
-            <a:pPr eaLnBrk="1" hangingPunct="1"/>
-            <a:r>
-              <a:rPr lang="en-GB" smtClean="0">
-                <a:solidFill>
-                  <a:schemeClr val="bg2"/>
-                </a:solidFill>
-              </a:rPr>
-              <a:t>The name says “what”, the properties say “who, where, why, when, how” as appropriate</a:t>
-            </a:r>
-          </a:p>
-          <a:p>
-            <a:pPr eaLnBrk="1" hangingPunct="1"/>
-            <a:r>
-              <a:rPr lang="en-GB" smtClean="0"/>
-              <a:t>Are past-tense</a:t>
-            </a:r>
-          </a:p>
-          <a:p>
-            <a:pPr eaLnBrk="1" hangingPunct="1"/>
-            <a:r>
-              <a:rPr lang="en-GB" b="1" smtClean="0"/>
-              <a:t>Cannot </a:t>
-            </a:r>
-            <a:r>
-              <a:rPr lang="en-GB" smtClean="0"/>
-              <a:t>be failed or rejected</a:t>
-            </a:r>
-          </a:p>
-        </p:txBody>
-      </p:sp>
+            <a:endParaRPr lang="en-US" smtClean="0"/>
+          </a:p>
+        </p:txBody>
+      </p:sp>
+      <p:cxnSp>
+        <p:nvCxnSpPr>
+          <p:cNvPr id="4" name="Straight Connector 3"/>
+          <p:cNvCxnSpPr/>
+          <p:nvPr/>
+        </p:nvCxnSpPr>
+        <p:spPr>
+          <a:xfrm>
+            <a:off x="8100000" y="36000"/>
+            <a:ext cx="1620000" cy="0"/>
+          </a:xfrm>
+          <a:prstGeom prst="line">
+            <a:avLst/>
+          </a:prstGeom>
+          <a:ln w="101600"/>
+        </p:spPr>
+        <p:style>
+          <a:lnRef idx="1">
+            <a:schemeClr val="accent1"/>
+          </a:lnRef>
+          <a:fillRef idx="0">
+            <a:schemeClr val="accent1"/>
+          </a:fillRef>
+          <a:effectRef idx="0">
+            <a:schemeClr val="accent1"/>
+          </a:effectRef>
+          <a:fontRef idx="minor">
+            <a:schemeClr val="tx1"/>
+          </a:fontRef>
+        </p:style>
+      </p:cxnSp>
     </p:spTree>
+    <p:extLst>
+      <p:ext uri="{BB962C8B-B14F-4D97-AF65-F5344CB8AC3E}">
+        <p14:creationId xmlns:p14="http://schemas.microsoft.com/office/powerpoint/2010/main" val="3401539290"/>
+      </p:ext>
+    </p:extLst>
   </p:cSld>
   <p:clrMapOvr>
     <a:masterClrMapping/>
@@ -10759,12 +10799,12 @@
       </p:grpSpPr>
       <p:sp>
         <p:nvSpPr>
-          <p:cNvPr id="41986" name="Rectangle 2"/>
-          <p:cNvSpPr>
-            <a:spLocks noGrp="1" noChangeArrowheads="1"/>
-          </p:cNvSpPr>
-          <p:nvPr>
-            <p:ph type="title"/>
+          <p:cNvPr id="6" name="Title 5"/>
+          <p:cNvSpPr>
+            <a:spLocks noGrp="1"/>
+          </p:cNvSpPr>
+          <p:nvPr>
+            <p:ph type="ctrTitle"/>
           </p:nvPr>
         </p:nvSpPr>
         <p:spPr/>
@@ -10772,22 +10812,22 @@
           <a:bodyPr/>
           <a:lstStyle/>
           <a:p>
-            <a:pPr eaLnBrk="1" hangingPunct="1"/>
-            <a:r>
-              <a:rPr lang="en-GB" smtClean="0"/>
-              <a:t>Event Sourcing Summary</a:t>
-            </a:r>
-          </a:p>
-        </p:txBody>
-      </p:sp>
-      <p:sp>
-        <p:nvSpPr>
-          <p:cNvPr id="41987" name="Rectangle 3"/>
-          <p:cNvSpPr>
-            <a:spLocks noGrp="1" noChangeArrowheads="1"/>
-          </p:cNvSpPr>
-          <p:nvPr>
-            <p:ph type="body" idx="1"/>
+            <a:r>
+              <a:rPr lang="en-GB" dirty="0" smtClean="0"/>
+              <a:t>But why?</a:t>
+            </a:r>
+            <a:endParaRPr lang="en-GB" dirty="0"/>
+          </a:p>
+        </p:txBody>
+      </p:sp>
+      <p:sp>
+        <p:nvSpPr>
+          <p:cNvPr id="7" name="Subtitle 6"/>
+          <p:cNvSpPr>
+            <a:spLocks noGrp="1"/>
+          </p:cNvSpPr>
+          <p:nvPr>
+            <p:ph type="subTitle" idx="1"/>
           </p:nvPr>
         </p:nvSpPr>
         <p:spPr/>
@@ -10795,48 +10835,52 @@
           <a:bodyPr/>
           <a:lstStyle/>
           <a:p>
-            <a:pPr eaLnBrk="1" hangingPunct="1"/>
-            <a:r>
-              <a:rPr lang="en-GB" smtClean="0"/>
-              <a:t>Persist events not Entities</a:t>
-            </a:r>
-          </a:p>
-          <a:p>
-            <a:pPr eaLnBrk="1" hangingPunct="1"/>
-            <a:r>
-              <a:rPr lang="en-GB" smtClean="0"/>
-              <a:t>Load Events and replay in memory</a:t>
-            </a:r>
-          </a:p>
-          <a:p>
-            <a:pPr eaLnBrk="1" hangingPunct="1"/>
-            <a:r>
-              <a:rPr lang="en-GB" smtClean="0"/>
-              <a:t>Replaying bypasses invariant logic</a:t>
-            </a:r>
-          </a:p>
-          <a:p>
-            <a:pPr eaLnBrk="1" hangingPunct="1"/>
-            <a:r>
-              <a:rPr lang="en-GB" smtClean="0"/>
-              <a:t>Unit testing</a:t>
-            </a:r>
-          </a:p>
-          <a:p>
-            <a:pPr eaLnBrk="1" hangingPunct="1"/>
-            <a:r>
-              <a:rPr lang="en-GB" smtClean="0"/>
-              <a:t>Time travelling</a:t>
-            </a:r>
-          </a:p>
-        </p:txBody>
-      </p:sp>
+            <a:endParaRPr lang="en-GB"/>
+          </a:p>
+        </p:txBody>
+      </p:sp>
+      <p:cxnSp>
+        <p:nvCxnSpPr>
+          <p:cNvPr id="8" name="Straight Connector 7"/>
+          <p:cNvCxnSpPr/>
+          <p:nvPr/>
+        </p:nvCxnSpPr>
+        <p:spPr>
+          <a:xfrm>
+            <a:off x="8100000" y="36000"/>
+            <a:ext cx="1620000" cy="0"/>
+          </a:xfrm>
+          <a:prstGeom prst="line">
+            <a:avLst/>
+          </a:prstGeom>
+          <a:ln w="101600"/>
+        </p:spPr>
+        <p:style>
+          <a:lnRef idx="1">
+            <a:schemeClr val="accent1"/>
+          </a:lnRef>
+          <a:fillRef idx="0">
+            <a:schemeClr val="accent1"/>
+          </a:fillRef>
+          <a:effectRef idx="0">
+            <a:schemeClr val="accent1"/>
+          </a:effectRef>
+          <a:fontRef idx="minor">
+            <a:schemeClr val="tx1"/>
+          </a:fontRef>
+        </p:style>
+      </p:cxnSp>
     </p:spTree>
+    <p:extLst>
+      <p:ext uri="{BB962C8B-B14F-4D97-AF65-F5344CB8AC3E}">
+        <p14:creationId xmlns:p14="http://schemas.microsoft.com/office/powerpoint/2010/main" val="3436855172"/>
+      </p:ext>
+    </p:extLst>
   </p:cSld>
   <p:clrMapOvr>
     <a:masterClrMapping/>
   </p:clrMapOvr>
-  <p:transition>
+  <p:transition advTm="19714">
     <p:fade/>
   </p:transition>
   <p:timing>
@@ -10868,12 +10912,12 @@
       </p:grpSpPr>
       <p:sp>
         <p:nvSpPr>
-          <p:cNvPr id="43010" name="Rectangle 4"/>
-          <p:cNvSpPr>
-            <a:spLocks noGrp="1" noChangeArrowheads="1"/>
-          </p:cNvSpPr>
-          <p:nvPr>
-            <p:ph type="ctrTitle"/>
+          <p:cNvPr id="2" name="Title 1"/>
+          <p:cNvSpPr>
+            <a:spLocks noGrp="1"/>
+          </p:cNvSpPr>
+          <p:nvPr>
+            <p:ph type="title"/>
           </p:nvPr>
         </p:nvSpPr>
         <p:spPr/>
@@ -10881,40 +10925,116 @@
           <a:bodyPr/>
           <a:lstStyle/>
           <a:p>
+            <a:r>
+              <a:rPr lang="en-GB" dirty="0" smtClean="0"/>
+              <a:t>Benefits of Event Sourcing</a:t>
+            </a:r>
+            <a:endParaRPr lang="en-GB" dirty="0"/>
+          </a:p>
+        </p:txBody>
+      </p:sp>
+      <p:sp>
+        <p:nvSpPr>
+          <p:cNvPr id="3" name="Content Placeholder 2"/>
+          <p:cNvSpPr>
+            <a:spLocks noGrp="1"/>
+          </p:cNvSpPr>
+          <p:nvPr>
+            <p:ph idx="1"/>
+          </p:nvPr>
+        </p:nvSpPr>
+        <p:spPr/>
+        <p:txBody>
+          <a:bodyPr/>
+          <a:lstStyle/>
+          <a:p>
             <a:pPr eaLnBrk="1" hangingPunct="1"/>
             <a:r>
-              <a:rPr lang="en-GB" smtClean="0"/>
-              <a:t>CAN HAZ CODEZ</a:t>
-            </a:r>
-          </a:p>
-        </p:txBody>
-      </p:sp>
-      <p:sp>
-        <p:nvSpPr>
-          <p:cNvPr id="43011" name="Rectangle 5"/>
-          <p:cNvSpPr>
-            <a:spLocks noGrp="1" noChangeArrowheads="1"/>
-          </p:cNvSpPr>
-          <p:nvPr>
-            <p:ph type="subTitle" idx="1"/>
-          </p:nvPr>
-        </p:nvSpPr>
-        <p:spPr/>
-        <p:txBody>
-          <a:bodyPr/>
-          <a:lstStyle/>
+              <a:rPr lang="en-GB" dirty="0" smtClean="0"/>
+              <a:t>Append-only database.</a:t>
+            </a:r>
+          </a:p>
           <a:p>
             <a:pPr eaLnBrk="1" hangingPunct="1"/>
-            <a:endParaRPr lang="en-US" smtClean="0"/>
-          </a:p>
-        </p:txBody>
-      </p:sp>
+            <a:r>
+              <a:rPr lang="en-GB" dirty="0" smtClean="0"/>
+              <a:t>Unit testing.</a:t>
+            </a:r>
+            <a:endParaRPr lang="en-GB" dirty="0"/>
+          </a:p>
+          <a:p>
+            <a:pPr eaLnBrk="1" hangingPunct="1"/>
+            <a:r>
+              <a:rPr lang="en-GB" dirty="0"/>
+              <a:t>Time </a:t>
+            </a:r>
+            <a:r>
+              <a:rPr lang="en-GB" dirty="0" smtClean="0"/>
+              <a:t>travelling.</a:t>
+            </a:r>
+          </a:p>
+          <a:p>
+            <a:pPr eaLnBrk="1" hangingPunct="1"/>
+            <a:r>
+              <a:rPr lang="en-GB" dirty="0" smtClean="0"/>
+              <a:t>Domain integration.</a:t>
+            </a:r>
+          </a:p>
+          <a:p>
+            <a:pPr eaLnBrk="1" hangingPunct="1"/>
+            <a:r>
+              <a:rPr lang="en-GB" dirty="0" smtClean="0"/>
+              <a:t>Rebuilding read-stores.</a:t>
+            </a:r>
+            <a:endParaRPr lang="en-GB" dirty="0"/>
+          </a:p>
+          <a:p>
+            <a:endParaRPr lang="en-GB" dirty="0"/>
+          </a:p>
+        </p:txBody>
+      </p:sp>
+      <p:cxnSp>
+        <p:nvCxnSpPr>
+          <p:cNvPr id="4" name="Straight Connector 3"/>
+          <p:cNvCxnSpPr/>
+          <p:nvPr/>
+        </p:nvCxnSpPr>
+        <p:spPr>
+          <a:xfrm>
+            <a:off x="8100000" y="36000"/>
+            <a:ext cx="1620000" cy="0"/>
+          </a:xfrm>
+          <a:prstGeom prst="line">
+            <a:avLst/>
+          </a:prstGeom>
+          <a:ln w="101600"/>
+        </p:spPr>
+        <p:style>
+          <a:lnRef idx="1">
+            <a:schemeClr val="accent1"/>
+          </a:lnRef>
+          <a:fillRef idx="0">
+            <a:schemeClr val="accent1"/>
+          </a:fillRef>
+          <a:effectRef idx="0">
+            <a:schemeClr val="accent1"/>
+          </a:effectRef>
+          <a:fontRef idx="minor">
+            <a:schemeClr val="tx1"/>
+          </a:fontRef>
+        </p:style>
+      </p:cxnSp>
     </p:spTree>
+    <p:extLst>
+      <p:ext uri="{BB962C8B-B14F-4D97-AF65-F5344CB8AC3E}">
+        <p14:creationId xmlns:p14="http://schemas.microsoft.com/office/powerpoint/2010/main" val="3050561299"/>
+      </p:ext>
+    </p:extLst>
   </p:cSld>
   <p:clrMapOvr>
     <a:masterClrMapping/>
   </p:clrMapOvr>
-  <p:transition>
+  <p:transition advTm="19714">
     <p:fade/>
   </p:transition>
   <p:timing>
@@ -11018,6 +11138,37 @@
           </a:p>
         </p:txBody>
       </p:sp>
+      <p:cxnSp>
+        <p:nvCxnSpPr>
+          <p:cNvPr id="4" name="Straight Connector 3"/>
+          <p:cNvCxnSpPr/>
+          <p:nvPr/>
+        </p:nvCxnSpPr>
+        <p:spPr>
+          <a:xfrm>
+            <a:off x="8100000" y="36000"/>
+            <a:ext cx="1620000" cy="0"/>
+          </a:xfrm>
+          <a:prstGeom prst="line">
+            <a:avLst/>
+          </a:prstGeom>
+          <a:ln w="101600"/>
+        </p:spPr>
+        <p:style>
+          <a:lnRef idx="1">
+            <a:schemeClr val="accent1"/>
+          </a:lnRef>
+          <a:fillRef idx="0">
+            <a:schemeClr val="accent1"/>
+          </a:fillRef>
+          <a:effectRef idx="0">
+            <a:schemeClr val="accent1"/>
+          </a:effectRef>
+          <a:fontRef idx="minor">
+            <a:schemeClr val="tx1"/>
+          </a:fontRef>
+        </p:style>
+      </p:cxnSp>
     </p:spTree>
   </p:cSld>
   <p:clrMapOvr>
@@ -11063,7 +11214,7 @@
         </p:nvSpPr>
         <p:spPr bwMode="auto">
           <a:xfrm>
-            <a:off x="2482850" y="4303637"/>
+            <a:off x="2616968" y="4303637"/>
             <a:ext cx="6059488" cy="4525963"/>
           </a:xfrm>
           <a:prstGeom prst="rect">
@@ -11220,7 +11371,7 @@
             </a:pPr>
             <a:r>
               <a:rPr lang="en-GB" sz="3200" dirty="0">
-                <a:latin typeface="Palatino Linotype" pitchFamily="18" charset="0"/>
+                <a:latin typeface="+mj-lt"/>
               </a:rPr>
               <a:t>Neil Barnwell</a:t>
             </a:r>
@@ -11233,18 +11384,18 @@
             </a:pPr>
             <a:r>
               <a:rPr lang="en-GB" sz="3200" dirty="0">
-                <a:latin typeface="Palatino Linotype" pitchFamily="18" charset="0"/>
+                <a:latin typeface="+mj-lt"/>
               </a:rPr>
               <a:t>@</a:t>
             </a:r>
             <a:r>
               <a:rPr lang="en-GB" sz="3200" dirty="0" err="1">
-                <a:latin typeface="Palatino Linotype" pitchFamily="18" charset="0"/>
+                <a:latin typeface="+mj-lt"/>
               </a:rPr>
               <a:t>neilbarnwell</a:t>
             </a:r>
             <a:endParaRPr lang="en-GB" sz="3200" dirty="0">
-              <a:latin typeface="Palatino Linotype" pitchFamily="18" charset="0"/>
+              <a:latin typeface="+mj-lt"/>
             </a:endParaRPr>
           </a:p>
           <a:p>
@@ -11255,7 +11406,7 @@
             </a:pPr>
             <a:r>
               <a:rPr lang="en-GB" sz="3200" dirty="0">
-                <a:latin typeface="Palatino Linotype" pitchFamily="18" charset="0"/>
+                <a:latin typeface="+mj-lt"/>
               </a:rPr>
               <a:t>www.neilbarnwell.co.uk</a:t>
             </a:r>
@@ -11284,7 +11435,7 @@
         </p:blipFill>
         <p:spPr>
           <a:xfrm>
-            <a:off x="467544" y="4317203"/>
+            <a:off x="601662" y="4317203"/>
             <a:ext cx="1800200" cy="1799365"/>
           </a:xfrm>
           <a:prstGeom prst="rect">
@@ -11340,8 +11491,8 @@
         </p:blipFill>
         <p:spPr bwMode="auto">
           <a:xfrm>
-            <a:off x="2439968" y="0"/>
-            <a:ext cx="4264064" cy="4264064"/>
+            <a:off x="2497872" y="115808"/>
+            <a:ext cx="4148256" cy="4148256"/>
           </a:xfrm>
           <a:prstGeom prst="rect">
             <a:avLst/>
@@ -11454,6 +11605,37 @@
           </a:p>
         </p:txBody>
       </p:sp>
+      <p:cxnSp>
+        <p:nvCxnSpPr>
+          <p:cNvPr id="6" name="Straight Connector 5"/>
+          <p:cNvCxnSpPr/>
+          <p:nvPr/>
+        </p:nvCxnSpPr>
+        <p:spPr>
+          <a:xfrm>
+            <a:off x="0" y="36000"/>
+            <a:ext cx="1620000" cy="0"/>
+          </a:xfrm>
+          <a:prstGeom prst="line">
+            <a:avLst/>
+          </a:prstGeom>
+          <a:ln w="101600"/>
+        </p:spPr>
+        <p:style>
+          <a:lnRef idx="1">
+            <a:schemeClr val="accent1"/>
+          </a:lnRef>
+          <a:fillRef idx="0">
+            <a:schemeClr val="accent1"/>
+          </a:fillRef>
+          <a:effectRef idx="0">
+            <a:schemeClr val="accent1"/>
+          </a:effectRef>
+          <a:fontRef idx="minor">
+            <a:schemeClr val="tx1"/>
+          </a:fontRef>
+        </p:style>
+      </p:cxnSp>
     </p:spTree>
   </p:cSld>
   <p:clrMapOvr>
@@ -11532,6 +11714,37 @@
           </a:p>
         </p:txBody>
       </p:sp>
+      <p:cxnSp>
+        <p:nvCxnSpPr>
+          <p:cNvPr id="6" name="Straight Connector 5"/>
+          <p:cNvCxnSpPr/>
+          <p:nvPr/>
+        </p:nvCxnSpPr>
+        <p:spPr>
+          <a:xfrm>
+            <a:off x="0" y="36000"/>
+            <a:ext cx="1620000" cy="0"/>
+          </a:xfrm>
+          <a:prstGeom prst="line">
+            <a:avLst/>
+          </a:prstGeom>
+          <a:ln w="101600"/>
+        </p:spPr>
+        <p:style>
+          <a:lnRef idx="1">
+            <a:schemeClr val="accent1"/>
+          </a:lnRef>
+          <a:fillRef idx="0">
+            <a:schemeClr val="accent1"/>
+          </a:fillRef>
+          <a:effectRef idx="0">
+            <a:schemeClr val="accent1"/>
+          </a:effectRef>
+          <a:fontRef idx="minor">
+            <a:schemeClr val="tx1"/>
+          </a:fontRef>
+        </p:style>
+      </p:cxnSp>
     </p:spTree>
   </p:cSld>
   <p:clrMapOvr>
@@ -11627,6 +11840,37 @@
           </a:p>
         </p:txBody>
       </p:sp>
+      <p:cxnSp>
+        <p:nvCxnSpPr>
+          <p:cNvPr id="6" name="Straight Connector 5"/>
+          <p:cNvCxnSpPr/>
+          <p:nvPr/>
+        </p:nvCxnSpPr>
+        <p:spPr>
+          <a:xfrm>
+            <a:off x="0" y="36000"/>
+            <a:ext cx="1620000" cy="0"/>
+          </a:xfrm>
+          <a:prstGeom prst="line">
+            <a:avLst/>
+          </a:prstGeom>
+          <a:ln w="101600"/>
+        </p:spPr>
+        <p:style>
+          <a:lnRef idx="1">
+            <a:schemeClr val="accent1"/>
+          </a:lnRef>
+          <a:fillRef idx="0">
+            <a:schemeClr val="accent1"/>
+          </a:fillRef>
+          <a:effectRef idx="0">
+            <a:schemeClr val="accent1"/>
+          </a:effectRef>
+          <a:fontRef idx="minor">
+            <a:schemeClr val="tx1"/>
+          </a:fontRef>
+        </p:style>
+      </p:cxnSp>
     </p:spTree>
   </p:cSld>
   <p:clrMapOvr>
@@ -11772,6 +12016,37 @@
           </a:p>
         </p:txBody>
       </p:sp>
+      <p:cxnSp>
+        <p:nvCxnSpPr>
+          <p:cNvPr id="6" name="Straight Connector 5"/>
+          <p:cNvCxnSpPr/>
+          <p:nvPr/>
+        </p:nvCxnSpPr>
+        <p:spPr>
+          <a:xfrm>
+            <a:off x="0" y="36000"/>
+            <a:ext cx="1620000" cy="0"/>
+          </a:xfrm>
+          <a:prstGeom prst="line">
+            <a:avLst/>
+          </a:prstGeom>
+          <a:ln w="101600"/>
+        </p:spPr>
+        <p:style>
+          <a:lnRef idx="1">
+            <a:schemeClr val="accent1"/>
+          </a:lnRef>
+          <a:fillRef idx="0">
+            <a:schemeClr val="accent1"/>
+          </a:fillRef>
+          <a:effectRef idx="0">
+            <a:schemeClr val="accent1"/>
+          </a:effectRef>
+          <a:fontRef idx="minor">
+            <a:schemeClr val="tx1"/>
+          </a:fontRef>
+        </p:style>
+      </p:cxnSp>
     </p:spTree>
   </p:cSld>
   <p:clrMapOvr>
@@ -11857,6 +12132,37 @@
           </a:p>
         </p:txBody>
       </p:sp>
+      <p:cxnSp>
+        <p:nvCxnSpPr>
+          <p:cNvPr id="6" name="Straight Connector 5"/>
+          <p:cNvCxnSpPr/>
+          <p:nvPr/>
+        </p:nvCxnSpPr>
+        <p:spPr>
+          <a:xfrm>
+            <a:off x="0" y="36000"/>
+            <a:ext cx="1620000" cy="0"/>
+          </a:xfrm>
+          <a:prstGeom prst="line">
+            <a:avLst/>
+          </a:prstGeom>
+          <a:ln w="101600"/>
+        </p:spPr>
+        <p:style>
+          <a:lnRef idx="1">
+            <a:schemeClr val="accent1"/>
+          </a:lnRef>
+          <a:fillRef idx="0">
+            <a:schemeClr val="accent1"/>
+          </a:fillRef>
+          <a:effectRef idx="0">
+            <a:schemeClr val="accent1"/>
+          </a:effectRef>
+          <a:fontRef idx="minor">
+            <a:schemeClr val="tx1"/>
+          </a:fontRef>
+        </p:style>
+      </p:cxnSp>
     </p:spTree>
   </p:cSld>
   <p:clrMapOvr>
